--- a/Methods.pptx
+++ b/Methods.pptx
@@ -2,10 +2,17 @@
 <file path=ppt/presentation.xml><?xml version="1.0" encoding="utf-8"?>
 <p:presentation xmlns:a="http://schemas.openxmlformats.org/drawingml/2006/main" xmlns:r="http://schemas.openxmlformats.org/officeDocument/2006/relationships" xmlns:p="http://schemas.openxmlformats.org/presentationml/2006/main" autoCompressPictures="0">
   <p:sldMasterIdLst>
-    <p:sldMasterId id="2147483648" r:id="rId1"/>
+    <p:sldMasterId id="2147483671" r:id="rId1"/>
   </p:sldMasterIdLst>
   <p:sldIdLst>
     <p:sldId id="256" r:id="rId2"/>
+    <p:sldId id="257" r:id="rId3"/>
+    <p:sldId id="258" r:id="rId4"/>
+    <p:sldId id="259" r:id="rId5"/>
+    <p:sldId id="260" r:id="rId6"/>
+    <p:sldId id="261" r:id="rId7"/>
+    <p:sldId id="262" r:id="rId8"/>
+    <p:sldId id="263" r:id="rId9"/>
   </p:sldIdLst>
   <p:sldSz cx="12192000" cy="6858000"/>
   <p:notesSz cx="6858000" cy="9144000"/>
@@ -104,6 +111,11 @@
       </a:defRPr>
     </a:lvl9pPr>
   </p:defaultTextStyle>
+  <p:extLst>
+    <p:ext uri="{EFAFB233-063F-42B5-8137-9DF3F51BA10A}">
+      <p15:sldGuideLst xmlns:p15="http://schemas.microsoft.com/office/powerpoint/2012/main"/>
+    </p:ext>
+  </p:extLst>
 </p:presentation>
 </file>
 
@@ -126,21 +138,21 @@
       </p:grpSpPr>
       <p:grpSp>
         <p:nvGrpSpPr>
-          <p:cNvPr id="16" name="Group 15"/>
+          <p:cNvPr id="14" name="Group 13"/>
           <p:cNvGrpSpPr/>
           <p:nvPr/>
         </p:nvGrpSpPr>
         <p:grpSpPr>
           <a:xfrm>
-            <a:off x="0" y="-2373"/>
-            <a:ext cx="12192000" cy="6867027"/>
-            <a:chOff x="0" y="-2373"/>
-            <a:chExt cx="12192000" cy="6867027"/>
+            <a:off x="-1588" y="0"/>
+            <a:ext cx="12193588" cy="6861555"/>
+            <a:chOff x="-1588" y="0"/>
+            <a:chExt cx="12193588" cy="6861555"/>
           </a:xfrm>
         </p:grpSpPr>
         <p:sp>
           <p:nvSpPr>
-            <p:cNvPr id="8" name="Rectangle 7"/>
+            <p:cNvPr id="9" name="Rectangle 8"/>
             <p:cNvSpPr/>
             <p:nvPr/>
           </p:nvSpPr>
@@ -156,16 +168,16 @@
               <a:blip r:embed="rId2">
                 <a:duotone>
                   <a:schemeClr val="dk2">
-                    <a:shade val="62000"/>
+                    <a:shade val="69000"/>
                     <a:hueMod val="108000"/>
                     <a:satMod val="164000"/>
-                    <a:lumMod val="69000"/>
+                    <a:lumMod val="74000"/>
                   </a:schemeClr>
                   <a:schemeClr val="dk2">
                     <a:tint val="96000"/>
-                    <a:hueMod val="90000"/>
-                    <a:satMod val="130000"/>
-                    <a:lumMod val="134000"/>
+                    <a:hueMod val="88000"/>
+                    <a:satMod val="140000"/>
+                    <a:lumMod val="132000"/>
                   </a:schemeClr>
                 </a:duotone>
               </a:blip>
@@ -202,8 +214,8 @@
           </p:nvSpPr>
           <p:spPr>
             <a:xfrm>
-              <a:off x="3220" y="2667000"/>
-              <a:ext cx="4191000" cy="4191000"/>
+              <a:off x="8761412" y="1828800"/>
+              <a:ext cx="2819400" cy="2819400"/>
             </a:xfrm>
             <a:prstGeom prst="ellipse">
               <a:avLst/>
@@ -211,24 +223,18 @@
             <a:gradFill flip="none" rotWithShape="1">
               <a:gsLst>
                 <a:gs pos="0">
-                  <a:schemeClr val="bg2">
-                    <a:lumMod val="40000"/>
-                    <a:lumOff val="60000"/>
-                    <a:alpha val="11000"/>
+                  <a:schemeClr val="accent5">
+                    <a:alpha val="7000"/>
                   </a:schemeClr>
                 </a:gs>
-                <a:gs pos="75000">
-                  <a:schemeClr val="bg2">
-                    <a:lumMod val="40000"/>
-                    <a:lumOff val="60000"/>
+                <a:gs pos="69000">
+                  <a:schemeClr val="accent5">
                     <a:alpha val="0"/>
                   </a:schemeClr>
                 </a:gs>
                 <a:gs pos="36000">
-                  <a:schemeClr val="bg2">
-                    <a:lumMod val="40000"/>
-                    <a:lumOff val="60000"/>
-                    <a:alpha val="10000"/>
+                  <a:schemeClr val="accent5">
+                    <a:alpha val="6000"/>
                   </a:schemeClr>
                 </a:gs>
               </a:gsLst>
@@ -265,8 +271,8 @@
           </p:nvSpPr>
           <p:spPr>
             <a:xfrm>
-              <a:off x="1750" y="2895600"/>
-              <a:ext cx="2362200" cy="2362200"/>
+              <a:off x="8761412" y="5870955"/>
+              <a:ext cx="990600" cy="990600"/>
             </a:xfrm>
             <a:prstGeom prst="ellipse">
               <a:avLst/>
@@ -274,24 +280,18 @@
             <a:gradFill flip="none" rotWithShape="1">
               <a:gsLst>
                 <a:gs pos="0">
-                  <a:schemeClr val="bg2">
-                    <a:lumMod val="40000"/>
-                    <a:lumOff val="60000"/>
-                    <a:alpha val="8000"/>
+                  <a:schemeClr val="accent5">
+                    <a:alpha val="14000"/>
                   </a:schemeClr>
                 </a:gs>
-                <a:gs pos="72000">
-                  <a:schemeClr val="bg2">
-                    <a:lumMod val="40000"/>
-                    <a:lumOff val="60000"/>
+                <a:gs pos="66000">
+                  <a:schemeClr val="accent5">
                     <a:alpha val="0"/>
                   </a:schemeClr>
                 </a:gs>
                 <a:gs pos="36000">
-                  <a:schemeClr val="bg2">
-                    <a:lumMod val="40000"/>
-                    <a:lumOff val="60000"/>
-                    <a:alpha val="8000"/>
+                  <a:schemeClr val="accent5">
+                    <a:alpha val="7000"/>
                   </a:schemeClr>
                 </a:gs>
               </a:gsLst>
@@ -328,8 +328,8 @@
           </p:nvSpPr>
           <p:spPr>
             <a:xfrm>
-              <a:off x="8609012" y="1676400"/>
-              <a:ext cx="2819400" cy="2819400"/>
+              <a:off x="-1588" y="2667000"/>
+              <a:ext cx="4191000" cy="4191000"/>
             </a:xfrm>
             <a:prstGeom prst="ellipse">
               <a:avLst/>
@@ -337,24 +337,18 @@
             <a:gradFill flip="none" rotWithShape="1">
               <a:gsLst>
                 <a:gs pos="0">
-                  <a:schemeClr val="bg2">
-                    <a:lumMod val="40000"/>
-                    <a:lumOff val="60000"/>
-                    <a:alpha val="7000"/>
+                  <a:schemeClr val="accent5">
+                    <a:alpha val="11000"/>
                   </a:schemeClr>
                 </a:gs>
-                <a:gs pos="69000">
-                  <a:schemeClr val="bg2">
-                    <a:lumMod val="40000"/>
-                    <a:lumOff val="60000"/>
+                <a:gs pos="75000">
+                  <a:schemeClr val="accent5">
                     <a:alpha val="0"/>
                   </a:schemeClr>
                 </a:gs>
                 <a:gs pos="36000">
-                  <a:schemeClr val="bg2">
-                    <a:lumMod val="40000"/>
-                    <a:lumOff val="60000"/>
-                    <a:alpha val="6000"/>
+                  <a:schemeClr val="accent5">
+                    <a:alpha val="10000"/>
                   </a:schemeClr>
                 </a:gs>
               </a:gsLst>
@@ -385,133 +379,7 @@
         </p:sp>
         <p:sp>
           <p:nvSpPr>
-            <p:cNvPr id="14" name="Oval 13"/>
-            <p:cNvSpPr/>
-            <p:nvPr/>
-          </p:nvSpPr>
-          <p:spPr>
-            <a:xfrm>
-              <a:off x="7999412" y="-2373"/>
-              <a:ext cx="1600200" cy="1600200"/>
-            </a:xfrm>
-            <a:prstGeom prst="ellipse">
-              <a:avLst/>
-            </a:prstGeom>
-            <a:gradFill flip="none" rotWithShape="1">
-              <a:gsLst>
-                <a:gs pos="0">
-                  <a:schemeClr val="bg2">
-                    <a:lumMod val="40000"/>
-                    <a:lumOff val="60000"/>
-                    <a:alpha val="14000"/>
-                  </a:schemeClr>
-                </a:gs>
-                <a:gs pos="73000">
-                  <a:schemeClr val="bg2">
-                    <a:lumMod val="40000"/>
-                    <a:lumOff val="60000"/>
-                    <a:alpha val="0"/>
-                  </a:schemeClr>
-                </a:gs>
-                <a:gs pos="36000">
-                  <a:schemeClr val="bg2">
-                    <a:lumMod val="40000"/>
-                    <a:lumOff val="60000"/>
-                    <a:alpha val="7000"/>
-                  </a:schemeClr>
-                </a:gs>
-              </a:gsLst>
-              <a:path path="circle">
-                <a:fillToRect l="50000" t="50000" r="50000" b="50000"/>
-              </a:path>
-              <a:tileRect/>
-            </a:gradFill>
-            <a:ln>
-              <a:noFill/>
-            </a:ln>
-            <a:effectLst/>
-          </p:spPr>
-          <p:style>
-            <a:lnRef idx="1">
-              <a:schemeClr val="accent1"/>
-            </a:lnRef>
-            <a:fillRef idx="3">
-              <a:schemeClr val="accent1"/>
-            </a:fillRef>
-            <a:effectRef idx="2">
-              <a:schemeClr val="accent1"/>
-            </a:effectRef>
-            <a:fontRef idx="minor">
-              <a:schemeClr val="lt1"/>
-            </a:fontRef>
-          </p:style>
-        </p:sp>
-        <p:sp>
-          <p:nvSpPr>
-            <p:cNvPr id="15" name="Oval 14"/>
-            <p:cNvSpPr/>
-            <p:nvPr/>
-          </p:nvSpPr>
-          <p:spPr>
-            <a:xfrm>
-              <a:off x="8609012" y="5874054"/>
-              <a:ext cx="990600" cy="990600"/>
-            </a:xfrm>
-            <a:prstGeom prst="ellipse">
-              <a:avLst/>
-            </a:prstGeom>
-            <a:gradFill flip="none" rotWithShape="1">
-              <a:gsLst>
-                <a:gs pos="0">
-                  <a:schemeClr val="bg2">
-                    <a:lumMod val="40000"/>
-                    <a:lumOff val="60000"/>
-                    <a:alpha val="14000"/>
-                  </a:schemeClr>
-                </a:gs>
-                <a:gs pos="66000">
-                  <a:schemeClr val="bg2">
-                    <a:lumMod val="40000"/>
-                    <a:lumOff val="60000"/>
-                    <a:alpha val="0"/>
-                  </a:schemeClr>
-                </a:gs>
-                <a:gs pos="36000">
-                  <a:schemeClr val="bg2">
-                    <a:lumMod val="40000"/>
-                    <a:lumOff val="60000"/>
-                    <a:alpha val="7000"/>
-                  </a:schemeClr>
-                </a:gs>
-              </a:gsLst>
-              <a:path path="circle">
-                <a:fillToRect l="50000" t="50000" r="50000" b="50000"/>
-              </a:path>
-              <a:tileRect/>
-            </a:gradFill>
-            <a:ln>
-              <a:noFill/>
-            </a:ln>
-            <a:effectLst/>
-          </p:spPr>
-          <p:style>
-            <a:lnRef idx="1">
-              <a:schemeClr val="accent1"/>
-            </a:lnRef>
-            <a:fillRef idx="3">
-              <a:schemeClr val="accent1"/>
-            </a:fillRef>
-            <a:effectRef idx="2">
-              <a:schemeClr val="accent1"/>
-            </a:effectRef>
-            <a:fontRef idx="minor">
-              <a:schemeClr val="lt1"/>
-            </a:fontRef>
-          </p:style>
-        </p:sp>
-        <p:sp>
-          <p:nvSpPr>
-            <p:cNvPr id="9" name="Freeform 5"/>
+            <p:cNvPr id="10" name="Freeform 5"/>
             <p:cNvSpPr>
               <a:spLocks noEditPoints="1"/>
             </p:cNvSpPr>
@@ -589,6 +457,9 @@
             <a:off x="1154955" y="2099733"/>
             <a:ext cx="8825658" cy="2677648"/>
           </a:xfrm>
+          <a:prstGeom prst="rect">
+            <a:avLst/>
+          </a:prstGeom>
         </p:spPr>
         <p:txBody>
           <a:bodyPr anchor="b"/>
@@ -629,7 +500,10 @@
               <a:buNone/>
               <a:defRPr cap="all">
                 <a:solidFill>
-                  <a:schemeClr val="accent1"/>
+                  <a:schemeClr val="tx2">
+                    <a:lumMod val="40000"/>
+                    <a:lumOff val="60000"/>
+                  </a:schemeClr>
                 </a:solidFill>
               </a:defRPr>
             </a:lvl1pPr>
@@ -735,15 +609,15 @@
         </p:nvSpPr>
         <p:spPr>
           <a:xfrm rot="5400000">
-            <a:off x="10089390" y="1792223"/>
+            <a:off x="10158984" y="1792224"/>
             <a:ext cx="990599" cy="304799"/>
           </a:xfrm>
         </p:spPr>
         <p:txBody>
-          <a:bodyPr anchor="t"/>
+          <a:bodyPr/>
           <a:lstStyle>
             <a:lvl1pPr algn="l">
-              <a:defRPr b="0" i="0">
+              <a:defRPr b="0">
                 <a:solidFill>
                   <a:schemeClr val="bg1"/>
                 </a:solidFill>
@@ -752,7 +626,7 @@
           </a:lstStyle>
           <a:p>
             <a:fld id="{1E700B27-DE4C-4B9E-BB11-B9027034A00F}" type="datetimeFigureOut">
-              <a:rPr lang="en-US" dirty="0"/>
+              <a:rPr lang="en-US" smtClean="0"/>
               <a:pPr/>
               <a:t>7/25/2024</a:t>
             </a:fld>
@@ -772,15 +646,15 @@
         </p:nvSpPr>
         <p:spPr>
           <a:xfrm rot="5400000">
-            <a:off x="8959592" y="3226820"/>
-            <a:ext cx="3859795" cy="304801"/>
+            <a:off x="8951976" y="3227832"/>
+            <a:ext cx="3867912" cy="310896"/>
           </a:xfrm>
         </p:spPr>
         <p:txBody>
           <a:bodyPr/>
           <a:lstStyle>
             <a:lvl1pPr>
-              <a:defRPr b="0" i="0">
+              <a:defRPr sz="1000" b="0">
                 <a:solidFill>
                   <a:schemeClr val="bg1"/>
                 </a:solidFill>
@@ -794,7 +668,7 @@
       </p:sp>
       <p:sp>
         <p:nvSpPr>
-          <p:cNvPr id="10" name="Rectangle 9"/>
+          <p:cNvPr id="8" name="Rectangle 7"/>
           <p:cNvSpPr/>
           <p:nvPr/>
         </p:nvSpPr>
@@ -855,7 +729,7 @@
           </a:lstStyle>
           <a:p>
             <a:fld id="{D57F1E4F-1CFF-5643-939E-217C01CDF565}" type="slidenum">
-              <a:rPr lang="en-US" dirty="0"/>
+              <a:rPr lang="en-US" smtClean="0"/>
               <a:pPr/>
               <a:t>‹#›</a:t>
             </a:fld>
@@ -864,6 +738,11 @@
         </p:txBody>
       </p:sp>
     </p:spTree>
+    <p:extLst>
+      <p:ext uri="{BB962C8B-B14F-4D97-AF65-F5344CB8AC3E}">
+        <p14:creationId xmlns:p14="http://schemas.microsoft.com/office/powerpoint/2010/main" val="403668514"/>
+      </p:ext>
+    </p:extLst>
   </p:cSld>
   <p:clrMapOvr>
     <a:masterClrMapping/>
@@ -872,7 +751,7 @@
 </file>
 
 <file path=ppt/slideLayouts/slideLayout10.xml><?xml version="1.0" encoding="utf-8"?>
-<p:sldLayout xmlns:a="http://schemas.openxmlformats.org/drawingml/2006/main" xmlns:r="http://schemas.openxmlformats.org/officeDocument/2006/relationships" xmlns:p="http://schemas.openxmlformats.org/presentationml/2006/main" preserve="1">
+<p:sldLayout xmlns:a="http://schemas.openxmlformats.org/drawingml/2006/main" xmlns:r="http://schemas.openxmlformats.org/officeDocument/2006/relationships" xmlns:p="http://schemas.openxmlformats.org/presentationml/2006/main" showMasterSp="0" preserve="1">
   <p:cSld name="Panoramic Picture with Caption">
     <p:spTree>
       <p:nvGrpSpPr>
@@ -890,16 +769,16 @@
       </p:grpSpPr>
       <p:grpSp>
         <p:nvGrpSpPr>
-          <p:cNvPr id="19" name="Group 18"/>
+          <p:cNvPr id="17" name="Group 16"/>
           <p:cNvGrpSpPr/>
           <p:nvPr/>
         </p:nvGrpSpPr>
         <p:grpSpPr>
           <a:xfrm>
-            <a:off x="0" y="-2373"/>
-            <a:ext cx="12192000" cy="6867027"/>
-            <a:chOff x="0" y="-2373"/>
-            <a:chExt cx="12192000" cy="6867027"/>
+            <a:off x="-1588" y="0"/>
+            <a:ext cx="12193588" cy="6861555"/>
+            <a:chOff x="-1588" y="0"/>
+            <a:chExt cx="12193588" cy="6861555"/>
           </a:xfrm>
         </p:grpSpPr>
         <p:sp>
@@ -920,16 +799,16 @@
               <a:blip r:embed="rId2">
                 <a:duotone>
                   <a:schemeClr val="dk2">
-                    <a:shade val="62000"/>
+                    <a:shade val="69000"/>
                     <a:hueMod val="108000"/>
                     <a:satMod val="164000"/>
-                    <a:lumMod val="69000"/>
+                    <a:lumMod val="74000"/>
                   </a:schemeClr>
                   <a:schemeClr val="dk2">
                     <a:tint val="96000"/>
-                    <a:hueMod val="90000"/>
-                    <a:satMod val="130000"/>
-                    <a:lumMod val="134000"/>
+                    <a:hueMod val="88000"/>
+                    <a:satMod val="140000"/>
+                    <a:lumMod val="132000"/>
                   </a:schemeClr>
                 </a:duotone>
               </a:blip>
@@ -966,8 +845,8 @@
           </p:nvSpPr>
           <p:spPr>
             <a:xfrm>
-              <a:off x="3220" y="2667000"/>
-              <a:ext cx="4191000" cy="4191000"/>
+              <a:off x="8761412" y="1828800"/>
+              <a:ext cx="2819400" cy="2819400"/>
             </a:xfrm>
             <a:prstGeom prst="ellipse">
               <a:avLst/>
@@ -975,24 +854,18 @@
             <a:gradFill flip="none" rotWithShape="1">
               <a:gsLst>
                 <a:gs pos="0">
-                  <a:schemeClr val="bg2">
-                    <a:lumMod val="40000"/>
-                    <a:lumOff val="60000"/>
-                    <a:alpha val="11000"/>
+                  <a:schemeClr val="accent5">
+                    <a:alpha val="7000"/>
                   </a:schemeClr>
                 </a:gs>
-                <a:gs pos="75000">
-                  <a:schemeClr val="bg2">
-                    <a:lumMod val="40000"/>
-                    <a:lumOff val="60000"/>
+                <a:gs pos="69000">
+                  <a:schemeClr val="accent5">
                     <a:alpha val="0"/>
                   </a:schemeClr>
                 </a:gs>
                 <a:gs pos="36000">
-                  <a:schemeClr val="bg2">
-                    <a:lumMod val="40000"/>
-                    <a:lumOff val="60000"/>
-                    <a:alpha val="10000"/>
+                  <a:schemeClr val="accent5">
+                    <a:alpha val="6000"/>
                   </a:schemeClr>
                 </a:gs>
               </a:gsLst>
@@ -1029,8 +902,8 @@
           </p:nvSpPr>
           <p:spPr>
             <a:xfrm>
-              <a:off x="1750" y="2895600"/>
-              <a:ext cx="2362200" cy="2362200"/>
+              <a:off x="8761412" y="5870955"/>
+              <a:ext cx="990600" cy="990600"/>
             </a:xfrm>
             <a:prstGeom prst="ellipse">
               <a:avLst/>
@@ -1038,24 +911,18 @@
             <a:gradFill flip="none" rotWithShape="1">
               <a:gsLst>
                 <a:gs pos="0">
-                  <a:schemeClr val="bg2">
-                    <a:lumMod val="40000"/>
-                    <a:lumOff val="60000"/>
-                    <a:alpha val="8000"/>
+                  <a:schemeClr val="accent5">
+                    <a:alpha val="14000"/>
                   </a:schemeClr>
                 </a:gs>
-                <a:gs pos="72000">
-                  <a:schemeClr val="bg2">
-                    <a:lumMod val="40000"/>
-                    <a:lumOff val="60000"/>
+                <a:gs pos="66000">
+                  <a:schemeClr val="accent5">
                     <a:alpha val="0"/>
                   </a:schemeClr>
                 </a:gs>
                 <a:gs pos="36000">
-                  <a:schemeClr val="bg2">
-                    <a:lumMod val="40000"/>
-                    <a:lumOff val="60000"/>
-                    <a:alpha val="8000"/>
+                  <a:schemeClr val="accent5">
+                    <a:alpha val="7000"/>
                   </a:schemeClr>
                 </a:gs>
               </a:gsLst>
@@ -1092,8 +959,8 @@
           </p:nvSpPr>
           <p:spPr>
             <a:xfrm>
-              <a:off x="8609012" y="1676400"/>
-              <a:ext cx="2819400" cy="2819400"/>
+              <a:off x="-1588" y="2667000"/>
+              <a:ext cx="4191000" cy="4191000"/>
             </a:xfrm>
             <a:prstGeom prst="ellipse">
               <a:avLst/>
@@ -1101,150 +968,18 @@
             <a:gradFill flip="none" rotWithShape="1">
               <a:gsLst>
                 <a:gs pos="0">
-                  <a:schemeClr val="bg2">
-                    <a:lumMod val="40000"/>
-                    <a:lumOff val="60000"/>
-                    <a:alpha val="7000"/>
+                  <a:schemeClr val="accent5">
+                    <a:alpha val="11000"/>
                   </a:schemeClr>
                 </a:gs>
-                <a:gs pos="69000">
-                  <a:schemeClr val="bg2">
-                    <a:lumMod val="40000"/>
-                    <a:lumOff val="60000"/>
+                <a:gs pos="75000">
+                  <a:schemeClr val="accent5">
                     <a:alpha val="0"/>
                   </a:schemeClr>
                 </a:gs>
                 <a:gs pos="36000">
-                  <a:schemeClr val="bg2">
-                    <a:lumMod val="40000"/>
-                    <a:lumOff val="60000"/>
-                    <a:alpha val="6000"/>
-                  </a:schemeClr>
-                </a:gs>
-              </a:gsLst>
-              <a:path path="circle">
-                <a:fillToRect l="50000" t="50000" r="50000" b="50000"/>
-              </a:path>
-              <a:tileRect/>
-            </a:gradFill>
-            <a:ln>
-              <a:noFill/>
-            </a:ln>
-            <a:effectLst/>
-          </p:spPr>
-          <p:style>
-            <a:lnRef idx="1">
-              <a:schemeClr val="accent1"/>
-            </a:lnRef>
-            <a:fillRef idx="3">
-              <a:schemeClr val="accent1"/>
-            </a:fillRef>
-            <a:effectRef idx="2">
-              <a:schemeClr val="accent1"/>
-            </a:effectRef>
-            <a:fontRef idx="minor">
-              <a:schemeClr val="lt1"/>
-            </a:fontRef>
-          </p:style>
-        </p:sp>
-        <p:sp>
-          <p:nvSpPr>
-            <p:cNvPr id="17" name="Oval 16"/>
-            <p:cNvSpPr/>
-            <p:nvPr/>
-          </p:nvSpPr>
-          <p:spPr>
-            <a:xfrm>
-              <a:off x="7999412" y="-2373"/>
-              <a:ext cx="1600200" cy="1600200"/>
-            </a:xfrm>
-            <a:prstGeom prst="ellipse">
-              <a:avLst/>
-            </a:prstGeom>
-            <a:gradFill flip="none" rotWithShape="1">
-              <a:gsLst>
-                <a:gs pos="0">
-                  <a:schemeClr val="bg2">
-                    <a:lumMod val="40000"/>
-                    <a:lumOff val="60000"/>
-                    <a:alpha val="14000"/>
-                  </a:schemeClr>
-                </a:gs>
-                <a:gs pos="73000">
-                  <a:schemeClr val="bg2">
-                    <a:lumMod val="40000"/>
-                    <a:lumOff val="60000"/>
-                    <a:alpha val="0"/>
-                  </a:schemeClr>
-                </a:gs>
-                <a:gs pos="36000">
-                  <a:schemeClr val="bg2">
-                    <a:lumMod val="40000"/>
-                    <a:lumOff val="60000"/>
-                    <a:alpha val="7000"/>
-                  </a:schemeClr>
-                </a:gs>
-              </a:gsLst>
-              <a:path path="circle">
-                <a:fillToRect l="50000" t="50000" r="50000" b="50000"/>
-              </a:path>
-              <a:tileRect/>
-            </a:gradFill>
-            <a:ln>
-              <a:noFill/>
-            </a:ln>
-            <a:effectLst/>
-          </p:spPr>
-          <p:style>
-            <a:lnRef idx="1">
-              <a:schemeClr val="accent1"/>
-            </a:lnRef>
-            <a:fillRef idx="3">
-              <a:schemeClr val="accent1"/>
-            </a:fillRef>
-            <a:effectRef idx="2">
-              <a:schemeClr val="accent1"/>
-            </a:effectRef>
-            <a:fontRef idx="minor">
-              <a:schemeClr val="lt1"/>
-            </a:fontRef>
-          </p:style>
-        </p:sp>
-        <p:sp>
-          <p:nvSpPr>
-            <p:cNvPr id="18" name="Oval 17"/>
-            <p:cNvSpPr/>
-            <p:nvPr/>
-          </p:nvSpPr>
-          <p:spPr>
-            <a:xfrm>
-              <a:off x="8609012" y="5874054"/>
-              <a:ext cx="990600" cy="990600"/>
-            </a:xfrm>
-            <a:prstGeom prst="ellipse">
-              <a:avLst/>
-            </a:prstGeom>
-            <a:gradFill flip="none" rotWithShape="1">
-              <a:gsLst>
-                <a:gs pos="0">
-                  <a:schemeClr val="bg2">
-                    <a:lumMod val="40000"/>
-                    <a:lumOff val="60000"/>
-                    <a:alpha val="14000"/>
-                  </a:schemeClr>
-                </a:gs>
-                <a:gs pos="66000">
-                  <a:schemeClr val="bg2">
-                    <a:lumMod val="40000"/>
-                    <a:lumOff val="60000"/>
-                    <a:alpha val="0"/>
-                  </a:schemeClr>
-                </a:gs>
-                <a:gs pos="36000">
-                  <a:schemeClr val="bg2">
-                    <a:lumMod val="40000"/>
-                    <a:lumOff val="60000"/>
-                    <a:alpha val="7000"/>
+                  <a:schemeClr val="accent5">
+                    <a:alpha val="10000"/>
                   </a:schemeClr>
                 </a:gs>
               </a:gsLst>
@@ -1606,7 +1341,7 @@
         </p:sp>
         <p:sp>
           <p:nvSpPr>
-            <p:cNvPr id="12" name="Freeform 5"/>
+            <p:cNvPr id="13" name="Freeform 5"/>
             <p:cNvSpPr>
               <a:spLocks noEditPoints="1"/>
             </p:cNvSpPr>
@@ -1681,9 +1416,12 @@
         </p:nvSpPr>
         <p:spPr>
           <a:xfrm>
-            <a:off x="1154956" y="4966674"/>
+            <a:off x="1154957" y="4969927"/>
             <a:ext cx="8825657" cy="566738"/>
           </a:xfrm>
+          <a:prstGeom prst="rect">
+            <a:avLst/>
+          </a:prstGeom>
         </p:spPr>
         <p:txBody>
           <a:bodyPr anchor="b">
@@ -1794,7 +1532,7 @@
         </p:nvSpPr>
         <p:spPr bwMode="gray">
           <a:xfrm>
-            <a:off x="1154956" y="5536665"/>
+            <a:off x="1154957" y="5536665"/>
             <a:ext cx="8825656" cy="493712"/>
           </a:xfrm>
         </p:spPr>
@@ -1807,7 +1545,10 @@
               <a:buNone/>
               <a:defRPr sz="1200">
                 <a:solidFill>
-                  <a:schemeClr val="accent1"/>
+                  <a:schemeClr val="tx2">
+                    <a:lumMod val="40000"/>
+                    <a:lumOff val="60000"/>
+                  </a:schemeClr>
                 </a:solidFill>
               </a:defRPr>
             </a:lvl1pPr>
@@ -1869,7 +1610,7 @@
           <a:lstStyle/>
           <a:p>
             <a:fld id="{C40F4739-9812-4A9F-890D-2AD6BA5F6EE8}" type="datetimeFigureOut">
-              <a:rPr lang="en-US" dirty="0"/>
+              <a:rPr lang="en-US" smtClean="0"/>
               <a:t>7/25/2024</a:t>
             </a:fld>
             <a:endParaRPr lang="en-US" dirty="0"/>
@@ -1897,7 +1638,7 @@
       </p:sp>
       <p:sp>
         <p:nvSpPr>
-          <p:cNvPr id="13" name="Rectangle 12"/>
+          <p:cNvPr id="12" name="Rectangle 11"/>
           <p:cNvSpPr/>
           <p:nvPr/>
         </p:nvSpPr>
@@ -1947,7 +1688,7 @@
           <a:lstStyle/>
           <a:p>
             <a:fld id="{D57F1E4F-1CFF-5643-939E-217C01CDF565}" type="slidenum">
-              <a:rPr lang="en-US" dirty="0"/>
+              <a:rPr lang="en-US" smtClean="0"/>
               <a:pPr/>
               <a:t>‹#›</a:t>
             </a:fld>
@@ -1956,6 +1697,11 @@
         </p:txBody>
       </p:sp>
     </p:spTree>
+    <p:extLst>
+      <p:ext uri="{BB962C8B-B14F-4D97-AF65-F5344CB8AC3E}">
+        <p14:creationId xmlns:p14="http://schemas.microsoft.com/office/powerpoint/2010/main" val="1567253937"/>
+      </p:ext>
+    </p:extLst>
   </p:cSld>
   <p:clrMapOvr>
     <a:masterClrMapping/>
@@ -1982,16 +1728,16 @@
       </p:grpSpPr>
       <p:grpSp>
         <p:nvGrpSpPr>
-          <p:cNvPr id="12" name="Group 11"/>
+          <p:cNvPr id="16" name="Group 15"/>
           <p:cNvGrpSpPr/>
           <p:nvPr/>
         </p:nvGrpSpPr>
         <p:grpSpPr>
           <a:xfrm>
-            <a:off x="0" y="-2373"/>
-            <a:ext cx="12192000" cy="6867027"/>
-            <a:chOff x="0" y="-2373"/>
-            <a:chExt cx="12192000" cy="6867027"/>
+            <a:off x="-1588" y="0"/>
+            <a:ext cx="12193588" cy="6861555"/>
+            <a:chOff x="-1588" y="0"/>
+            <a:chExt cx="12193588" cy="6861555"/>
           </a:xfrm>
         </p:grpSpPr>
         <p:sp>
@@ -2012,16 +1758,16 @@
               <a:blip r:embed="rId2">
                 <a:duotone>
                   <a:schemeClr val="dk2">
-                    <a:shade val="62000"/>
+                    <a:shade val="69000"/>
                     <a:hueMod val="108000"/>
                     <a:satMod val="164000"/>
-                    <a:lumMod val="69000"/>
+                    <a:lumMod val="74000"/>
                   </a:schemeClr>
                   <a:schemeClr val="dk2">
                     <a:tint val="96000"/>
-                    <a:hueMod val="90000"/>
-                    <a:satMod val="130000"/>
-                    <a:lumMod val="134000"/>
+                    <a:hueMod val="88000"/>
+                    <a:satMod val="140000"/>
+                    <a:lumMod val="132000"/>
                   </a:schemeClr>
                 </a:duotone>
               </a:blip>
@@ -2052,14 +1798,14 @@
         </p:sp>
         <p:sp>
           <p:nvSpPr>
-            <p:cNvPr id="14" name="Oval 13"/>
+            <p:cNvPr id="13" name="Oval 12"/>
             <p:cNvSpPr/>
             <p:nvPr/>
           </p:nvSpPr>
           <p:spPr>
             <a:xfrm>
-              <a:off x="3220" y="2667000"/>
-              <a:ext cx="4191000" cy="4191000"/>
+              <a:off x="8761412" y="1828800"/>
+              <a:ext cx="2819400" cy="2819400"/>
             </a:xfrm>
             <a:prstGeom prst="ellipse">
               <a:avLst/>
@@ -2067,24 +1813,75 @@
             <a:gradFill flip="none" rotWithShape="1">
               <a:gsLst>
                 <a:gs pos="0">
-                  <a:schemeClr val="bg2">
-                    <a:lumMod val="40000"/>
-                    <a:lumOff val="60000"/>
-                    <a:alpha val="11000"/>
+                  <a:schemeClr val="accent5">
+                    <a:alpha val="7000"/>
                   </a:schemeClr>
                 </a:gs>
-                <a:gs pos="75000">
-                  <a:schemeClr val="bg2">
-                    <a:lumMod val="40000"/>
-                    <a:lumOff val="60000"/>
+                <a:gs pos="69000">
+                  <a:schemeClr val="accent5">
                     <a:alpha val="0"/>
                   </a:schemeClr>
                 </a:gs>
                 <a:gs pos="36000">
-                  <a:schemeClr val="bg2">
-                    <a:lumMod val="40000"/>
-                    <a:lumOff val="60000"/>
-                    <a:alpha val="10000"/>
+                  <a:schemeClr val="accent5">
+                    <a:alpha val="6000"/>
+                  </a:schemeClr>
+                </a:gs>
+              </a:gsLst>
+              <a:path path="circle">
+                <a:fillToRect l="50000" t="50000" r="50000" b="50000"/>
+              </a:path>
+              <a:tileRect/>
+            </a:gradFill>
+            <a:ln>
+              <a:noFill/>
+            </a:ln>
+            <a:effectLst/>
+          </p:spPr>
+          <p:style>
+            <a:lnRef idx="1">
+              <a:schemeClr val="accent1"/>
+            </a:lnRef>
+            <a:fillRef idx="3">
+              <a:schemeClr val="accent1"/>
+            </a:fillRef>
+            <a:effectRef idx="2">
+              <a:schemeClr val="accent1"/>
+            </a:effectRef>
+            <a:fontRef idx="minor">
+              <a:schemeClr val="lt1"/>
+            </a:fontRef>
+          </p:style>
+        </p:sp>
+        <p:sp>
+          <p:nvSpPr>
+            <p:cNvPr id="14" name="Oval 13"/>
+            <p:cNvSpPr/>
+            <p:nvPr/>
+          </p:nvSpPr>
+          <p:spPr>
+            <a:xfrm>
+              <a:off x="8761412" y="5870955"/>
+              <a:ext cx="990600" cy="990600"/>
+            </a:xfrm>
+            <a:prstGeom prst="ellipse">
+              <a:avLst/>
+            </a:prstGeom>
+            <a:gradFill flip="none" rotWithShape="1">
+              <a:gsLst>
+                <a:gs pos="0">
+                  <a:schemeClr val="accent5">
+                    <a:alpha val="14000"/>
+                  </a:schemeClr>
+                </a:gs>
+                <a:gs pos="66000">
+                  <a:schemeClr val="accent5">
+                    <a:alpha val="0"/>
+                  </a:schemeClr>
+                </a:gs>
+                <a:gs pos="36000">
+                  <a:schemeClr val="accent5">
+                    <a:alpha val="7000"/>
                   </a:schemeClr>
                 </a:gs>
               </a:gsLst>
@@ -2121,8 +1918,8 @@
           </p:nvSpPr>
           <p:spPr>
             <a:xfrm>
-              <a:off x="1750" y="2895600"/>
-              <a:ext cx="2362200" cy="2362200"/>
+              <a:off x="-1588" y="2667000"/>
+              <a:ext cx="4191000" cy="4191000"/>
             </a:xfrm>
             <a:prstGeom prst="ellipse">
               <a:avLst/>
@@ -2130,24 +1927,18 @@
             <a:gradFill flip="none" rotWithShape="1">
               <a:gsLst>
                 <a:gs pos="0">
-                  <a:schemeClr val="bg2">
-                    <a:lumMod val="40000"/>
-                    <a:lumOff val="60000"/>
-                    <a:alpha val="8000"/>
+                  <a:schemeClr val="accent5">
+                    <a:alpha val="11000"/>
                   </a:schemeClr>
                 </a:gs>
-                <a:gs pos="72000">
-                  <a:schemeClr val="bg2">
-                    <a:lumMod val="40000"/>
-                    <a:lumOff val="60000"/>
+                <a:gs pos="75000">
+                  <a:schemeClr val="accent5">
                     <a:alpha val="0"/>
                   </a:schemeClr>
                 </a:gs>
                 <a:gs pos="36000">
-                  <a:schemeClr val="bg2">
-                    <a:lumMod val="40000"/>
-                    <a:lumOff val="60000"/>
-                    <a:alpha val="8000"/>
+                  <a:schemeClr val="accent5">
+                    <a:alpha val="10000"/>
                   </a:schemeClr>
                 </a:gs>
               </a:gsLst>
@@ -2178,192 +1969,187 @@
         </p:sp>
         <p:sp>
           <p:nvSpPr>
-            <p:cNvPr id="16" name="Oval 15"/>
+            <p:cNvPr id="7" name="Freeform 5"/>
             <p:cNvSpPr/>
             <p:nvPr/>
           </p:nvSpPr>
-          <p:spPr>
+          <p:spPr bwMode="gray">
             <a:xfrm>
-              <a:off x="8609012" y="1676400"/>
-              <a:ext cx="2819400" cy="2819400"/>
+              <a:off x="455612" y="2801319"/>
+              <a:ext cx="11277600" cy="3602637"/>
             </a:xfrm>
-            <a:prstGeom prst="ellipse">
+            <a:custGeom>
               <a:avLst/>
-            </a:prstGeom>
-            <a:gradFill flip="none" rotWithShape="1">
-              <a:gsLst>
-                <a:gs pos="0">
-                  <a:schemeClr val="bg2">
-                    <a:lumMod val="40000"/>
-                    <a:lumOff val="60000"/>
-                    <a:alpha val="7000"/>
-                  </a:schemeClr>
-                </a:gs>
-                <a:gs pos="69000">
-                  <a:schemeClr val="bg2">
-                    <a:lumMod val="40000"/>
-                    <a:lumOff val="60000"/>
-                    <a:alpha val="0"/>
-                  </a:schemeClr>
-                </a:gs>
-                <a:gs pos="36000">
-                  <a:schemeClr val="bg2">
-                    <a:lumMod val="40000"/>
-                    <a:lumOff val="60000"/>
-                    <a:alpha val="6000"/>
-                  </a:schemeClr>
-                </a:gs>
-              </a:gsLst>
-              <a:path path="circle">
-                <a:fillToRect l="50000" t="50000" r="50000" b="50000"/>
-              </a:path>
-              <a:tileRect/>
-            </a:gradFill>
+              <a:gdLst/>
+              <a:ahLst/>
+              <a:cxnLst/>
+              <a:rect l="l" t="t" r="r" b="b"/>
+              <a:pathLst>
+                <a:path w="10000" h="7946">
+                  <a:moveTo>
+                    <a:pt x="0" y="0"/>
+                  </a:moveTo>
+                  <a:lnTo>
+                    <a:pt x="0" y="7945"/>
+                  </a:lnTo>
+                  <a:lnTo>
+                    <a:pt x="10000" y="7946"/>
+                  </a:lnTo>
+                  <a:lnTo>
+                    <a:pt x="10000" y="4"/>
+                  </a:lnTo>
+                  <a:lnTo>
+                    <a:pt x="10000" y="4"/>
+                  </a:lnTo>
+                  <a:lnTo>
+                    <a:pt x="9773" y="91"/>
+                  </a:lnTo>
+                  <a:lnTo>
+                    <a:pt x="9547" y="175"/>
+                  </a:lnTo>
+                  <a:lnTo>
+                    <a:pt x="9320" y="256"/>
+                  </a:lnTo>
+                  <a:lnTo>
+                    <a:pt x="9092" y="326"/>
+                  </a:lnTo>
+                  <a:lnTo>
+                    <a:pt x="8865" y="396"/>
+                  </a:lnTo>
+                  <a:lnTo>
+                    <a:pt x="8637" y="462"/>
+                  </a:lnTo>
+                  <a:lnTo>
+                    <a:pt x="8412" y="518"/>
+                  </a:lnTo>
+                  <a:lnTo>
+                    <a:pt x="8184" y="571"/>
+                  </a:lnTo>
+                  <a:lnTo>
+                    <a:pt x="7957" y="620"/>
+                  </a:lnTo>
+                  <a:lnTo>
+                    <a:pt x="7734" y="662"/>
+                  </a:lnTo>
+                  <a:lnTo>
+                    <a:pt x="7508" y="704"/>
+                  </a:lnTo>
+                  <a:lnTo>
+                    <a:pt x="7285" y="739"/>
+                  </a:lnTo>
+                  <a:lnTo>
+                    <a:pt x="7062" y="767"/>
+                  </a:lnTo>
+                  <a:lnTo>
+                    <a:pt x="6840" y="795"/>
+                  </a:lnTo>
+                  <a:lnTo>
+                    <a:pt x="6620" y="819"/>
+                  </a:lnTo>
+                  <a:lnTo>
+                    <a:pt x="6402" y="837"/>
+                  </a:lnTo>
+                  <a:lnTo>
+                    <a:pt x="6184" y="851"/>
+                  </a:lnTo>
+                  <a:lnTo>
+                    <a:pt x="5968" y="865"/>
+                  </a:lnTo>
+                  <a:lnTo>
+                    <a:pt x="5755" y="872"/>
+                  </a:lnTo>
+                  <a:lnTo>
+                    <a:pt x="5542" y="879"/>
+                  </a:lnTo>
+                  <a:lnTo>
+                    <a:pt x="5332" y="882"/>
+                  </a:lnTo>
+                  <a:lnTo>
+                    <a:pt x="5124" y="879"/>
+                  </a:lnTo>
+                  <a:lnTo>
+                    <a:pt x="4918" y="879"/>
+                  </a:lnTo>
+                  <a:lnTo>
+                    <a:pt x="4714" y="872"/>
+                  </a:lnTo>
+                  <a:lnTo>
+                    <a:pt x="4514" y="861"/>
+                  </a:lnTo>
+                  <a:lnTo>
+                    <a:pt x="4316" y="851"/>
+                  </a:lnTo>
+                  <a:lnTo>
+                    <a:pt x="4122" y="840"/>
+                  </a:lnTo>
+                  <a:lnTo>
+                    <a:pt x="3929" y="823"/>
+                  </a:lnTo>
+                  <a:lnTo>
+                    <a:pt x="3739" y="805"/>
+                  </a:lnTo>
+                  <a:lnTo>
+                    <a:pt x="3553" y="788"/>
+                  </a:lnTo>
+                  <a:lnTo>
+                    <a:pt x="3190" y="742"/>
+                  </a:lnTo>
+                  <a:lnTo>
+                    <a:pt x="2842" y="693"/>
+                  </a:lnTo>
+                  <a:lnTo>
+                    <a:pt x="2508" y="641"/>
+                  </a:lnTo>
+                  <a:lnTo>
+                    <a:pt x="2192" y="585"/>
+                  </a:lnTo>
+                  <a:lnTo>
+                    <a:pt x="1890" y="525"/>
+                  </a:lnTo>
+                  <a:lnTo>
+                    <a:pt x="1610" y="462"/>
+                  </a:lnTo>
+                  <a:lnTo>
+                    <a:pt x="1347" y="399"/>
+                  </a:lnTo>
+                  <a:lnTo>
+                    <a:pt x="1105" y="336"/>
+                  </a:lnTo>
+                  <a:lnTo>
+                    <a:pt x="883" y="277"/>
+                  </a:lnTo>
+                  <a:lnTo>
+                    <a:pt x="686" y="221"/>
+                  </a:lnTo>
+                  <a:lnTo>
+                    <a:pt x="508" y="168"/>
+                  </a:lnTo>
+                  <a:lnTo>
+                    <a:pt x="358" y="123"/>
+                  </a:lnTo>
+                  <a:lnTo>
+                    <a:pt x="232" y="81"/>
+                  </a:lnTo>
+                  <a:lnTo>
+                    <a:pt x="59" y="21"/>
+                  </a:lnTo>
+                  <a:lnTo>
+                    <a:pt x="0" y="0"/>
+                  </a:lnTo>
+                  <a:lnTo>
+                    <a:pt x="0" y="0"/>
+                  </a:lnTo>
+                  <a:close/>
+                </a:path>
+              </a:pathLst>
+            </a:custGeom>
+            <a:solidFill>
+              <a:schemeClr val="bg1"/>
+            </a:solidFill>
             <a:ln>
               <a:noFill/>
             </a:ln>
-            <a:effectLst/>
           </p:spPr>
-          <p:style>
-            <a:lnRef idx="1">
-              <a:schemeClr val="accent1"/>
-            </a:lnRef>
-            <a:fillRef idx="3">
-              <a:schemeClr val="accent1"/>
-            </a:fillRef>
-            <a:effectRef idx="2">
-              <a:schemeClr val="accent1"/>
-            </a:effectRef>
-            <a:fontRef idx="minor">
-              <a:schemeClr val="lt1"/>
-            </a:fontRef>
-          </p:style>
-        </p:sp>
-        <p:sp>
-          <p:nvSpPr>
-            <p:cNvPr id="17" name="Oval 16"/>
-            <p:cNvSpPr/>
-            <p:nvPr/>
-          </p:nvSpPr>
-          <p:spPr>
-            <a:xfrm>
-              <a:off x="7999412" y="-2373"/>
-              <a:ext cx="1600200" cy="1600200"/>
-            </a:xfrm>
-            <a:prstGeom prst="ellipse">
-              <a:avLst/>
-            </a:prstGeom>
-            <a:gradFill flip="none" rotWithShape="1">
-              <a:gsLst>
-                <a:gs pos="0">
-                  <a:schemeClr val="bg2">
-                    <a:lumMod val="40000"/>
-                    <a:lumOff val="60000"/>
-                    <a:alpha val="14000"/>
-                  </a:schemeClr>
-                </a:gs>
-                <a:gs pos="73000">
-                  <a:schemeClr val="bg2">
-                    <a:lumMod val="40000"/>
-                    <a:lumOff val="60000"/>
-                    <a:alpha val="0"/>
-                  </a:schemeClr>
-                </a:gs>
-                <a:gs pos="36000">
-                  <a:schemeClr val="bg2">
-                    <a:lumMod val="40000"/>
-                    <a:lumOff val="60000"/>
-                    <a:alpha val="7000"/>
-                  </a:schemeClr>
-                </a:gs>
-              </a:gsLst>
-              <a:path path="circle">
-                <a:fillToRect l="50000" t="50000" r="50000" b="50000"/>
-              </a:path>
-              <a:tileRect/>
-            </a:gradFill>
-            <a:ln>
-              <a:noFill/>
-            </a:ln>
-            <a:effectLst/>
-          </p:spPr>
-          <p:style>
-            <a:lnRef idx="1">
-              <a:schemeClr val="accent1"/>
-            </a:lnRef>
-            <a:fillRef idx="3">
-              <a:schemeClr val="accent1"/>
-            </a:fillRef>
-            <a:effectRef idx="2">
-              <a:schemeClr val="accent1"/>
-            </a:effectRef>
-            <a:fontRef idx="minor">
-              <a:schemeClr val="lt1"/>
-            </a:fontRef>
-          </p:style>
-        </p:sp>
-        <p:sp>
-          <p:nvSpPr>
-            <p:cNvPr id="18" name="Oval 17"/>
-            <p:cNvSpPr/>
-            <p:nvPr/>
-          </p:nvSpPr>
-          <p:spPr>
-            <a:xfrm>
-              <a:off x="8609012" y="5874054"/>
-              <a:ext cx="990600" cy="990600"/>
-            </a:xfrm>
-            <a:prstGeom prst="ellipse">
-              <a:avLst/>
-            </a:prstGeom>
-            <a:gradFill flip="none" rotWithShape="1">
-              <a:gsLst>
-                <a:gs pos="0">
-                  <a:schemeClr val="bg2">
-                    <a:lumMod val="40000"/>
-                    <a:lumOff val="60000"/>
-                    <a:alpha val="14000"/>
-                  </a:schemeClr>
-                </a:gs>
-                <a:gs pos="66000">
-                  <a:schemeClr val="bg2">
-                    <a:lumMod val="40000"/>
-                    <a:lumOff val="60000"/>
-                    <a:alpha val="0"/>
-                  </a:schemeClr>
-                </a:gs>
-                <a:gs pos="36000">
-                  <a:schemeClr val="bg2">
-                    <a:lumMod val="40000"/>
-                    <a:lumOff val="60000"/>
-                    <a:alpha val="7000"/>
-                  </a:schemeClr>
-                </a:gs>
-              </a:gsLst>
-              <a:path path="circle">
-                <a:fillToRect l="50000" t="50000" r="50000" b="50000"/>
-              </a:path>
-              <a:tileRect/>
-            </a:gradFill>
-            <a:ln>
-              <a:noFill/>
-            </a:ln>
-            <a:effectLst/>
-          </p:spPr>
-          <p:style>
-            <a:lnRef idx="1">
-              <a:schemeClr val="accent1"/>
-            </a:lnRef>
-            <a:fillRef idx="3">
-              <a:schemeClr val="accent1"/>
-            </a:fillRef>
-            <a:effectRef idx="2">
-              <a:schemeClr val="accent1"/>
-            </a:effectRef>
-            <a:fontRef idx="minor">
-              <a:schemeClr val="lt1"/>
-            </a:fontRef>
-          </p:style>
         </p:sp>
         <p:sp>
           <p:nvSpPr>
@@ -2514,191 +2300,7 @@
         </p:sp>
         <p:sp>
           <p:nvSpPr>
-            <p:cNvPr id="7" name="Freeform 5"/>
-            <p:cNvSpPr/>
-            <p:nvPr/>
-          </p:nvSpPr>
-          <p:spPr bwMode="gray">
-            <a:xfrm>
-              <a:off x="455612" y="2801319"/>
-              <a:ext cx="11277600" cy="3602637"/>
-            </a:xfrm>
-            <a:custGeom>
-              <a:avLst/>
-              <a:gdLst/>
-              <a:ahLst/>
-              <a:cxnLst/>
-              <a:rect l="l" t="t" r="r" b="b"/>
-              <a:pathLst>
-                <a:path w="10000" h="7946">
-                  <a:moveTo>
-                    <a:pt x="0" y="0"/>
-                  </a:moveTo>
-                  <a:lnTo>
-                    <a:pt x="0" y="7945"/>
-                  </a:lnTo>
-                  <a:lnTo>
-                    <a:pt x="10000" y="7946"/>
-                  </a:lnTo>
-                  <a:lnTo>
-                    <a:pt x="10000" y="4"/>
-                  </a:lnTo>
-                  <a:lnTo>
-                    <a:pt x="10000" y="4"/>
-                  </a:lnTo>
-                  <a:lnTo>
-                    <a:pt x="9773" y="91"/>
-                  </a:lnTo>
-                  <a:lnTo>
-                    <a:pt x="9547" y="175"/>
-                  </a:lnTo>
-                  <a:lnTo>
-                    <a:pt x="9320" y="256"/>
-                  </a:lnTo>
-                  <a:lnTo>
-                    <a:pt x="9092" y="326"/>
-                  </a:lnTo>
-                  <a:lnTo>
-                    <a:pt x="8865" y="396"/>
-                  </a:lnTo>
-                  <a:lnTo>
-                    <a:pt x="8637" y="462"/>
-                  </a:lnTo>
-                  <a:lnTo>
-                    <a:pt x="8412" y="518"/>
-                  </a:lnTo>
-                  <a:lnTo>
-                    <a:pt x="8184" y="571"/>
-                  </a:lnTo>
-                  <a:lnTo>
-                    <a:pt x="7957" y="620"/>
-                  </a:lnTo>
-                  <a:lnTo>
-                    <a:pt x="7734" y="662"/>
-                  </a:lnTo>
-                  <a:lnTo>
-                    <a:pt x="7508" y="704"/>
-                  </a:lnTo>
-                  <a:lnTo>
-                    <a:pt x="7285" y="739"/>
-                  </a:lnTo>
-                  <a:lnTo>
-                    <a:pt x="7062" y="767"/>
-                  </a:lnTo>
-                  <a:lnTo>
-                    <a:pt x="6840" y="795"/>
-                  </a:lnTo>
-                  <a:lnTo>
-                    <a:pt x="6620" y="819"/>
-                  </a:lnTo>
-                  <a:lnTo>
-                    <a:pt x="6402" y="837"/>
-                  </a:lnTo>
-                  <a:lnTo>
-                    <a:pt x="6184" y="851"/>
-                  </a:lnTo>
-                  <a:lnTo>
-                    <a:pt x="5968" y="865"/>
-                  </a:lnTo>
-                  <a:lnTo>
-                    <a:pt x="5755" y="872"/>
-                  </a:lnTo>
-                  <a:lnTo>
-                    <a:pt x="5542" y="879"/>
-                  </a:lnTo>
-                  <a:lnTo>
-                    <a:pt x="5332" y="882"/>
-                  </a:lnTo>
-                  <a:lnTo>
-                    <a:pt x="5124" y="879"/>
-                  </a:lnTo>
-                  <a:lnTo>
-                    <a:pt x="4918" y="879"/>
-                  </a:lnTo>
-                  <a:lnTo>
-                    <a:pt x="4714" y="872"/>
-                  </a:lnTo>
-                  <a:lnTo>
-                    <a:pt x="4514" y="861"/>
-                  </a:lnTo>
-                  <a:lnTo>
-                    <a:pt x="4316" y="851"/>
-                  </a:lnTo>
-                  <a:lnTo>
-                    <a:pt x="4122" y="840"/>
-                  </a:lnTo>
-                  <a:lnTo>
-                    <a:pt x="3929" y="823"/>
-                  </a:lnTo>
-                  <a:lnTo>
-                    <a:pt x="3739" y="805"/>
-                  </a:lnTo>
-                  <a:lnTo>
-                    <a:pt x="3553" y="788"/>
-                  </a:lnTo>
-                  <a:lnTo>
-                    <a:pt x="3190" y="742"/>
-                  </a:lnTo>
-                  <a:lnTo>
-                    <a:pt x="2842" y="693"/>
-                  </a:lnTo>
-                  <a:lnTo>
-                    <a:pt x="2508" y="641"/>
-                  </a:lnTo>
-                  <a:lnTo>
-                    <a:pt x="2192" y="585"/>
-                  </a:lnTo>
-                  <a:lnTo>
-                    <a:pt x="1890" y="525"/>
-                  </a:lnTo>
-                  <a:lnTo>
-                    <a:pt x="1610" y="462"/>
-                  </a:lnTo>
-                  <a:lnTo>
-                    <a:pt x="1347" y="399"/>
-                  </a:lnTo>
-                  <a:lnTo>
-                    <a:pt x="1105" y="336"/>
-                  </a:lnTo>
-                  <a:lnTo>
-                    <a:pt x="883" y="277"/>
-                  </a:lnTo>
-                  <a:lnTo>
-                    <a:pt x="686" y="221"/>
-                  </a:lnTo>
-                  <a:lnTo>
-                    <a:pt x="508" y="168"/>
-                  </a:lnTo>
-                  <a:lnTo>
-                    <a:pt x="358" y="123"/>
-                  </a:lnTo>
-                  <a:lnTo>
-                    <a:pt x="232" y="81"/>
-                  </a:lnTo>
-                  <a:lnTo>
-                    <a:pt x="59" y="21"/>
-                  </a:lnTo>
-                  <a:lnTo>
-                    <a:pt x="0" y="0"/>
-                  </a:lnTo>
-                  <a:lnTo>
-                    <a:pt x="0" y="0"/>
-                  </a:lnTo>
-                  <a:close/>
-                </a:path>
-              </a:pathLst>
-            </a:custGeom>
-            <a:solidFill>
-              <a:schemeClr val="bg1"/>
-            </a:solidFill>
-            <a:ln>
-              <a:noFill/>
-            </a:ln>
-          </p:spPr>
-        </p:sp>
-        <p:sp>
-          <p:nvSpPr>
-            <p:cNvPr id="11" name="Freeform 5"/>
+            <p:cNvPr id="12" name="Freeform 5"/>
             <p:cNvSpPr>
               <a:spLocks noEditPoints="1"/>
             </p:cNvSpPr>
@@ -2773,12 +2375,15 @@
         </p:nvSpPr>
         <p:spPr>
           <a:xfrm>
-            <a:off x="1154954" y="1063416"/>
-            <a:ext cx="8825659" cy="1379755"/>
+            <a:off x="1154954" y="1060704"/>
+            <a:ext cx="8833104" cy="1371600"/>
           </a:xfrm>
+          <a:prstGeom prst="rect">
+            <a:avLst/>
+          </a:prstGeom>
         </p:spPr>
         <p:txBody>
-          <a:bodyPr/>
+          <a:bodyPr anchor="ctr" anchorCtr="0"/>
           <a:lstStyle>
             <a:lvl1pPr>
               <a:defRPr sz="4000"/>
@@ -2805,8 +2410,8 @@
         </p:nvSpPr>
         <p:spPr>
           <a:xfrm>
-            <a:off x="1154954" y="3543300"/>
-            <a:ext cx="8825659" cy="2476500"/>
+            <a:off x="1152144" y="3547872"/>
+            <a:ext cx="8825659" cy="2478024"/>
           </a:xfrm>
         </p:spPr>
         <p:txBody>
@@ -2876,7 +2481,7 @@
           <a:lstStyle/>
           <a:p>
             <a:fld id="{18845AC5-A3F8-44AA-BA8F-596CDCC976D3}" type="datetimeFigureOut">
-              <a:rPr lang="en-US" dirty="0"/>
+              <a:rPr lang="en-US" smtClean="0"/>
               <a:t>7/25/2024</a:t>
             </a:fld>
             <a:endParaRPr lang="en-US" dirty="0"/>
@@ -2904,7 +2509,7 @@
       </p:sp>
       <p:sp>
         <p:nvSpPr>
-          <p:cNvPr id="13" name="Rectangle 12"/>
+          <p:cNvPr id="11" name="Rectangle 10"/>
           <p:cNvSpPr/>
           <p:nvPr/>
         </p:nvSpPr>
@@ -2954,7 +2559,7 @@
           <a:lstStyle/>
           <a:p>
             <a:fld id="{D57F1E4F-1CFF-5643-939E-217C01CDF565}" type="slidenum">
-              <a:rPr lang="en-US" dirty="0"/>
+              <a:rPr lang="en-US" smtClean="0"/>
               <a:pPr/>
               <a:t>‹#›</a:t>
             </a:fld>
@@ -2963,6 +2568,11 @@
         </p:txBody>
       </p:sp>
     </p:spTree>
+    <p:extLst>
+      <p:ext uri="{BB962C8B-B14F-4D97-AF65-F5344CB8AC3E}">
+        <p14:creationId xmlns:p14="http://schemas.microsoft.com/office/powerpoint/2010/main" val="1930704922"/>
+      </p:ext>
+    </p:extLst>
   </p:cSld>
   <p:clrMapOvr>
     <a:masterClrMapping/>
@@ -2995,15 +2605,15 @@
         </p:nvGrpSpPr>
         <p:grpSpPr>
           <a:xfrm>
-            <a:off x="0" y="-2373"/>
-            <a:ext cx="12192000" cy="6867027"/>
-            <a:chOff x="0" y="-2373"/>
-            <a:chExt cx="12192000" cy="6867027"/>
+            <a:off x="-1588" y="0"/>
+            <a:ext cx="12193588" cy="6861555"/>
+            <a:chOff x="-1588" y="0"/>
+            <a:chExt cx="12193588" cy="6861555"/>
           </a:xfrm>
         </p:grpSpPr>
         <p:sp>
           <p:nvSpPr>
-            <p:cNvPr id="15" name="Rectangle 14"/>
+            <p:cNvPr id="16" name="Rectangle 15"/>
             <p:cNvSpPr/>
             <p:nvPr/>
           </p:nvSpPr>
@@ -3019,16 +2629,16 @@
               <a:blip r:embed="rId2">
                 <a:duotone>
                   <a:schemeClr val="dk2">
-                    <a:shade val="62000"/>
+                    <a:shade val="69000"/>
                     <a:hueMod val="108000"/>
                     <a:satMod val="164000"/>
-                    <a:lumMod val="69000"/>
+                    <a:lumMod val="74000"/>
                   </a:schemeClr>
                   <a:schemeClr val="dk2">
                     <a:tint val="96000"/>
-                    <a:hueMod val="90000"/>
-                    <a:satMod val="130000"/>
-                    <a:lumMod val="134000"/>
+                    <a:hueMod val="88000"/>
+                    <a:satMod val="140000"/>
+                    <a:lumMod val="132000"/>
                   </a:schemeClr>
                 </a:duotone>
               </a:blip>
@@ -3059,14 +2669,14 @@
         </p:sp>
         <p:sp>
           <p:nvSpPr>
-            <p:cNvPr id="17" name="Oval 16"/>
+            <p:cNvPr id="18" name="Oval 17"/>
             <p:cNvSpPr/>
             <p:nvPr/>
           </p:nvSpPr>
           <p:spPr>
             <a:xfrm>
-              <a:off x="3220" y="2667000"/>
-              <a:ext cx="4191000" cy="4191000"/>
+              <a:off x="8761412" y="1828800"/>
+              <a:ext cx="2819400" cy="2819400"/>
             </a:xfrm>
             <a:prstGeom prst="ellipse">
               <a:avLst/>
@@ -3074,87 +2684,18 @@
             <a:gradFill flip="none" rotWithShape="1">
               <a:gsLst>
                 <a:gs pos="0">
-                  <a:schemeClr val="bg2">
-                    <a:lumMod val="40000"/>
-                    <a:lumOff val="60000"/>
-                    <a:alpha val="11000"/>
+                  <a:schemeClr val="accent5">
+                    <a:alpha val="7000"/>
                   </a:schemeClr>
                 </a:gs>
-                <a:gs pos="75000">
-                  <a:schemeClr val="bg2">
-                    <a:lumMod val="40000"/>
-                    <a:lumOff val="60000"/>
+                <a:gs pos="69000">
+                  <a:schemeClr val="accent5">
                     <a:alpha val="0"/>
                   </a:schemeClr>
                 </a:gs>
                 <a:gs pos="36000">
-                  <a:schemeClr val="bg2">
-                    <a:lumMod val="40000"/>
-                    <a:lumOff val="60000"/>
-                    <a:alpha val="10000"/>
-                  </a:schemeClr>
-                </a:gs>
-              </a:gsLst>
-              <a:path path="circle">
-                <a:fillToRect l="50000" t="50000" r="50000" b="50000"/>
-              </a:path>
-              <a:tileRect/>
-            </a:gradFill>
-            <a:ln>
-              <a:noFill/>
-            </a:ln>
-            <a:effectLst/>
-          </p:spPr>
-          <p:style>
-            <a:lnRef idx="1">
-              <a:schemeClr val="accent1"/>
-            </a:lnRef>
-            <a:fillRef idx="3">
-              <a:schemeClr val="accent1"/>
-            </a:fillRef>
-            <a:effectRef idx="2">
-              <a:schemeClr val="accent1"/>
-            </a:effectRef>
-            <a:fontRef idx="minor">
-              <a:schemeClr val="lt1"/>
-            </a:fontRef>
-          </p:style>
-        </p:sp>
-        <p:sp>
-          <p:nvSpPr>
-            <p:cNvPr id="18" name="Oval 17"/>
-            <p:cNvSpPr/>
-            <p:nvPr/>
-          </p:nvSpPr>
-          <p:spPr>
-            <a:xfrm>
-              <a:off x="1750" y="2895600"/>
-              <a:ext cx="2362200" cy="2362200"/>
-            </a:xfrm>
-            <a:prstGeom prst="ellipse">
-              <a:avLst/>
-            </a:prstGeom>
-            <a:gradFill flip="none" rotWithShape="1">
-              <a:gsLst>
-                <a:gs pos="0">
-                  <a:schemeClr val="bg2">
-                    <a:lumMod val="40000"/>
-                    <a:lumOff val="60000"/>
-                    <a:alpha val="8000"/>
-                  </a:schemeClr>
-                </a:gs>
-                <a:gs pos="72000">
-                  <a:schemeClr val="bg2">
-                    <a:lumMod val="40000"/>
-                    <a:lumOff val="60000"/>
-                    <a:alpha val="0"/>
-                  </a:schemeClr>
-                </a:gs>
-                <a:gs pos="36000">
-                  <a:schemeClr val="bg2">
-                    <a:lumMod val="40000"/>
-                    <a:lumOff val="60000"/>
-                    <a:alpha val="8000"/>
+                  <a:schemeClr val="accent5">
+                    <a:alpha val="6000"/>
                   </a:schemeClr>
                 </a:gs>
               </a:gsLst>
@@ -3191,8 +2732,8 @@
           </p:nvSpPr>
           <p:spPr>
             <a:xfrm>
-              <a:off x="8609012" y="1676400"/>
-              <a:ext cx="2819400" cy="2819400"/>
+              <a:off x="8761412" y="5870955"/>
+              <a:ext cx="990600" cy="990600"/>
             </a:xfrm>
             <a:prstGeom prst="ellipse">
               <a:avLst/>
@@ -3200,24 +2741,18 @@
             <a:gradFill flip="none" rotWithShape="1">
               <a:gsLst>
                 <a:gs pos="0">
-                  <a:schemeClr val="bg2">
-                    <a:lumMod val="40000"/>
-                    <a:lumOff val="60000"/>
-                    <a:alpha val="7000"/>
+                  <a:schemeClr val="accent5">
+                    <a:alpha val="14000"/>
                   </a:schemeClr>
                 </a:gs>
-                <a:gs pos="69000">
-                  <a:schemeClr val="bg2">
-                    <a:lumMod val="40000"/>
-                    <a:lumOff val="60000"/>
+                <a:gs pos="66000">
+                  <a:schemeClr val="accent5">
                     <a:alpha val="0"/>
                   </a:schemeClr>
                 </a:gs>
                 <a:gs pos="36000">
-                  <a:schemeClr val="bg2">
-                    <a:lumMod val="40000"/>
-                    <a:lumOff val="60000"/>
-                    <a:alpha val="6000"/>
+                  <a:schemeClr val="accent5">
+                    <a:alpha val="7000"/>
                   </a:schemeClr>
                 </a:gs>
               </a:gsLst>
@@ -3254,8 +2789,8 @@
           </p:nvSpPr>
           <p:spPr>
             <a:xfrm>
-              <a:off x="7999412" y="-2373"/>
-              <a:ext cx="1600200" cy="1600200"/>
+              <a:off x="-1588" y="2667000"/>
+              <a:ext cx="4191000" cy="4191000"/>
             </a:xfrm>
             <a:prstGeom prst="ellipse">
               <a:avLst/>
@@ -3263,24 +2798,18 @@
             <a:gradFill flip="none" rotWithShape="1">
               <a:gsLst>
                 <a:gs pos="0">
-                  <a:schemeClr val="bg2">
-                    <a:lumMod val="40000"/>
-                    <a:lumOff val="60000"/>
-                    <a:alpha val="14000"/>
+                  <a:schemeClr val="accent5">
+                    <a:alpha val="11000"/>
                   </a:schemeClr>
                 </a:gs>
-                <a:gs pos="73000">
-                  <a:schemeClr val="bg2">
-                    <a:lumMod val="40000"/>
-                    <a:lumOff val="60000"/>
+                <a:gs pos="75000">
+                  <a:schemeClr val="accent5">
                     <a:alpha val="0"/>
                   </a:schemeClr>
                 </a:gs>
                 <a:gs pos="36000">
-                  <a:schemeClr val="bg2">
-                    <a:lumMod val="40000"/>
-                    <a:lumOff val="60000"/>
-                    <a:alpha val="7000"/>
+                  <a:schemeClr val="accent5">
+                    <a:alpha val="10000"/>
                   </a:schemeClr>
                 </a:gs>
               </a:gsLst>
@@ -3311,70 +2840,7 @@
         </p:sp>
         <p:sp>
           <p:nvSpPr>
-            <p:cNvPr id="21" name="Oval 20"/>
-            <p:cNvSpPr/>
-            <p:nvPr/>
-          </p:nvSpPr>
-          <p:spPr>
-            <a:xfrm>
-              <a:off x="8609012" y="5874054"/>
-              <a:ext cx="990600" cy="990600"/>
-            </a:xfrm>
-            <a:prstGeom prst="ellipse">
-              <a:avLst/>
-            </a:prstGeom>
-            <a:gradFill flip="none" rotWithShape="1">
-              <a:gsLst>
-                <a:gs pos="0">
-                  <a:schemeClr val="bg2">
-                    <a:lumMod val="40000"/>
-                    <a:lumOff val="60000"/>
-                    <a:alpha val="14000"/>
-                  </a:schemeClr>
-                </a:gs>
-                <a:gs pos="66000">
-                  <a:schemeClr val="bg2">
-                    <a:lumMod val="40000"/>
-                    <a:lumOff val="60000"/>
-                    <a:alpha val="0"/>
-                  </a:schemeClr>
-                </a:gs>
-                <a:gs pos="36000">
-                  <a:schemeClr val="bg2">
-                    <a:lumMod val="40000"/>
-                    <a:lumOff val="60000"/>
-                    <a:alpha val="7000"/>
-                  </a:schemeClr>
-                </a:gs>
-              </a:gsLst>
-              <a:path path="circle">
-                <a:fillToRect l="50000" t="50000" r="50000" b="50000"/>
-              </a:path>
-              <a:tileRect/>
-            </a:gradFill>
-            <a:ln>
-              <a:noFill/>
-            </a:ln>
-            <a:effectLst/>
-          </p:spPr>
-          <p:style>
-            <a:lnRef idx="1">
-              <a:schemeClr val="accent1"/>
-            </a:lnRef>
-            <a:fillRef idx="3">
-              <a:schemeClr val="accent1"/>
-            </a:fillRef>
-            <a:effectRef idx="2">
-              <a:schemeClr val="accent1"/>
-            </a:effectRef>
-            <a:fontRef idx="minor">
-              <a:schemeClr val="lt1"/>
-            </a:fontRef>
-          </p:style>
-        </p:sp>
-        <p:sp>
-          <p:nvSpPr>
-            <p:cNvPr id="23" name="Freeform 5"/>
+            <p:cNvPr id="13" name="Freeform 5"/>
             <p:cNvSpPr/>
             <p:nvPr/>
           </p:nvSpPr>
@@ -3521,7 +2987,7 @@
         </p:sp>
         <p:sp>
           <p:nvSpPr>
-            <p:cNvPr id="24" name="Freeform 5"/>
+            <p:cNvPr id="14" name="Freeform 5"/>
             <p:cNvSpPr/>
             <p:nvPr/>
           </p:nvSpPr>
@@ -3705,7 +3171,7 @@
         </p:sp>
         <p:sp>
           <p:nvSpPr>
-            <p:cNvPr id="16" name="Freeform 5"/>
+            <p:cNvPr id="17" name="Freeform 5"/>
             <p:cNvSpPr>
               <a:spLocks noEditPoints="1"/>
             </p:cNvSpPr>
@@ -3770,13 +3236,13 @@
       </p:grpSp>
       <p:sp>
         <p:nvSpPr>
-          <p:cNvPr id="13" name="TextBox 12"/>
+          <p:cNvPr id="12" name="TextBox 11"/>
           <p:cNvSpPr txBox="1"/>
           <p:nvPr/>
         </p:nvSpPr>
-        <p:spPr>
+        <p:spPr bwMode="gray">
           <a:xfrm>
-            <a:off x="9719438" y="2631815"/>
+            <a:off x="898295" y="596767"/>
             <a:ext cx="801912" cy="1569660"/>
           </a:xfrm>
           <a:prstGeom prst="rect">
@@ -3795,7 +3261,10 @@
             <a:lvl1pPr algn="r">
               <a:defRPr sz="12200" b="0" i="0">
                 <a:solidFill>
-                  <a:schemeClr val="accent1"/>
+                  <a:schemeClr val="bg2">
+                    <a:lumMod val="40000"/>
+                    <a:lumOff val="60000"/>
+                  </a:schemeClr>
                 </a:solidFill>
                 <a:latin typeface="Arial"/>
                 <a:cs typeface="Arial"/>
@@ -3805,21 +3274,28 @@
           <a:p>
             <a:pPr lvl="0"/>
             <a:r>
-              <a:rPr lang="en-US" sz="9600" dirty="0"/>
-              <a:t>”</a:t>
+              <a:rPr lang="en-US" sz="9600" dirty="0">
+                <a:solidFill>
+                  <a:schemeClr val="tx2">
+                    <a:lumMod val="40000"/>
+                    <a:lumOff val="60000"/>
+                  </a:schemeClr>
+                </a:solidFill>
+              </a:rPr>
+              <a:t>“</a:t>
             </a:r>
           </a:p>
         </p:txBody>
       </p:sp>
       <p:sp>
         <p:nvSpPr>
-          <p:cNvPr id="9" name="TextBox 8"/>
+          <p:cNvPr id="15" name="TextBox 14"/>
           <p:cNvSpPr txBox="1"/>
           <p:nvPr/>
         </p:nvSpPr>
-        <p:spPr>
+        <p:spPr bwMode="gray">
           <a:xfrm>
-            <a:off x="898295" y="591093"/>
+            <a:off x="9715063" y="2629300"/>
             <a:ext cx="801912" cy="1569660"/>
           </a:xfrm>
           <a:prstGeom prst="rect">
@@ -3838,7 +3314,10 @@
             <a:lvl1pPr algn="r">
               <a:defRPr sz="12200" b="0" i="0">
                 <a:solidFill>
-                  <a:schemeClr val="accent1"/>
+                  <a:schemeClr val="bg2">
+                    <a:lumMod val="40000"/>
+                    <a:lumOff val="60000"/>
+                  </a:schemeClr>
                 </a:solidFill>
                 <a:latin typeface="Arial"/>
                 <a:cs typeface="Arial"/>
@@ -3848,8 +3327,15 @@
           <a:p>
             <a:pPr lvl="0"/>
             <a:r>
-              <a:rPr lang="en-US" sz="9600" dirty="0"/>
-              <a:t>“</a:t>
+              <a:rPr lang="en-US" sz="9600" dirty="0">
+                <a:solidFill>
+                  <a:schemeClr val="tx2">
+                    <a:lumMod val="40000"/>
+                    <a:lumOff val="60000"/>
+                  </a:schemeClr>
+                </a:solidFill>
+              </a:rPr>
+              <a:t>”</a:t>
             </a:r>
           </a:p>
         </p:txBody>
@@ -3866,12 +3352,15 @@
         </p:nvSpPr>
         <p:spPr>
           <a:xfrm>
-            <a:off x="1581878" y="980517"/>
-            <a:ext cx="8453906" cy="2698249"/>
+            <a:off x="1574801" y="980517"/>
+            <a:ext cx="8460983" cy="2698249"/>
           </a:xfrm>
+          <a:prstGeom prst="rect">
+            <a:avLst/>
+          </a:prstGeom>
         </p:spPr>
         <p:txBody>
-          <a:bodyPr/>
+          <a:bodyPr anchor="ctr" anchorCtr="0"/>
           <a:lstStyle>
             <a:lvl1pPr>
               <a:defRPr sz="4000"/>
@@ -3888,70 +3377,42 @@
       </p:sp>
       <p:sp>
         <p:nvSpPr>
-          <p:cNvPr id="14" name="Text Placeholder 3"/>
+          <p:cNvPr id="11" name="Text Placeholder 3"/>
           <p:cNvSpPr>
             <a:spLocks noGrp="1"/>
           </p:cNvSpPr>
           <p:nvPr>
-            <p:ph type="body" sz="half" idx="13"/>
+            <p:ph type="body" sz="half" idx="14"/>
           </p:nvPr>
         </p:nvSpPr>
         <p:spPr bwMode="gray">
           <a:xfrm>
-            <a:off x="1945945" y="3678766"/>
+            <a:off x="1945945" y="3679987"/>
             <a:ext cx="7725772" cy="342174"/>
           </a:xfrm>
         </p:spPr>
         <p:txBody>
-          <a:bodyPr anchor="t">
+          <a:bodyPr vert="horz" lIns="91440" tIns="45720" rIns="91440" bIns="45720" rtlCol="0" anchor="t">
             <a:normAutofit/>
           </a:bodyPr>
           <a:lstStyle>
-            <a:lvl1pPr marL="0" indent="0">
-              <a:buNone/>
-              <a:defRPr lang="en-US" sz="1400" b="0" i="0" kern="1200" cap="small" dirty="0">
+            <a:lvl1pPr>
+              <a:buNone/>
+              <a:defRPr lang="en-US" sz="1400" cap="small" dirty="0">
                 <a:solidFill>
-                  <a:schemeClr val="accent1"/>
+                  <a:schemeClr val="tx2">
+                    <a:lumMod val="40000"/>
+                    <a:lumOff val="60000"/>
+                  </a:schemeClr>
                 </a:solidFill>
                 <a:latin typeface="+mn-lt"/>
-                <a:ea typeface="+mn-ea"/>
               </a:defRPr>
             </a:lvl1pPr>
-            <a:lvl2pPr marL="457200" indent="0">
-              <a:buNone/>
-              <a:defRPr sz="1200"/>
-            </a:lvl2pPr>
-            <a:lvl3pPr marL="914400" indent="0">
-              <a:buNone/>
-              <a:defRPr sz="1000"/>
-            </a:lvl3pPr>
-            <a:lvl4pPr marL="1371600" indent="0">
-              <a:buNone/>
-              <a:defRPr sz="900"/>
-            </a:lvl4pPr>
-            <a:lvl5pPr marL="1828800" indent="0">
-              <a:buNone/>
-              <a:defRPr sz="900"/>
-            </a:lvl5pPr>
-            <a:lvl6pPr marL="2286000" indent="0">
-              <a:buNone/>
-              <a:defRPr sz="900"/>
-            </a:lvl6pPr>
-            <a:lvl7pPr marL="2743200" indent="0">
-              <a:buNone/>
-              <a:defRPr sz="900"/>
-            </a:lvl7pPr>
-            <a:lvl8pPr marL="3200400" indent="0">
-              <a:buNone/>
-              <a:defRPr sz="900"/>
-            </a:lvl8pPr>
-            <a:lvl9pPr marL="3657600" indent="0">
-              <a:buNone/>
-              <a:defRPr sz="900"/>
-            </a:lvl9pPr>
           </a:lstStyle>
           <a:p>
-            <a:pPr lvl="0"/>
+            <a:pPr marL="0" lvl="0" indent="0">
+              <a:buNone/>
+            </a:pPr>
             <a:r>
               <a:rPr lang="en-US" smtClean="0"/>
               <a:t>Edit Master text styles</a:t>
@@ -3971,8 +3432,8 @@
         </p:nvSpPr>
         <p:spPr>
           <a:xfrm>
-            <a:off x="1154954" y="4350657"/>
-            <a:ext cx="8825659" cy="1676400"/>
+            <a:off x="1154954" y="5029198"/>
+            <a:ext cx="8825659" cy="997858"/>
           </a:xfrm>
         </p:spPr>
         <p:txBody>
@@ -3982,7 +3443,7 @@
           <a:lstStyle>
             <a:lvl1pPr marL="0" indent="0">
               <a:buNone/>
-              <a:defRPr sz="1800"/>
+              <a:defRPr sz="1400"/>
             </a:lvl1pPr>
             <a:lvl2pPr marL="457200" indent="0">
               <a:buNone/>
@@ -4042,7 +3503,7 @@
           <a:lstStyle/>
           <a:p>
             <a:fld id="{C873B183-A821-4095-A363-9EC968635539}" type="datetimeFigureOut">
-              <a:rPr lang="en-US" dirty="0"/>
+              <a:rPr lang="en-US" smtClean="0"/>
               <a:t>7/25/2024</a:t>
             </a:fld>
             <a:endParaRPr lang="en-US" dirty="0"/>
@@ -4070,7 +3531,7 @@
       </p:sp>
       <p:sp>
         <p:nvSpPr>
-          <p:cNvPr id="32" name="Rectangle 31"/>
+          <p:cNvPr id="23" name="Rectangle 22"/>
           <p:cNvSpPr/>
           <p:nvPr/>
         </p:nvSpPr>
@@ -4120,7 +3581,7 @@
           <a:lstStyle/>
           <a:p>
             <a:fld id="{D57F1E4F-1CFF-5643-939E-217C01CDF565}" type="slidenum">
-              <a:rPr lang="en-US" dirty="0"/>
+              <a:rPr lang="en-US" smtClean="0"/>
               <a:pPr/>
               <a:t>‹#›</a:t>
             </a:fld>
@@ -4129,6 +3590,11 @@
         </p:txBody>
       </p:sp>
     </p:spTree>
+    <p:extLst>
+      <p:ext uri="{BB962C8B-B14F-4D97-AF65-F5344CB8AC3E}">
+        <p14:creationId xmlns:p14="http://schemas.microsoft.com/office/powerpoint/2010/main" val="3569694577"/>
+      </p:ext>
+    </p:extLst>
   </p:cSld>
   <p:clrMapOvr>
     <a:masterClrMapping/>
@@ -4155,21 +3621,21 @@
       </p:grpSpPr>
       <p:grpSp>
         <p:nvGrpSpPr>
-          <p:cNvPr id="18" name="Group 17"/>
+          <p:cNvPr id="16" name="Group 15"/>
           <p:cNvGrpSpPr/>
           <p:nvPr/>
         </p:nvGrpSpPr>
         <p:grpSpPr>
           <a:xfrm>
-            <a:off x="0" y="-2373"/>
-            <a:ext cx="12192000" cy="6867027"/>
-            <a:chOff x="0" y="-2373"/>
-            <a:chExt cx="12192000" cy="6867027"/>
+            <a:off x="-1588" y="0"/>
+            <a:ext cx="12193588" cy="6861555"/>
+            <a:chOff x="-1588" y="0"/>
+            <a:chExt cx="12193588" cy="6861555"/>
           </a:xfrm>
         </p:grpSpPr>
         <p:sp>
           <p:nvSpPr>
-            <p:cNvPr id="10" name="Rectangle 9"/>
+            <p:cNvPr id="11" name="Rectangle 10"/>
             <p:cNvSpPr/>
             <p:nvPr/>
           </p:nvSpPr>
@@ -4185,16 +3651,16 @@
               <a:blip r:embed="rId2">
                 <a:duotone>
                   <a:schemeClr val="dk2">
-                    <a:shade val="62000"/>
+                    <a:shade val="69000"/>
                     <a:hueMod val="108000"/>
                     <a:satMod val="164000"/>
-                    <a:lumMod val="69000"/>
+                    <a:lumMod val="74000"/>
                   </a:schemeClr>
                   <a:schemeClr val="dk2">
                     <a:tint val="96000"/>
-                    <a:hueMod val="90000"/>
-                    <a:satMod val="130000"/>
-                    <a:lumMod val="134000"/>
+                    <a:hueMod val="88000"/>
+                    <a:satMod val="140000"/>
+                    <a:lumMod val="132000"/>
                   </a:schemeClr>
                 </a:duotone>
               </a:blip>
@@ -4231,8 +3697,8 @@
           </p:nvSpPr>
           <p:spPr>
             <a:xfrm>
-              <a:off x="3220" y="2667000"/>
-              <a:ext cx="4191000" cy="4191000"/>
+              <a:off x="8761412" y="1828800"/>
+              <a:ext cx="2819400" cy="2819400"/>
             </a:xfrm>
             <a:prstGeom prst="ellipse">
               <a:avLst/>
@@ -4240,24 +3706,18 @@
             <a:gradFill flip="none" rotWithShape="1">
               <a:gsLst>
                 <a:gs pos="0">
-                  <a:schemeClr val="bg2">
-                    <a:lumMod val="40000"/>
-                    <a:lumOff val="60000"/>
-                    <a:alpha val="11000"/>
+                  <a:schemeClr val="accent5">
+                    <a:alpha val="7000"/>
                   </a:schemeClr>
                 </a:gs>
-                <a:gs pos="75000">
-                  <a:schemeClr val="bg2">
-                    <a:lumMod val="40000"/>
-                    <a:lumOff val="60000"/>
+                <a:gs pos="69000">
+                  <a:schemeClr val="accent5">
                     <a:alpha val="0"/>
                   </a:schemeClr>
                 </a:gs>
                 <a:gs pos="36000">
-                  <a:schemeClr val="bg2">
-                    <a:lumMod val="40000"/>
-                    <a:lumOff val="60000"/>
-                    <a:alpha val="10000"/>
+                  <a:schemeClr val="accent5">
+                    <a:alpha val="6000"/>
                   </a:schemeClr>
                 </a:gs>
               </a:gsLst>
@@ -4294,8 +3754,8 @@
           </p:nvSpPr>
           <p:spPr>
             <a:xfrm>
-              <a:off x="1750" y="2895600"/>
-              <a:ext cx="2362200" cy="2362200"/>
+              <a:off x="8761412" y="5870955"/>
+              <a:ext cx="990600" cy="990600"/>
             </a:xfrm>
             <a:prstGeom prst="ellipse">
               <a:avLst/>
@@ -4303,24 +3763,18 @@
             <a:gradFill flip="none" rotWithShape="1">
               <a:gsLst>
                 <a:gs pos="0">
-                  <a:schemeClr val="bg2">
-                    <a:lumMod val="40000"/>
-                    <a:lumOff val="60000"/>
-                    <a:alpha val="8000"/>
+                  <a:schemeClr val="accent5">
+                    <a:alpha val="14000"/>
                   </a:schemeClr>
                 </a:gs>
-                <a:gs pos="72000">
-                  <a:schemeClr val="bg2">
-                    <a:lumMod val="40000"/>
-                    <a:lumOff val="60000"/>
+                <a:gs pos="66000">
+                  <a:schemeClr val="accent5">
                     <a:alpha val="0"/>
                   </a:schemeClr>
                 </a:gs>
                 <a:gs pos="36000">
-                  <a:schemeClr val="bg2">
-                    <a:lumMod val="40000"/>
-                    <a:lumOff val="60000"/>
-                    <a:alpha val="8000"/>
+                  <a:schemeClr val="accent5">
+                    <a:alpha val="7000"/>
                   </a:schemeClr>
                 </a:gs>
               </a:gsLst>
@@ -4357,8 +3811,8 @@
           </p:nvSpPr>
           <p:spPr>
             <a:xfrm>
-              <a:off x="8609012" y="1676400"/>
-              <a:ext cx="2819400" cy="2819400"/>
+              <a:off x="-1588" y="2667000"/>
+              <a:ext cx="4191000" cy="4191000"/>
             </a:xfrm>
             <a:prstGeom prst="ellipse">
               <a:avLst/>
@@ -4366,150 +3820,18 @@
             <a:gradFill flip="none" rotWithShape="1">
               <a:gsLst>
                 <a:gs pos="0">
-                  <a:schemeClr val="bg2">
-                    <a:lumMod val="40000"/>
-                    <a:lumOff val="60000"/>
-                    <a:alpha val="7000"/>
+                  <a:schemeClr val="accent5">
+                    <a:alpha val="11000"/>
                   </a:schemeClr>
                 </a:gs>
-                <a:gs pos="69000">
-                  <a:schemeClr val="bg2">
-                    <a:lumMod val="40000"/>
-                    <a:lumOff val="60000"/>
+                <a:gs pos="75000">
+                  <a:schemeClr val="accent5">
                     <a:alpha val="0"/>
                   </a:schemeClr>
                 </a:gs>
                 <a:gs pos="36000">
-                  <a:schemeClr val="bg2">
-                    <a:lumMod val="40000"/>
-                    <a:lumOff val="60000"/>
-                    <a:alpha val="6000"/>
-                  </a:schemeClr>
-                </a:gs>
-              </a:gsLst>
-              <a:path path="circle">
-                <a:fillToRect l="50000" t="50000" r="50000" b="50000"/>
-              </a:path>
-              <a:tileRect/>
-            </a:gradFill>
-            <a:ln>
-              <a:noFill/>
-            </a:ln>
-            <a:effectLst/>
-          </p:spPr>
-          <p:style>
-            <a:lnRef idx="1">
-              <a:schemeClr val="accent1"/>
-            </a:lnRef>
-            <a:fillRef idx="3">
-              <a:schemeClr val="accent1"/>
-            </a:fillRef>
-            <a:effectRef idx="2">
-              <a:schemeClr val="accent1"/>
-            </a:effectRef>
-            <a:fontRef idx="minor">
-              <a:schemeClr val="lt1"/>
-            </a:fontRef>
-          </p:style>
-        </p:sp>
-        <p:sp>
-          <p:nvSpPr>
-            <p:cNvPr id="16" name="Oval 15"/>
-            <p:cNvSpPr/>
-            <p:nvPr/>
-          </p:nvSpPr>
-          <p:spPr>
-            <a:xfrm>
-              <a:off x="7999412" y="-2373"/>
-              <a:ext cx="1600200" cy="1600200"/>
-            </a:xfrm>
-            <a:prstGeom prst="ellipse">
-              <a:avLst/>
-            </a:prstGeom>
-            <a:gradFill flip="none" rotWithShape="1">
-              <a:gsLst>
-                <a:gs pos="0">
-                  <a:schemeClr val="bg2">
-                    <a:lumMod val="40000"/>
-                    <a:lumOff val="60000"/>
-                    <a:alpha val="14000"/>
-                  </a:schemeClr>
-                </a:gs>
-                <a:gs pos="73000">
-                  <a:schemeClr val="bg2">
-                    <a:lumMod val="40000"/>
-                    <a:lumOff val="60000"/>
-                    <a:alpha val="0"/>
-                  </a:schemeClr>
-                </a:gs>
-                <a:gs pos="36000">
-                  <a:schemeClr val="bg2">
-                    <a:lumMod val="40000"/>
-                    <a:lumOff val="60000"/>
-                    <a:alpha val="7000"/>
-                  </a:schemeClr>
-                </a:gs>
-              </a:gsLst>
-              <a:path path="circle">
-                <a:fillToRect l="50000" t="50000" r="50000" b="50000"/>
-              </a:path>
-              <a:tileRect/>
-            </a:gradFill>
-            <a:ln>
-              <a:noFill/>
-            </a:ln>
-            <a:effectLst/>
-          </p:spPr>
-          <p:style>
-            <a:lnRef idx="1">
-              <a:schemeClr val="accent1"/>
-            </a:lnRef>
-            <a:fillRef idx="3">
-              <a:schemeClr val="accent1"/>
-            </a:fillRef>
-            <a:effectRef idx="2">
-              <a:schemeClr val="accent1"/>
-            </a:effectRef>
-            <a:fontRef idx="minor">
-              <a:schemeClr val="lt1"/>
-            </a:fontRef>
-          </p:style>
-        </p:sp>
-        <p:sp>
-          <p:nvSpPr>
-            <p:cNvPr id="17" name="Oval 16"/>
-            <p:cNvSpPr/>
-            <p:nvPr/>
-          </p:nvSpPr>
-          <p:spPr>
-            <a:xfrm>
-              <a:off x="8609012" y="5874054"/>
-              <a:ext cx="990600" cy="990600"/>
-            </a:xfrm>
-            <a:prstGeom prst="ellipse">
-              <a:avLst/>
-            </a:prstGeom>
-            <a:gradFill flip="none" rotWithShape="1">
-              <a:gsLst>
-                <a:gs pos="0">
-                  <a:schemeClr val="bg2">
-                    <a:lumMod val="40000"/>
-                    <a:lumOff val="60000"/>
-                    <a:alpha val="14000"/>
-                  </a:schemeClr>
-                </a:gs>
-                <a:gs pos="66000">
-                  <a:schemeClr val="bg2">
-                    <a:lumMod val="40000"/>
-                    <a:lumOff val="60000"/>
-                    <a:alpha val="0"/>
-                  </a:schemeClr>
-                </a:gs>
-                <a:gs pos="36000">
-                  <a:schemeClr val="bg2">
-                    <a:lumMod val="40000"/>
-                    <a:lumOff val="60000"/>
-                    <a:alpha val="7000"/>
+                  <a:schemeClr val="accent5">
+                    <a:alpha val="10000"/>
                   </a:schemeClr>
                 </a:gs>
               </a:gsLst>
@@ -4871,7 +4193,7 @@
         </p:sp>
         <p:sp>
           <p:nvSpPr>
-            <p:cNvPr id="11" name="Freeform 5"/>
+            <p:cNvPr id="12" name="Freeform 5"/>
             <p:cNvSpPr>
               <a:spLocks noEditPoints="1"/>
             </p:cNvSpPr>
@@ -4946,9 +4268,12 @@
         </p:nvSpPr>
         <p:spPr>
           <a:xfrm>
-            <a:off x="1154954" y="2370667"/>
-            <a:ext cx="8825660" cy="1822514"/>
+            <a:off x="1154954" y="2373525"/>
+            <a:ext cx="8865623" cy="1819656"/>
           </a:xfrm>
+          <a:prstGeom prst="rect">
+            <a:avLst/>
+          </a:prstGeom>
         </p:spPr>
         <p:txBody>
           <a:bodyPr anchor="b"/>
@@ -4978,7 +4303,7 @@
         </p:nvSpPr>
         <p:spPr>
           <a:xfrm>
-            <a:off x="1154954" y="5033068"/>
+            <a:off x="1154954" y="5029200"/>
             <a:ext cx="8825659" cy="860400"/>
           </a:xfrm>
         </p:spPr>
@@ -5099,7 +4424,7 @@
           <a:lstStyle/>
           <a:p>
             <a:fld id="{174D01B4-0AA5-45E6-B2E6-5FA4078AEBCF}" type="datetimeFigureOut">
-              <a:rPr lang="en-US" dirty="0"/>
+              <a:rPr lang="en-US" smtClean="0"/>
               <a:t>7/25/2024</a:t>
             </a:fld>
             <a:endParaRPr lang="en-US" dirty="0"/>
@@ -5127,7 +4452,7 @@
       </p:sp>
       <p:sp>
         <p:nvSpPr>
-          <p:cNvPr id="12" name="Rectangle 11"/>
+          <p:cNvPr id="10" name="Rectangle 9"/>
           <p:cNvSpPr/>
           <p:nvPr/>
         </p:nvSpPr>
@@ -5177,7 +4502,7 @@
           <a:lstStyle/>
           <a:p>
             <a:fld id="{D57F1E4F-1CFF-5643-939E-217C01CDF565}" type="slidenum">
-              <a:rPr lang="en-US" dirty="0"/>
+              <a:rPr lang="en-US" smtClean="0"/>
               <a:pPr/>
               <a:t>‹#›</a:t>
             </a:fld>
@@ -5186,6 +4511,11 @@
         </p:txBody>
       </p:sp>
     </p:spTree>
+    <p:extLst>
+      <p:ext uri="{BB962C8B-B14F-4D97-AF65-F5344CB8AC3E}">
+        <p14:creationId xmlns:p14="http://schemas.microsoft.com/office/powerpoint/2010/main" val="3118293040"/>
+      </p:ext>
+    </p:extLst>
   </p:cSld>
   <p:clrMapOvr>
     <a:masterClrMapping/>
@@ -5220,7 +4550,15 @@
             <p:ph type="title"/>
           </p:nvPr>
         </p:nvSpPr>
-        <p:spPr/>
+        <p:spPr>
+          <a:xfrm>
+            <a:off x="1154954" y="973668"/>
+            <a:ext cx="8825659" cy="706964"/>
+          </a:xfrm>
+          <a:prstGeom prst="rect">
+            <a:avLst/>
+          </a:prstGeom>
+        </p:spPr>
         <p:txBody>
           <a:bodyPr/>
           <a:lstStyle>
@@ -5249,8 +4587,8 @@
         </p:nvSpPr>
         <p:spPr>
           <a:xfrm>
-            <a:off x="1154954" y="2617299"/>
-            <a:ext cx="3129168" cy="576262"/>
+            <a:off x="1154954" y="2603500"/>
+            <a:ext cx="3129168" cy="576261"/>
           </a:xfrm>
         </p:spPr>
         <p:txBody>
@@ -5320,8 +4658,8 @@
         </p:nvSpPr>
         <p:spPr>
           <a:xfrm>
-            <a:off x="1154954" y="3193561"/>
-            <a:ext cx="3129168" cy="2833496"/>
+            <a:off x="1154954" y="3179764"/>
+            <a:ext cx="3129168" cy="2847290"/>
           </a:xfrm>
         </p:spPr>
         <p:txBody>
@@ -5387,8 +4725,8 @@
         </p:nvSpPr>
         <p:spPr>
           <a:xfrm>
-            <a:off x="4512721" y="2603502"/>
-            <a:ext cx="3145380" cy="576262"/>
+            <a:off x="4512721" y="2603500"/>
+            <a:ext cx="3145380" cy="576261"/>
           </a:xfrm>
         </p:spPr>
         <p:txBody>
@@ -5458,8 +4796,8 @@
         </p:nvSpPr>
         <p:spPr>
           <a:xfrm>
-            <a:off x="4512721" y="3193561"/>
-            <a:ext cx="3145380" cy="2833495"/>
+            <a:off x="4512721" y="3179764"/>
+            <a:ext cx="3145380" cy="2847290"/>
           </a:xfrm>
         </p:spPr>
         <p:txBody>
@@ -5525,8 +4863,8 @@
         </p:nvSpPr>
         <p:spPr>
           <a:xfrm>
-            <a:off x="7886700" y="2617299"/>
-            <a:ext cx="3161029" cy="576261"/>
+            <a:off x="7886700" y="2595032"/>
+            <a:ext cx="3161029" cy="584732"/>
           </a:xfrm>
         </p:spPr>
         <p:txBody>
@@ -5596,8 +4934,8 @@
         </p:nvSpPr>
         <p:spPr>
           <a:xfrm>
-            <a:off x="7886700" y="3193561"/>
-            <a:ext cx="3164719" cy="2833493"/>
+            <a:off x="7886700" y="3179764"/>
+            <a:ext cx="3161029" cy="2847290"/>
           </a:xfrm>
         </p:spPr>
         <p:txBody>
@@ -5653,22 +4991,23 @@
       </p:sp>
       <p:cxnSp>
         <p:nvCxnSpPr>
-          <p:cNvPr id="22" name="Straight Connector 21"/>
+          <p:cNvPr id="17" name="Straight Connector 16"/>
           <p:cNvCxnSpPr/>
           <p:nvPr/>
         </p:nvCxnSpPr>
         <p:spPr>
           <a:xfrm>
-            <a:off x="4403971" y="2569633"/>
-            <a:ext cx="0" cy="3492499"/>
+            <a:off x="4384991" y="2603500"/>
+            <a:ext cx="32564" cy="3423554"/>
           </a:xfrm>
           <a:prstGeom prst="line">
             <a:avLst/>
           </a:prstGeom>
           <a:ln w="12700" cmpd="sng">
             <a:solidFill>
-              <a:schemeClr val="accent1">
-                <a:alpha val="41000"/>
+              <a:schemeClr val="tx1">
+                <a:lumMod val="75000"/>
+                <a:alpha val="40000"/>
               </a:schemeClr>
             </a:solidFill>
           </a:ln>
@@ -5690,22 +5029,23 @@
       </p:cxnSp>
       <p:cxnSp>
         <p:nvCxnSpPr>
-          <p:cNvPr id="23" name="Straight Connector 22"/>
+          <p:cNvPr id="18" name="Straight Connector 17"/>
           <p:cNvCxnSpPr/>
           <p:nvPr/>
         </p:nvCxnSpPr>
         <p:spPr>
           <a:xfrm>
-            <a:off x="7772401" y="2569633"/>
-            <a:ext cx="0" cy="3492499"/>
+            <a:off x="7775824" y="2603500"/>
+            <a:ext cx="0" cy="3423554"/>
           </a:xfrm>
           <a:prstGeom prst="line">
             <a:avLst/>
           </a:prstGeom>
           <a:ln w="12700" cmpd="sng">
             <a:solidFill>
-              <a:schemeClr val="accent1">
-                <a:alpha val="41000"/>
+              <a:schemeClr val="tx1">
+                <a:lumMod val="75000"/>
+                <a:alpha val="40000"/>
               </a:schemeClr>
             </a:solidFill>
           </a:ln>
@@ -5741,7 +5081,7 @@
           <a:lstStyle/>
           <a:p>
             <a:fld id="{4147335C-0450-40D7-8612-B3203BED4F28}" type="datetimeFigureOut">
-              <a:rPr lang="en-US" dirty="0"/>
+              <a:rPr lang="en-US" smtClean="0"/>
               <a:t>7/25/2024</a:t>
             </a:fld>
             <a:endParaRPr lang="en-US" dirty="0"/>
@@ -5783,7 +5123,7 @@
           <a:lstStyle/>
           <a:p>
             <a:fld id="{D57F1E4F-1CFF-5643-939E-217C01CDF565}" type="slidenum">
-              <a:rPr lang="en-US" dirty="0"/>
+              <a:rPr lang="en-US" smtClean="0"/>
               <a:pPr/>
               <a:t>‹#›</a:t>
             </a:fld>
@@ -5792,6 +5132,11 @@
         </p:txBody>
       </p:sp>
     </p:spTree>
+    <p:extLst>
+      <p:ext uri="{BB962C8B-B14F-4D97-AF65-F5344CB8AC3E}">
+        <p14:creationId xmlns:p14="http://schemas.microsoft.com/office/powerpoint/2010/main" val="1699404911"/>
+      </p:ext>
+    </p:extLst>
   </p:cSld>
   <p:clrMapOvr>
     <a:masterClrMapping/>
@@ -5826,9 +5171,17 @@
             <p:ph type="title"/>
           </p:nvPr>
         </p:nvSpPr>
-        <p:spPr/>
+        <p:spPr>
+          <a:xfrm>
+            <a:off x="1154954" y="973668"/>
+            <a:ext cx="8825659" cy="706964"/>
+          </a:xfrm>
+          <a:prstGeom prst="rect">
+            <a:avLst/>
+          </a:prstGeom>
+        </p:spPr>
         <p:txBody>
-          <a:bodyPr/>
+          <a:bodyPr anchor="ctr" anchorCtr="0"/>
           <a:lstStyle>
             <a:lvl1pPr>
               <a:defRPr sz="3600"/>
@@ -5855,8 +5208,8 @@
         </p:nvSpPr>
         <p:spPr>
           <a:xfrm>
-            <a:off x="1154952" y="4532845"/>
-            <a:ext cx="3050439" cy="576262"/>
+            <a:off x="1154954" y="4532845"/>
+            <a:ext cx="3050438" cy="576260"/>
           </a:xfrm>
         </p:spPr>
         <p:txBody>
@@ -5926,7 +5279,224 @@
         </p:nvSpPr>
         <p:spPr>
           <a:xfrm>
-            <a:off x="1334552" y="2603500"/>
+            <a:off x="1334552" y="2610916"/>
+            <a:ext cx="2691242" cy="1584094"/>
+          </a:xfrm>
+          <a:prstGeom prst="roundRect">
+            <a:avLst>
+              <a:gd name="adj" fmla="val 1858"/>
+            </a:avLst>
+          </a:prstGeom>
+          <a:effectLst>
+            <a:outerShdw blurRad="50800" dist="50800" dir="5400000" algn="tl" rotWithShape="0">
+              <a:srgbClr val="000000">
+                <a:alpha val="43000"/>
+              </a:srgbClr>
+            </a:outerShdw>
+          </a:effectLst>
+        </p:spPr>
+        <p:txBody>
+          <a:bodyPr anchor="t">
+            <a:normAutofit/>
+          </a:bodyPr>
+          <a:lstStyle>
+            <a:lvl1pPr marL="0" indent="0" algn="ctr">
+              <a:buNone/>
+              <a:defRPr sz="1600"/>
+            </a:lvl1pPr>
+            <a:lvl2pPr marL="457200" indent="0">
+              <a:buNone/>
+              <a:defRPr sz="1600"/>
+            </a:lvl2pPr>
+            <a:lvl3pPr marL="914400" indent="0">
+              <a:buNone/>
+              <a:defRPr sz="1600"/>
+            </a:lvl3pPr>
+            <a:lvl4pPr marL="1371600" indent="0">
+              <a:buNone/>
+              <a:defRPr sz="1600"/>
+            </a:lvl4pPr>
+            <a:lvl5pPr marL="1828800" indent="0">
+              <a:buNone/>
+              <a:defRPr sz="1600"/>
+            </a:lvl5pPr>
+            <a:lvl6pPr marL="2286000" indent="0">
+              <a:buNone/>
+              <a:defRPr sz="1600"/>
+            </a:lvl6pPr>
+            <a:lvl7pPr marL="2743200" indent="0">
+              <a:buNone/>
+              <a:defRPr sz="1600"/>
+            </a:lvl7pPr>
+            <a:lvl8pPr marL="3200400" indent="0">
+              <a:buNone/>
+              <a:defRPr sz="1600"/>
+            </a:lvl8pPr>
+            <a:lvl9pPr marL="3657600" indent="0">
+              <a:buNone/>
+              <a:defRPr sz="1600"/>
+            </a:lvl9pPr>
+          </a:lstStyle>
+          <a:p>
+            <a:r>
+              <a:rPr lang="en-US" smtClean="0"/>
+              <a:t>Click icon to add picture</a:t>
+            </a:r>
+            <a:endParaRPr lang="en-US" dirty="0"/>
+          </a:p>
+        </p:txBody>
+      </p:sp>
+      <p:sp>
+        <p:nvSpPr>
+          <p:cNvPr id="22" name="Text Placeholder 3"/>
+          <p:cNvSpPr>
+            <a:spLocks noGrp="1"/>
+          </p:cNvSpPr>
+          <p:nvPr>
+            <p:ph type="body" sz="half" idx="18"/>
+          </p:nvPr>
+        </p:nvSpPr>
+        <p:spPr>
+          <a:xfrm>
+            <a:off x="1154954" y="5109107"/>
+            <a:ext cx="3050438" cy="917949"/>
+          </a:xfrm>
+        </p:spPr>
+        <p:txBody>
+          <a:bodyPr anchor="t">
+            <a:normAutofit/>
+          </a:bodyPr>
+          <a:lstStyle>
+            <a:lvl1pPr marL="0" indent="0">
+              <a:buNone/>
+              <a:defRPr sz="1400"/>
+            </a:lvl1pPr>
+            <a:lvl2pPr marL="457200" indent="0">
+              <a:buNone/>
+              <a:defRPr sz="1200"/>
+            </a:lvl2pPr>
+            <a:lvl3pPr marL="914400" indent="0">
+              <a:buNone/>
+              <a:defRPr sz="1000"/>
+            </a:lvl3pPr>
+            <a:lvl4pPr marL="1371600" indent="0">
+              <a:buNone/>
+              <a:defRPr sz="900"/>
+            </a:lvl4pPr>
+            <a:lvl5pPr marL="1828800" indent="0">
+              <a:buNone/>
+              <a:defRPr sz="900"/>
+            </a:lvl5pPr>
+            <a:lvl6pPr marL="2286000" indent="0">
+              <a:buNone/>
+              <a:defRPr sz="900"/>
+            </a:lvl6pPr>
+            <a:lvl7pPr marL="2743200" indent="0">
+              <a:buNone/>
+              <a:defRPr sz="900"/>
+            </a:lvl7pPr>
+            <a:lvl8pPr marL="3200400" indent="0">
+              <a:buNone/>
+              <a:defRPr sz="900"/>
+            </a:lvl8pPr>
+            <a:lvl9pPr marL="3657600" indent="0">
+              <a:buNone/>
+              <a:defRPr sz="900"/>
+            </a:lvl9pPr>
+          </a:lstStyle>
+          <a:p>
+            <a:pPr lvl="0"/>
+            <a:r>
+              <a:rPr lang="en-US" smtClean="0"/>
+              <a:t>Edit Master text styles</a:t>
+            </a:r>
+          </a:p>
+        </p:txBody>
+      </p:sp>
+      <p:sp>
+        <p:nvSpPr>
+          <p:cNvPr id="5" name="Text Placeholder 4"/>
+          <p:cNvSpPr>
+            <a:spLocks noGrp="1"/>
+          </p:cNvSpPr>
+          <p:nvPr>
+            <p:ph type="body" sz="quarter" idx="3"/>
+          </p:nvPr>
+        </p:nvSpPr>
+        <p:spPr>
+          <a:xfrm>
+            <a:off x="4568865" y="4532842"/>
+            <a:ext cx="3050438" cy="576262"/>
+          </a:xfrm>
+        </p:spPr>
+        <p:txBody>
+          <a:bodyPr anchor="b">
+            <a:noAutofit/>
+          </a:bodyPr>
+          <a:lstStyle>
+            <a:lvl1pPr marL="0" indent="0">
+              <a:buNone/>
+              <a:defRPr sz="2400" b="0">
+                <a:solidFill>
+                  <a:schemeClr val="accent1"/>
+                </a:solidFill>
+              </a:defRPr>
+            </a:lvl1pPr>
+            <a:lvl2pPr marL="457200" indent="0">
+              <a:buNone/>
+              <a:defRPr sz="2000" b="1"/>
+            </a:lvl2pPr>
+            <a:lvl3pPr marL="914400" indent="0">
+              <a:buNone/>
+              <a:defRPr sz="1800" b="1"/>
+            </a:lvl3pPr>
+            <a:lvl4pPr marL="1371600" indent="0">
+              <a:buNone/>
+              <a:defRPr sz="1600" b="1"/>
+            </a:lvl4pPr>
+            <a:lvl5pPr marL="1828800" indent="0">
+              <a:buNone/>
+              <a:defRPr sz="1600" b="1"/>
+            </a:lvl5pPr>
+            <a:lvl6pPr marL="2286000" indent="0">
+              <a:buNone/>
+              <a:defRPr sz="1600" b="1"/>
+            </a:lvl6pPr>
+            <a:lvl7pPr marL="2743200" indent="0">
+              <a:buNone/>
+              <a:defRPr sz="1600" b="1"/>
+            </a:lvl7pPr>
+            <a:lvl8pPr marL="3200400" indent="0">
+              <a:buNone/>
+              <a:defRPr sz="1600" b="1"/>
+            </a:lvl8pPr>
+            <a:lvl9pPr marL="3657600" indent="0">
+              <a:buNone/>
+              <a:defRPr sz="1600" b="1"/>
+            </a:lvl9pPr>
+          </a:lstStyle>
+          <a:p>
+            <a:pPr lvl="0"/>
+            <a:r>
+              <a:rPr lang="en-US" smtClean="0"/>
+              <a:t>Edit Master text styles</a:t>
+            </a:r>
+          </a:p>
+        </p:txBody>
+      </p:sp>
+      <p:sp>
+        <p:nvSpPr>
+          <p:cNvPr id="30" name="Picture Placeholder 2"/>
+          <p:cNvSpPr>
+            <a:spLocks noGrp="1" noChangeAspect="1"/>
+          </p:cNvSpPr>
+          <p:nvPr>
+            <p:ph type="pic" idx="21"/>
+          </p:nvPr>
+        </p:nvSpPr>
+        <p:spPr>
+          <a:xfrm>
+            <a:off x="4748463" y="2603500"/>
             <a:ext cx="2691242" cy="1591510"/>
           </a:xfrm>
           <a:prstGeom prst="roundRect">
@@ -5995,223 +5565,6 @@
       </p:sp>
       <p:sp>
         <p:nvSpPr>
-          <p:cNvPr id="22" name="Text Placeholder 3"/>
-          <p:cNvSpPr>
-            <a:spLocks noGrp="1"/>
-          </p:cNvSpPr>
-          <p:nvPr>
-            <p:ph type="body" sz="half" idx="18"/>
-          </p:nvPr>
-        </p:nvSpPr>
-        <p:spPr>
-          <a:xfrm>
-            <a:off x="1154953" y="5109107"/>
-            <a:ext cx="3050437" cy="917949"/>
-          </a:xfrm>
-        </p:spPr>
-        <p:txBody>
-          <a:bodyPr anchor="t">
-            <a:normAutofit/>
-          </a:bodyPr>
-          <a:lstStyle>
-            <a:lvl1pPr marL="0" indent="0">
-              <a:buNone/>
-              <a:defRPr sz="1400"/>
-            </a:lvl1pPr>
-            <a:lvl2pPr marL="457200" indent="0">
-              <a:buNone/>
-              <a:defRPr sz="1200"/>
-            </a:lvl2pPr>
-            <a:lvl3pPr marL="914400" indent="0">
-              <a:buNone/>
-              <a:defRPr sz="1000"/>
-            </a:lvl3pPr>
-            <a:lvl4pPr marL="1371600" indent="0">
-              <a:buNone/>
-              <a:defRPr sz="900"/>
-            </a:lvl4pPr>
-            <a:lvl5pPr marL="1828800" indent="0">
-              <a:buNone/>
-              <a:defRPr sz="900"/>
-            </a:lvl5pPr>
-            <a:lvl6pPr marL="2286000" indent="0">
-              <a:buNone/>
-              <a:defRPr sz="900"/>
-            </a:lvl6pPr>
-            <a:lvl7pPr marL="2743200" indent="0">
-              <a:buNone/>
-              <a:defRPr sz="900"/>
-            </a:lvl7pPr>
-            <a:lvl8pPr marL="3200400" indent="0">
-              <a:buNone/>
-              <a:defRPr sz="900"/>
-            </a:lvl8pPr>
-            <a:lvl9pPr marL="3657600" indent="0">
-              <a:buNone/>
-              <a:defRPr sz="900"/>
-            </a:lvl9pPr>
-          </a:lstStyle>
-          <a:p>
-            <a:pPr lvl="0"/>
-            <a:r>
-              <a:rPr lang="en-US" smtClean="0"/>
-              <a:t>Edit Master text styles</a:t>
-            </a:r>
-          </a:p>
-        </p:txBody>
-      </p:sp>
-      <p:sp>
-        <p:nvSpPr>
-          <p:cNvPr id="5" name="Text Placeholder 4"/>
-          <p:cNvSpPr>
-            <a:spLocks noGrp="1"/>
-          </p:cNvSpPr>
-          <p:nvPr>
-            <p:ph type="body" sz="quarter" idx="3"/>
-          </p:nvPr>
-        </p:nvSpPr>
-        <p:spPr>
-          <a:xfrm>
-            <a:off x="4572537" y="4532846"/>
-            <a:ext cx="3046766" cy="651156"/>
-          </a:xfrm>
-        </p:spPr>
-        <p:txBody>
-          <a:bodyPr anchor="b">
-            <a:noAutofit/>
-          </a:bodyPr>
-          <a:lstStyle>
-            <a:lvl1pPr marL="0" indent="0">
-              <a:buNone/>
-              <a:defRPr sz="2400" b="0">
-                <a:solidFill>
-                  <a:schemeClr val="accent1"/>
-                </a:solidFill>
-              </a:defRPr>
-            </a:lvl1pPr>
-            <a:lvl2pPr marL="457200" indent="0">
-              <a:buNone/>
-              <a:defRPr sz="2000" b="1"/>
-            </a:lvl2pPr>
-            <a:lvl3pPr marL="914400" indent="0">
-              <a:buNone/>
-              <a:defRPr sz="1800" b="1"/>
-            </a:lvl3pPr>
-            <a:lvl4pPr marL="1371600" indent="0">
-              <a:buNone/>
-              <a:defRPr sz="1600" b="1"/>
-            </a:lvl4pPr>
-            <a:lvl5pPr marL="1828800" indent="0">
-              <a:buNone/>
-              <a:defRPr sz="1600" b="1"/>
-            </a:lvl5pPr>
-            <a:lvl6pPr marL="2286000" indent="0">
-              <a:buNone/>
-              <a:defRPr sz="1600" b="1"/>
-            </a:lvl6pPr>
-            <a:lvl7pPr marL="2743200" indent="0">
-              <a:buNone/>
-              <a:defRPr sz="1600" b="1"/>
-            </a:lvl7pPr>
-            <a:lvl8pPr marL="3200400" indent="0">
-              <a:buNone/>
-              <a:defRPr sz="1600" b="1"/>
-            </a:lvl8pPr>
-            <a:lvl9pPr marL="3657600" indent="0">
-              <a:buNone/>
-              <a:defRPr sz="1600" b="1"/>
-            </a:lvl9pPr>
-          </a:lstStyle>
-          <a:p>
-            <a:pPr lvl="0"/>
-            <a:r>
-              <a:rPr lang="en-US" smtClean="0"/>
-              <a:t>Edit Master text styles</a:t>
-            </a:r>
-          </a:p>
-        </p:txBody>
-      </p:sp>
-      <p:sp>
-        <p:nvSpPr>
-          <p:cNvPr id="30" name="Picture Placeholder 2"/>
-          <p:cNvSpPr>
-            <a:spLocks noGrp="1" noChangeAspect="1"/>
-          </p:cNvSpPr>
-          <p:nvPr>
-            <p:ph type="pic" idx="21"/>
-          </p:nvPr>
-        </p:nvSpPr>
-        <p:spPr>
-          <a:xfrm>
-            <a:off x="4748463" y="2603500"/>
-            <a:ext cx="2691241" cy="1591510"/>
-          </a:xfrm>
-          <a:prstGeom prst="roundRect">
-            <a:avLst>
-              <a:gd name="adj" fmla="val 1858"/>
-            </a:avLst>
-          </a:prstGeom>
-          <a:effectLst>
-            <a:outerShdw blurRad="50800" dist="50800" dir="5400000" algn="tl" rotWithShape="0">
-              <a:srgbClr val="000000">
-                <a:alpha val="43000"/>
-              </a:srgbClr>
-            </a:outerShdw>
-          </a:effectLst>
-        </p:spPr>
-        <p:txBody>
-          <a:bodyPr anchor="t">
-            <a:normAutofit/>
-          </a:bodyPr>
-          <a:lstStyle>
-            <a:lvl1pPr marL="0" indent="0" algn="ctr">
-              <a:buNone/>
-              <a:defRPr sz="1600"/>
-            </a:lvl1pPr>
-            <a:lvl2pPr marL="457200" indent="0">
-              <a:buNone/>
-              <a:defRPr sz="1600"/>
-            </a:lvl2pPr>
-            <a:lvl3pPr marL="914400" indent="0">
-              <a:buNone/>
-              <a:defRPr sz="1600"/>
-            </a:lvl3pPr>
-            <a:lvl4pPr marL="1371600" indent="0">
-              <a:buNone/>
-              <a:defRPr sz="1600"/>
-            </a:lvl4pPr>
-            <a:lvl5pPr marL="1828800" indent="0">
-              <a:buNone/>
-              <a:defRPr sz="1600"/>
-            </a:lvl5pPr>
-            <a:lvl6pPr marL="2286000" indent="0">
-              <a:buNone/>
-              <a:defRPr sz="1600"/>
-            </a:lvl6pPr>
-            <a:lvl7pPr marL="2743200" indent="0">
-              <a:buNone/>
-              <a:defRPr sz="1600"/>
-            </a:lvl7pPr>
-            <a:lvl8pPr marL="3200400" indent="0">
-              <a:buNone/>
-              <a:defRPr sz="1600"/>
-            </a:lvl8pPr>
-            <a:lvl9pPr marL="3657600" indent="0">
-              <a:buNone/>
-              <a:defRPr sz="1600"/>
-            </a:lvl9pPr>
-          </a:lstStyle>
-          <a:p>
-            <a:r>
-              <a:rPr lang="en-US" smtClean="0"/>
-              <a:t>Click icon to add picture</a:t>
-            </a:r>
-            <a:endParaRPr lang="en-US" dirty="0"/>
-          </a:p>
-        </p:txBody>
-      </p:sp>
-      <p:sp>
-        <p:nvSpPr>
           <p:cNvPr id="23" name="Text Placeholder 3"/>
           <p:cNvSpPr>
             <a:spLocks noGrp="1"/>
@@ -6222,8 +5575,8 @@
         </p:nvSpPr>
         <p:spPr>
           <a:xfrm>
-            <a:off x="4568865" y="5184002"/>
-            <a:ext cx="3050438" cy="843056"/>
+            <a:off x="4568865" y="5109108"/>
+            <a:ext cx="3050438" cy="912578"/>
           </a:xfrm>
         </p:spPr>
         <p:txBody>
@@ -6289,8 +5642,8 @@
         </p:nvSpPr>
         <p:spPr>
           <a:xfrm>
-            <a:off x="7983434" y="4532847"/>
-            <a:ext cx="3050438" cy="651154"/>
+            <a:off x="7983433" y="4532842"/>
+            <a:ext cx="3050438" cy="576262"/>
           </a:xfrm>
         </p:spPr>
         <p:txBody>
@@ -6439,8 +5792,8 @@
         </p:nvSpPr>
         <p:spPr>
           <a:xfrm>
-            <a:off x="7983434" y="5184001"/>
-            <a:ext cx="3050437" cy="843054"/>
+            <a:off x="7983433" y="5109107"/>
+            <a:ext cx="3050438" cy="917947"/>
           </a:xfrm>
         </p:spPr>
         <p:txBody>
@@ -6502,15 +5855,16 @@
         </p:nvCxnSpPr>
         <p:spPr>
           <a:xfrm>
-            <a:off x="4388153" y="2603500"/>
-            <a:ext cx="0" cy="3517594"/>
+            <a:off x="4384245" y="2603500"/>
+            <a:ext cx="1" cy="3461811"/>
           </a:xfrm>
           <a:prstGeom prst="line">
             <a:avLst/>
           </a:prstGeom>
           <a:ln w="12700" cmpd="sng">
             <a:solidFill>
-              <a:schemeClr val="accent1">
+              <a:schemeClr val="tx1">
+                <a:lumMod val="75000"/>
                 <a:alpha val="40000"/>
               </a:schemeClr>
             </a:solidFill>
@@ -6539,15 +5893,16 @@
         </p:nvCxnSpPr>
         <p:spPr>
           <a:xfrm>
-            <a:off x="7801905" y="2603500"/>
-            <a:ext cx="0" cy="3492500"/>
+            <a:off x="7807352" y="2603500"/>
+            <a:ext cx="0" cy="3461811"/>
           </a:xfrm>
           <a:prstGeom prst="line">
             <a:avLst/>
           </a:prstGeom>
           <a:ln w="12700" cmpd="sng">
             <a:solidFill>
-              <a:schemeClr val="accent1">
+              <a:schemeClr val="tx1">
+                <a:lumMod val="75000"/>
                 <a:alpha val="40000"/>
               </a:schemeClr>
             </a:solidFill>
@@ -6584,7 +5939,7 @@
           <a:lstStyle/>
           <a:p>
             <a:fld id="{D246A105-2A1C-4284-B4EA-07CF89B1A393}" type="datetimeFigureOut">
-              <a:rPr lang="en-US" dirty="0"/>
+              <a:rPr lang="en-US" smtClean="0"/>
               <a:t>7/25/2024</a:t>
             </a:fld>
             <a:endParaRPr lang="en-US" dirty="0"/>
@@ -6626,7 +5981,7 @@
           <a:lstStyle/>
           <a:p>
             <a:fld id="{D57F1E4F-1CFF-5643-939E-217C01CDF565}" type="slidenum">
-              <a:rPr lang="en-US" dirty="0"/>
+              <a:rPr lang="en-US" smtClean="0"/>
               <a:pPr/>
               <a:t>‹#›</a:t>
             </a:fld>
@@ -6635,6 +5990,11 @@
         </p:txBody>
       </p:sp>
     </p:spTree>
+    <p:extLst>
+      <p:ext uri="{BB962C8B-B14F-4D97-AF65-F5344CB8AC3E}">
+        <p14:creationId xmlns:p14="http://schemas.microsoft.com/office/powerpoint/2010/main" val="2949397590"/>
+      </p:ext>
+    </p:extLst>
   </p:cSld>
   <p:clrMapOvr>
     <a:masterClrMapping/>
@@ -6671,9 +6031,12 @@
         </p:nvSpPr>
         <p:spPr>
           <a:xfrm>
-            <a:off x="1154953" y="973668"/>
-            <a:ext cx="8825660" cy="706964"/>
+            <a:off x="1154954" y="973668"/>
+            <a:ext cx="8825659" cy="706964"/>
           </a:xfrm>
+          <a:prstGeom prst="rect">
+            <a:avLst/>
+          </a:prstGeom>
         </p:spPr>
         <p:txBody>
           <a:bodyPr/>
@@ -6697,7 +6060,12 @@
             <p:ph type="body" orient="vert" idx="1"/>
           </p:nvPr>
         </p:nvSpPr>
-        <p:spPr/>
+        <p:spPr>
+          <a:xfrm>
+            <a:off x="1154954" y="2595033"/>
+            <a:ext cx="8825659" cy="3424768"/>
+          </a:xfrm>
+        </p:spPr>
         <p:txBody>
           <a:bodyPr vert="eaVert" anchor="t" anchorCtr="0"/>
           <a:lstStyle/>
@@ -6755,7 +6123,7 @@
           <a:lstStyle/>
           <a:p>
             <a:fld id="{80DBE609-F3F2-45E6-BD6A-E03A8C86C1AE}" type="datetimeFigureOut">
-              <a:rPr lang="en-US" dirty="0"/>
+              <a:rPr lang="en-US" smtClean="0"/>
               <a:t>7/25/2024</a:t>
             </a:fld>
             <a:endParaRPr lang="en-US" dirty="0"/>
@@ -6797,7 +6165,7 @@
           <a:lstStyle/>
           <a:p>
             <a:fld id="{D57F1E4F-1CFF-5643-939E-217C01CDF565}" type="slidenum">
-              <a:rPr lang="en-US" dirty="0"/>
+              <a:rPr lang="en-US" smtClean="0"/>
               <a:pPr/>
               <a:t>‹#›</a:t>
             </a:fld>
@@ -6806,6 +6174,11 @@
         </p:txBody>
       </p:sp>
     </p:spTree>
+    <p:extLst>
+      <p:ext uri="{BB962C8B-B14F-4D97-AF65-F5344CB8AC3E}">
+        <p14:creationId xmlns:p14="http://schemas.microsoft.com/office/powerpoint/2010/main" val="1389423717"/>
+      </p:ext>
+    </p:extLst>
   </p:cSld>
   <p:clrMapOvr>
     <a:masterClrMapping/>
@@ -6832,21 +6205,21 @@
       </p:grpSpPr>
       <p:grpSp>
         <p:nvGrpSpPr>
-          <p:cNvPr id="19" name="Group 18"/>
+          <p:cNvPr id="8" name="Group 7"/>
           <p:cNvGrpSpPr/>
           <p:nvPr/>
         </p:nvGrpSpPr>
         <p:grpSpPr>
           <a:xfrm>
-            <a:off x="0" y="-2373"/>
-            <a:ext cx="12192000" cy="6867027"/>
-            <a:chOff x="0" y="-2373"/>
-            <a:chExt cx="12192000" cy="6867027"/>
+            <a:off x="-1588" y="0"/>
+            <a:ext cx="12193588" cy="6861555"/>
+            <a:chOff x="-1588" y="0"/>
+            <a:chExt cx="12193588" cy="6861555"/>
           </a:xfrm>
         </p:grpSpPr>
         <p:sp>
           <p:nvSpPr>
-            <p:cNvPr id="11" name="Rectangle 10"/>
+            <p:cNvPr id="15" name="Rectangle 14"/>
             <p:cNvSpPr/>
             <p:nvPr/>
           </p:nvSpPr>
@@ -6862,16 +6235,16 @@
               <a:blip r:embed="rId2">
                 <a:duotone>
                   <a:schemeClr val="dk2">
-                    <a:shade val="62000"/>
+                    <a:shade val="69000"/>
                     <a:hueMod val="108000"/>
                     <a:satMod val="164000"/>
-                    <a:lumMod val="69000"/>
+                    <a:lumMod val="74000"/>
                   </a:schemeClr>
                   <a:schemeClr val="dk2">
                     <a:tint val="96000"/>
-                    <a:hueMod val="90000"/>
-                    <a:satMod val="130000"/>
-                    <a:lumMod val="134000"/>
+                    <a:hueMod val="88000"/>
+                    <a:satMod val="140000"/>
+                    <a:lumMod val="132000"/>
                   </a:schemeClr>
                 </a:duotone>
               </a:blip>
@@ -6902,139 +6275,13 @@
         </p:sp>
         <p:sp>
           <p:nvSpPr>
-            <p:cNvPr id="14" name="Oval 13"/>
+            <p:cNvPr id="17" name="Oval 16"/>
             <p:cNvSpPr/>
             <p:nvPr/>
           </p:nvSpPr>
           <p:spPr>
             <a:xfrm>
-              <a:off x="3220" y="2667000"/>
-              <a:ext cx="4191000" cy="4191000"/>
-            </a:xfrm>
-            <a:prstGeom prst="ellipse">
-              <a:avLst/>
-            </a:prstGeom>
-            <a:gradFill flip="none" rotWithShape="1">
-              <a:gsLst>
-                <a:gs pos="0">
-                  <a:schemeClr val="bg2">
-                    <a:lumMod val="40000"/>
-                    <a:lumOff val="60000"/>
-                    <a:alpha val="11000"/>
-                  </a:schemeClr>
-                </a:gs>
-                <a:gs pos="75000">
-                  <a:schemeClr val="bg2">
-                    <a:lumMod val="40000"/>
-                    <a:lumOff val="60000"/>
-                    <a:alpha val="0"/>
-                  </a:schemeClr>
-                </a:gs>
-                <a:gs pos="36000">
-                  <a:schemeClr val="bg2">
-                    <a:lumMod val="40000"/>
-                    <a:lumOff val="60000"/>
-                    <a:alpha val="10000"/>
-                  </a:schemeClr>
-                </a:gs>
-              </a:gsLst>
-              <a:path path="circle">
-                <a:fillToRect l="50000" t="50000" r="50000" b="50000"/>
-              </a:path>
-              <a:tileRect/>
-            </a:gradFill>
-            <a:ln>
-              <a:noFill/>
-            </a:ln>
-            <a:effectLst/>
-          </p:spPr>
-          <p:style>
-            <a:lnRef idx="1">
-              <a:schemeClr val="accent1"/>
-            </a:lnRef>
-            <a:fillRef idx="3">
-              <a:schemeClr val="accent1"/>
-            </a:fillRef>
-            <a:effectRef idx="2">
-              <a:schemeClr val="accent1"/>
-            </a:effectRef>
-            <a:fontRef idx="minor">
-              <a:schemeClr val="lt1"/>
-            </a:fontRef>
-          </p:style>
-        </p:sp>
-        <p:sp>
-          <p:nvSpPr>
-            <p:cNvPr id="15" name="Oval 14"/>
-            <p:cNvSpPr/>
-            <p:nvPr/>
-          </p:nvSpPr>
-          <p:spPr>
-            <a:xfrm>
-              <a:off x="1750" y="2895600"/>
-              <a:ext cx="2362200" cy="2362200"/>
-            </a:xfrm>
-            <a:prstGeom prst="ellipse">
-              <a:avLst/>
-            </a:prstGeom>
-            <a:gradFill flip="none" rotWithShape="1">
-              <a:gsLst>
-                <a:gs pos="0">
-                  <a:schemeClr val="bg2">
-                    <a:lumMod val="40000"/>
-                    <a:lumOff val="60000"/>
-                    <a:alpha val="8000"/>
-                  </a:schemeClr>
-                </a:gs>
-                <a:gs pos="72000">
-                  <a:schemeClr val="bg2">
-                    <a:lumMod val="40000"/>
-                    <a:lumOff val="60000"/>
-                    <a:alpha val="0"/>
-                  </a:schemeClr>
-                </a:gs>
-                <a:gs pos="36000">
-                  <a:schemeClr val="bg2">
-                    <a:lumMod val="40000"/>
-                    <a:lumOff val="60000"/>
-                    <a:alpha val="8000"/>
-                  </a:schemeClr>
-                </a:gs>
-              </a:gsLst>
-              <a:path path="circle">
-                <a:fillToRect l="50000" t="50000" r="50000" b="50000"/>
-              </a:path>
-              <a:tileRect/>
-            </a:gradFill>
-            <a:ln>
-              <a:noFill/>
-            </a:ln>
-            <a:effectLst/>
-          </p:spPr>
-          <p:style>
-            <a:lnRef idx="1">
-              <a:schemeClr val="accent1"/>
-            </a:lnRef>
-            <a:fillRef idx="3">
-              <a:schemeClr val="accent1"/>
-            </a:fillRef>
-            <a:effectRef idx="2">
-              <a:schemeClr val="accent1"/>
-            </a:effectRef>
-            <a:fontRef idx="minor">
-              <a:schemeClr val="lt1"/>
-            </a:fontRef>
-          </p:style>
-        </p:sp>
-        <p:sp>
-          <p:nvSpPr>
-            <p:cNvPr id="16" name="Oval 15"/>
-            <p:cNvSpPr/>
-            <p:nvPr/>
-          </p:nvSpPr>
-          <p:spPr>
-            <a:xfrm>
-              <a:off x="8609012" y="1676400"/>
+              <a:off x="8761412" y="1828800"/>
               <a:ext cx="2819400" cy="2819400"/>
             </a:xfrm>
             <a:prstGeom prst="ellipse">
@@ -7043,87 +6290,18 @@
             <a:gradFill flip="none" rotWithShape="1">
               <a:gsLst>
                 <a:gs pos="0">
-                  <a:schemeClr val="bg2">
-                    <a:lumMod val="40000"/>
-                    <a:lumOff val="60000"/>
+                  <a:schemeClr val="accent5">
                     <a:alpha val="7000"/>
                   </a:schemeClr>
                 </a:gs>
                 <a:gs pos="69000">
-                  <a:schemeClr val="bg2">
-                    <a:lumMod val="40000"/>
-                    <a:lumOff val="60000"/>
+                  <a:schemeClr val="accent5">
                     <a:alpha val="0"/>
                   </a:schemeClr>
                 </a:gs>
                 <a:gs pos="36000">
-                  <a:schemeClr val="bg2">
-                    <a:lumMod val="40000"/>
-                    <a:lumOff val="60000"/>
+                  <a:schemeClr val="accent5">
                     <a:alpha val="6000"/>
-                  </a:schemeClr>
-                </a:gs>
-              </a:gsLst>
-              <a:path path="circle">
-                <a:fillToRect l="50000" t="50000" r="50000" b="50000"/>
-              </a:path>
-              <a:tileRect/>
-            </a:gradFill>
-            <a:ln>
-              <a:noFill/>
-            </a:ln>
-            <a:effectLst/>
-          </p:spPr>
-          <p:style>
-            <a:lnRef idx="1">
-              <a:schemeClr val="accent1"/>
-            </a:lnRef>
-            <a:fillRef idx="3">
-              <a:schemeClr val="accent1"/>
-            </a:fillRef>
-            <a:effectRef idx="2">
-              <a:schemeClr val="accent1"/>
-            </a:effectRef>
-            <a:fontRef idx="minor">
-              <a:schemeClr val="lt1"/>
-            </a:fontRef>
-          </p:style>
-        </p:sp>
-        <p:sp>
-          <p:nvSpPr>
-            <p:cNvPr id="17" name="Oval 16"/>
-            <p:cNvSpPr/>
-            <p:nvPr/>
-          </p:nvSpPr>
-          <p:spPr>
-            <a:xfrm>
-              <a:off x="7999412" y="-2373"/>
-              <a:ext cx="1600200" cy="1600200"/>
-            </a:xfrm>
-            <a:prstGeom prst="ellipse">
-              <a:avLst/>
-            </a:prstGeom>
-            <a:gradFill flip="none" rotWithShape="1">
-              <a:gsLst>
-                <a:gs pos="0">
-                  <a:schemeClr val="bg2">
-                    <a:lumMod val="40000"/>
-                    <a:lumOff val="60000"/>
-                    <a:alpha val="14000"/>
-                  </a:schemeClr>
-                </a:gs>
-                <a:gs pos="73000">
-                  <a:schemeClr val="bg2">
-                    <a:lumMod val="40000"/>
-                    <a:lumOff val="60000"/>
-                    <a:alpha val="0"/>
-                  </a:schemeClr>
-                </a:gs>
-                <a:gs pos="36000">
-                  <a:schemeClr val="bg2">
-                    <a:lumMod val="40000"/>
-                    <a:lumOff val="60000"/>
-                    <a:alpha val="7000"/>
                   </a:schemeClr>
                 </a:gs>
               </a:gsLst>
@@ -7160,7 +6338,7 @@
           </p:nvSpPr>
           <p:spPr>
             <a:xfrm>
-              <a:off x="8609012" y="5874054"/>
+              <a:off x="8761412" y="5870955"/>
               <a:ext cx="990600" cy="990600"/>
             </a:xfrm>
             <a:prstGeom prst="ellipse">
@@ -7169,23 +6347,17 @@
             <a:gradFill flip="none" rotWithShape="1">
               <a:gsLst>
                 <a:gs pos="0">
-                  <a:schemeClr val="bg2">
-                    <a:lumMod val="40000"/>
-                    <a:lumOff val="60000"/>
+                  <a:schemeClr val="accent5">
                     <a:alpha val="14000"/>
                   </a:schemeClr>
                 </a:gs>
                 <a:gs pos="66000">
-                  <a:schemeClr val="bg2">
-                    <a:lumMod val="40000"/>
-                    <a:lumOff val="60000"/>
+                  <a:schemeClr val="accent5">
                     <a:alpha val="0"/>
                   </a:schemeClr>
                 </a:gs>
                 <a:gs pos="36000">
-                  <a:schemeClr val="bg2">
-                    <a:lumMod val="40000"/>
-                    <a:lumOff val="60000"/>
+                  <a:schemeClr val="accent5">
                     <a:alpha val="7000"/>
                   </a:schemeClr>
                 </a:gs>
@@ -7217,7 +6389,64 @@
         </p:sp>
         <p:sp>
           <p:nvSpPr>
-            <p:cNvPr id="7" name="Freeform 5"/>
+            <p:cNvPr id="19" name="Oval 18"/>
+            <p:cNvSpPr/>
+            <p:nvPr/>
+          </p:nvSpPr>
+          <p:spPr>
+            <a:xfrm>
+              <a:off x="-1588" y="2667000"/>
+              <a:ext cx="4191000" cy="4191000"/>
+            </a:xfrm>
+            <a:prstGeom prst="ellipse">
+              <a:avLst/>
+            </a:prstGeom>
+            <a:gradFill flip="none" rotWithShape="1">
+              <a:gsLst>
+                <a:gs pos="0">
+                  <a:schemeClr val="accent5">
+                    <a:alpha val="11000"/>
+                  </a:schemeClr>
+                </a:gs>
+                <a:gs pos="75000">
+                  <a:schemeClr val="accent5">
+                    <a:alpha val="0"/>
+                  </a:schemeClr>
+                </a:gs>
+                <a:gs pos="36000">
+                  <a:schemeClr val="accent5">
+                    <a:alpha val="10000"/>
+                  </a:schemeClr>
+                </a:gs>
+              </a:gsLst>
+              <a:path path="circle">
+                <a:fillToRect l="50000" t="50000" r="50000" b="50000"/>
+              </a:path>
+              <a:tileRect/>
+            </a:gradFill>
+            <a:ln>
+              <a:noFill/>
+            </a:ln>
+            <a:effectLst/>
+          </p:spPr>
+          <p:style>
+            <a:lnRef idx="1">
+              <a:schemeClr val="accent1"/>
+            </a:lnRef>
+            <a:fillRef idx="3">
+              <a:schemeClr val="accent1"/>
+            </a:fillRef>
+            <a:effectRef idx="2">
+              <a:schemeClr val="accent1"/>
+            </a:effectRef>
+            <a:fontRef idx="minor">
+              <a:schemeClr val="lt1"/>
+            </a:fontRef>
+          </p:style>
+        </p:sp>
+        <p:sp>
+          <p:nvSpPr>
+            <p:cNvPr id="12" name="Freeform 5"/>
             <p:cNvSpPr/>
             <p:nvPr/>
           </p:nvSpPr>
@@ -7364,7 +6593,7 @@
         </p:sp>
         <p:sp>
           <p:nvSpPr>
-            <p:cNvPr id="8" name="Rectangle 7"/>
+            <p:cNvPr id="13" name="Rectangle 12"/>
             <p:cNvSpPr/>
             <p:nvPr/>
           </p:nvSpPr>
@@ -7401,7 +6630,7 @@
         </p:sp>
         <p:sp>
           <p:nvSpPr>
-            <p:cNvPr id="9" name="Freeform 5"/>
+            <p:cNvPr id="14" name="Freeform 5"/>
             <p:cNvSpPr/>
             <p:nvPr/>
           </p:nvSpPr>
@@ -7585,7 +6814,7 @@
         </p:sp>
         <p:sp>
           <p:nvSpPr>
-            <p:cNvPr id="12" name="Freeform 5"/>
+            <p:cNvPr id="16" name="Freeform 5"/>
             <p:cNvSpPr>
               <a:spLocks noEditPoints="1"/>
             </p:cNvSpPr>
@@ -7660,9 +6889,12 @@
         </p:nvSpPr>
         <p:spPr>
           <a:xfrm>
-            <a:off x="8576756" y="1278468"/>
-            <a:ext cx="1413933" cy="4748589"/>
+            <a:off x="8576756" y="1278466"/>
+            <a:ext cx="1441567" cy="4748591"/>
           </a:xfrm>
+          <a:prstGeom prst="rect">
+            <a:avLst/>
+          </a:prstGeom>
         </p:spPr>
         <p:txBody>
           <a:bodyPr vert="eaVert" anchor="b" anchorCtr="0"/>
@@ -7688,8 +6920,8 @@
         </p:nvSpPr>
         <p:spPr>
           <a:xfrm>
-            <a:off x="1154954" y="1278468"/>
-            <a:ext cx="6247546" cy="4748590"/>
+            <a:off x="1154954" y="1278465"/>
+            <a:ext cx="6256025" cy="4748591"/>
           </a:xfrm>
         </p:spPr>
         <p:txBody>
@@ -7749,7 +6981,7 @@
           <a:lstStyle/>
           <a:p>
             <a:fld id="{7A24AD68-089C-4467-A8F3-EA2BBCA6B44E}" type="datetimeFigureOut">
-              <a:rPr lang="en-US" dirty="0"/>
+              <a:rPr lang="en-US" smtClean="0"/>
               <a:t>7/25/2024</a:t>
             </a:fld>
             <a:endParaRPr lang="en-US" dirty="0"/>
@@ -7777,7 +7009,7 @@
       </p:sp>
       <p:sp>
         <p:nvSpPr>
-          <p:cNvPr id="13" name="Rectangle 12"/>
+          <p:cNvPr id="20" name="Rectangle 19"/>
           <p:cNvSpPr/>
           <p:nvPr/>
         </p:nvSpPr>
@@ -7827,7 +7059,7 @@
           <a:lstStyle/>
           <a:p>
             <a:fld id="{D57F1E4F-1CFF-5643-939E-217C01CDF565}" type="slidenum">
-              <a:rPr lang="en-US" dirty="0"/>
+              <a:rPr lang="en-US" smtClean="0"/>
               <a:pPr/>
               <a:t>‹#›</a:t>
             </a:fld>
@@ -7836,6 +7068,11 @@
         </p:txBody>
       </p:sp>
     </p:spTree>
+    <p:extLst>
+      <p:ext uri="{BB962C8B-B14F-4D97-AF65-F5344CB8AC3E}">
+        <p14:creationId xmlns:p14="http://schemas.microsoft.com/office/powerpoint/2010/main" val="161295291"/>
+      </p:ext>
+    </p:extLst>
   </p:cSld>
   <p:clrMapOvr>
     <a:masterClrMapping/>
@@ -7870,9 +7107,17 @@
             <p:ph type="title"/>
           </p:nvPr>
         </p:nvSpPr>
-        <p:spPr/>
+        <p:spPr>
+          <a:xfrm>
+            <a:off x="1154954" y="973669"/>
+            <a:ext cx="8825659" cy="706964"/>
+          </a:xfrm>
+          <a:prstGeom prst="rect">
+            <a:avLst/>
+          </a:prstGeom>
+        </p:spPr>
         <p:txBody>
-          <a:bodyPr/>
+          <a:bodyPr anchor="ctr"/>
           <a:lstStyle/>
           <a:p>
             <a:r>
@@ -7893,7 +7138,12 @@
             <p:ph idx="1"/>
           </p:nvPr>
         </p:nvSpPr>
-        <p:spPr/>
+        <p:spPr>
+          <a:xfrm>
+            <a:off x="1154954" y="2603500"/>
+            <a:ext cx="8825659" cy="3416300"/>
+          </a:xfrm>
+        </p:spPr>
         <p:txBody>
           <a:bodyPr/>
           <a:lstStyle/>
@@ -7951,7 +7201,7 @@
           <a:lstStyle/>
           <a:p>
             <a:fld id="{75C51FCE-E4BB-4680-8E50-3C0E348D2609}" type="datetimeFigureOut">
-              <a:rPr lang="en-US" dirty="0"/>
+              <a:rPr lang="en-US" smtClean="0"/>
               <a:t>7/25/2024</a:t>
             </a:fld>
             <a:endParaRPr lang="en-US" dirty="0"/>
@@ -7971,7 +7221,11 @@
         <p:spPr/>
         <p:txBody>
           <a:bodyPr/>
-          <a:lstStyle/>
+          <a:lstStyle>
+            <a:lvl1pPr>
+              <a:defRPr sz="1000" b="1"/>
+            </a:lvl1pPr>
+          </a:lstStyle>
           <a:p>
             <a:endParaRPr lang="en-US" dirty="0"/>
           </a:p>
@@ -7993,7 +7247,7 @@
           <a:lstStyle/>
           <a:p>
             <a:fld id="{D57F1E4F-1CFF-5643-939E-217C01CDF565}" type="slidenum">
-              <a:rPr lang="en-US" dirty="0"/>
+              <a:rPr lang="en-US" smtClean="0"/>
               <a:pPr/>
               <a:t>‹#›</a:t>
             </a:fld>
@@ -8002,6 +7256,11 @@
         </p:txBody>
       </p:sp>
     </p:spTree>
+    <p:extLst>
+      <p:ext uri="{BB962C8B-B14F-4D97-AF65-F5344CB8AC3E}">
+        <p14:creationId xmlns:p14="http://schemas.microsoft.com/office/powerpoint/2010/main" val="3132399125"/>
+      </p:ext>
+    </p:extLst>
   </p:cSld>
   <p:clrMapOvr>
     <a:masterClrMapping/>
@@ -8028,21 +7287,21 @@
       </p:grpSpPr>
       <p:grpSp>
         <p:nvGrpSpPr>
-          <p:cNvPr id="13" name="Group 12"/>
+          <p:cNvPr id="17" name="Group 16"/>
           <p:cNvGrpSpPr/>
           <p:nvPr/>
         </p:nvGrpSpPr>
         <p:grpSpPr>
           <a:xfrm>
-            <a:off x="0" y="-2373"/>
-            <a:ext cx="12192000" cy="6867027"/>
-            <a:chOff x="0" y="-2373"/>
-            <a:chExt cx="12192000" cy="6867027"/>
+            <a:off x="-1588" y="0"/>
+            <a:ext cx="12193588" cy="6861555"/>
+            <a:chOff x="-1588" y="0"/>
+            <a:chExt cx="12193588" cy="6861555"/>
           </a:xfrm>
         </p:grpSpPr>
         <p:sp>
           <p:nvSpPr>
-            <p:cNvPr id="11" name="Rectangle 10"/>
+            <p:cNvPr id="12" name="Rectangle 11"/>
             <p:cNvSpPr/>
             <p:nvPr/>
           </p:nvSpPr>
@@ -8058,16 +7317,16 @@
               <a:blip r:embed="rId2">
                 <a:duotone>
                   <a:schemeClr val="dk2">
-                    <a:shade val="62000"/>
+                    <a:shade val="69000"/>
                     <a:hueMod val="108000"/>
                     <a:satMod val="164000"/>
-                    <a:lumMod val="69000"/>
+                    <a:lumMod val="74000"/>
                   </a:schemeClr>
                   <a:schemeClr val="dk2">
                     <a:tint val="96000"/>
-                    <a:hueMod val="90000"/>
-                    <a:satMod val="130000"/>
-                    <a:lumMod val="134000"/>
+                    <a:hueMod val="88000"/>
+                    <a:satMod val="140000"/>
+                    <a:lumMod val="132000"/>
                   </a:schemeClr>
                 </a:duotone>
               </a:blip>
@@ -8104,8 +7363,8 @@
           </p:nvSpPr>
           <p:spPr>
             <a:xfrm>
-              <a:off x="3220" y="2667000"/>
-              <a:ext cx="4191000" cy="4191000"/>
+              <a:off x="8761412" y="1828800"/>
+              <a:ext cx="2819400" cy="2819400"/>
             </a:xfrm>
             <a:prstGeom prst="ellipse">
               <a:avLst/>
@@ -8113,24 +7372,75 @@
             <a:gradFill flip="none" rotWithShape="1">
               <a:gsLst>
                 <a:gs pos="0">
-                  <a:schemeClr val="bg2">
-                    <a:lumMod val="40000"/>
-                    <a:lumOff val="60000"/>
-                    <a:alpha val="11000"/>
+                  <a:schemeClr val="accent5">
+                    <a:alpha val="7000"/>
                   </a:schemeClr>
                 </a:gs>
-                <a:gs pos="75000">
-                  <a:schemeClr val="bg2">
-                    <a:lumMod val="40000"/>
-                    <a:lumOff val="60000"/>
+                <a:gs pos="69000">
+                  <a:schemeClr val="accent5">
                     <a:alpha val="0"/>
                   </a:schemeClr>
                 </a:gs>
                 <a:gs pos="36000">
-                  <a:schemeClr val="bg2">
-                    <a:lumMod val="40000"/>
-                    <a:lumOff val="60000"/>
-                    <a:alpha val="10000"/>
+                  <a:schemeClr val="accent5">
+                    <a:alpha val="6000"/>
+                  </a:schemeClr>
+                </a:gs>
+              </a:gsLst>
+              <a:path path="circle">
+                <a:fillToRect l="50000" t="50000" r="50000" b="50000"/>
+              </a:path>
+              <a:tileRect/>
+            </a:gradFill>
+            <a:ln>
+              <a:noFill/>
+            </a:ln>
+            <a:effectLst/>
+          </p:spPr>
+          <p:style>
+            <a:lnRef idx="1">
+              <a:schemeClr val="accent1"/>
+            </a:lnRef>
+            <a:fillRef idx="3">
+              <a:schemeClr val="accent1"/>
+            </a:fillRef>
+            <a:effectRef idx="2">
+              <a:schemeClr val="accent1"/>
+            </a:effectRef>
+            <a:fontRef idx="minor">
+              <a:schemeClr val="lt1"/>
+            </a:fontRef>
+          </p:style>
+        </p:sp>
+        <p:sp>
+          <p:nvSpPr>
+            <p:cNvPr id="15" name="Oval 14"/>
+            <p:cNvSpPr/>
+            <p:nvPr/>
+          </p:nvSpPr>
+          <p:spPr>
+            <a:xfrm>
+              <a:off x="8761412" y="5870955"/>
+              <a:ext cx="990600" cy="990600"/>
+            </a:xfrm>
+            <a:prstGeom prst="ellipse">
+              <a:avLst/>
+            </a:prstGeom>
+            <a:gradFill flip="none" rotWithShape="1">
+              <a:gsLst>
+                <a:gs pos="0">
+                  <a:schemeClr val="accent5">
+                    <a:alpha val="14000"/>
+                  </a:schemeClr>
+                </a:gs>
+                <a:gs pos="66000">
+                  <a:schemeClr val="accent5">
+                    <a:alpha val="0"/>
+                  </a:schemeClr>
+                </a:gs>
+                <a:gs pos="36000">
+                  <a:schemeClr val="accent5">
+                    <a:alpha val="7000"/>
                   </a:schemeClr>
                 </a:gs>
               </a:gsLst>
@@ -8167,8 +7477,8 @@
           </p:nvSpPr>
           <p:spPr>
             <a:xfrm>
-              <a:off x="1750" y="2895600"/>
-              <a:ext cx="2362200" cy="2362200"/>
+              <a:off x="-1588" y="2667000"/>
+              <a:ext cx="4191000" cy="4191000"/>
             </a:xfrm>
             <a:prstGeom prst="ellipse">
               <a:avLst/>
@@ -8176,24 +7486,18 @@
             <a:gradFill flip="none" rotWithShape="1">
               <a:gsLst>
                 <a:gs pos="0">
-                  <a:schemeClr val="bg2">
-                    <a:lumMod val="40000"/>
-                    <a:lumOff val="60000"/>
-                    <a:alpha val="8000"/>
+                  <a:schemeClr val="accent5">
+                    <a:alpha val="11000"/>
                   </a:schemeClr>
                 </a:gs>
-                <a:gs pos="72000">
-                  <a:schemeClr val="bg2">
-                    <a:lumMod val="40000"/>
-                    <a:lumOff val="60000"/>
+                <a:gs pos="75000">
+                  <a:schemeClr val="accent5">
                     <a:alpha val="0"/>
                   </a:schemeClr>
                 </a:gs>
                 <a:gs pos="36000">
-                  <a:schemeClr val="bg2">
-                    <a:lumMod val="40000"/>
-                    <a:lumOff val="60000"/>
-                    <a:alpha val="8000"/>
+                  <a:schemeClr val="accent5">
+                    <a:alpha val="10000"/>
                   </a:schemeClr>
                 </a:gs>
               </a:gsLst>
@@ -8224,200 +7528,11 @@
         </p:sp>
         <p:sp>
           <p:nvSpPr>
-            <p:cNvPr id="17" name="Oval 16"/>
+            <p:cNvPr id="9" name="Rectangle 8"/>
             <p:cNvSpPr/>
             <p:nvPr/>
           </p:nvSpPr>
-          <p:spPr>
-            <a:xfrm>
-              <a:off x="8609012" y="1676400"/>
-              <a:ext cx="2819400" cy="2819400"/>
-            </a:xfrm>
-            <a:prstGeom prst="ellipse">
-              <a:avLst/>
-            </a:prstGeom>
-            <a:gradFill flip="none" rotWithShape="1">
-              <a:gsLst>
-                <a:gs pos="0">
-                  <a:schemeClr val="bg2">
-                    <a:lumMod val="40000"/>
-                    <a:lumOff val="60000"/>
-                    <a:alpha val="7000"/>
-                  </a:schemeClr>
-                </a:gs>
-                <a:gs pos="69000">
-                  <a:schemeClr val="bg2">
-                    <a:lumMod val="40000"/>
-                    <a:lumOff val="60000"/>
-                    <a:alpha val="0"/>
-                  </a:schemeClr>
-                </a:gs>
-                <a:gs pos="36000">
-                  <a:schemeClr val="bg2">
-                    <a:lumMod val="40000"/>
-                    <a:lumOff val="60000"/>
-                    <a:alpha val="6000"/>
-                  </a:schemeClr>
-                </a:gs>
-              </a:gsLst>
-              <a:path path="circle">
-                <a:fillToRect l="50000" t="50000" r="50000" b="50000"/>
-              </a:path>
-              <a:tileRect/>
-            </a:gradFill>
-            <a:ln>
-              <a:noFill/>
-            </a:ln>
-            <a:effectLst/>
-          </p:spPr>
-          <p:style>
-            <a:lnRef idx="1">
-              <a:schemeClr val="accent1"/>
-            </a:lnRef>
-            <a:fillRef idx="3">
-              <a:schemeClr val="accent1"/>
-            </a:fillRef>
-            <a:effectRef idx="2">
-              <a:schemeClr val="accent1"/>
-            </a:effectRef>
-            <a:fontRef idx="minor">
-              <a:schemeClr val="lt1"/>
-            </a:fontRef>
-          </p:style>
-        </p:sp>
-        <p:sp>
-          <p:nvSpPr>
-            <p:cNvPr id="18" name="Oval 17"/>
-            <p:cNvSpPr/>
-            <p:nvPr/>
-          </p:nvSpPr>
-          <p:spPr>
-            <a:xfrm>
-              <a:off x="7999412" y="-2373"/>
-              <a:ext cx="1600200" cy="1600200"/>
-            </a:xfrm>
-            <a:prstGeom prst="ellipse">
-              <a:avLst/>
-            </a:prstGeom>
-            <a:gradFill flip="none" rotWithShape="1">
-              <a:gsLst>
-                <a:gs pos="0">
-                  <a:schemeClr val="bg2">
-                    <a:lumMod val="40000"/>
-                    <a:lumOff val="60000"/>
-                    <a:alpha val="14000"/>
-                  </a:schemeClr>
-                </a:gs>
-                <a:gs pos="73000">
-                  <a:schemeClr val="bg2">
-                    <a:lumMod val="40000"/>
-                    <a:lumOff val="60000"/>
-                    <a:alpha val="0"/>
-                  </a:schemeClr>
-                </a:gs>
-                <a:gs pos="36000">
-                  <a:schemeClr val="bg2">
-                    <a:lumMod val="40000"/>
-                    <a:lumOff val="60000"/>
-                    <a:alpha val="7000"/>
-                  </a:schemeClr>
-                </a:gs>
-              </a:gsLst>
-              <a:path path="circle">
-                <a:fillToRect l="50000" t="50000" r="50000" b="50000"/>
-              </a:path>
-              <a:tileRect/>
-            </a:gradFill>
-            <a:ln>
-              <a:noFill/>
-            </a:ln>
-            <a:effectLst/>
-          </p:spPr>
-          <p:style>
-            <a:lnRef idx="1">
-              <a:schemeClr val="accent1"/>
-            </a:lnRef>
-            <a:fillRef idx="3">
-              <a:schemeClr val="accent1"/>
-            </a:fillRef>
-            <a:effectRef idx="2">
-              <a:schemeClr val="accent1"/>
-            </a:effectRef>
-            <a:fontRef idx="minor">
-              <a:schemeClr val="lt1"/>
-            </a:fontRef>
-          </p:style>
-        </p:sp>
-        <p:sp>
-          <p:nvSpPr>
-            <p:cNvPr id="19" name="Oval 18"/>
-            <p:cNvSpPr/>
-            <p:nvPr/>
-          </p:nvSpPr>
-          <p:spPr>
-            <a:xfrm>
-              <a:off x="8609012" y="5874054"/>
-              <a:ext cx="990600" cy="990600"/>
-            </a:xfrm>
-            <a:prstGeom prst="ellipse">
-              <a:avLst/>
-            </a:prstGeom>
-            <a:gradFill flip="none" rotWithShape="1">
-              <a:gsLst>
-                <a:gs pos="0">
-                  <a:schemeClr val="bg2">
-                    <a:lumMod val="40000"/>
-                    <a:lumOff val="60000"/>
-                    <a:alpha val="14000"/>
-                  </a:schemeClr>
-                </a:gs>
-                <a:gs pos="66000">
-                  <a:schemeClr val="bg2">
-                    <a:lumMod val="40000"/>
-                    <a:lumOff val="60000"/>
-                    <a:alpha val="0"/>
-                  </a:schemeClr>
-                </a:gs>
-                <a:gs pos="36000">
-                  <a:schemeClr val="bg2">
-                    <a:lumMod val="40000"/>
-                    <a:lumOff val="60000"/>
-                    <a:alpha val="7000"/>
-                  </a:schemeClr>
-                </a:gs>
-              </a:gsLst>
-              <a:path path="circle">
-                <a:fillToRect l="50000" t="50000" r="50000" b="50000"/>
-              </a:path>
-              <a:tileRect/>
-            </a:gradFill>
-            <a:ln>
-              <a:noFill/>
-            </a:ln>
-            <a:effectLst/>
-          </p:spPr>
-          <p:style>
-            <a:lnRef idx="1">
-              <a:schemeClr val="accent1"/>
-            </a:lnRef>
-            <a:fillRef idx="3">
-              <a:schemeClr val="accent1"/>
-            </a:fillRef>
-            <a:effectRef idx="2">
-              <a:schemeClr val="accent1"/>
-            </a:effectRef>
-            <a:fontRef idx="minor">
-              <a:schemeClr val="lt1"/>
-            </a:fontRef>
-          </p:style>
-        </p:sp>
-        <p:sp>
-          <p:nvSpPr>
-            <p:cNvPr id="7" name="Rectangle 6"/>
-            <p:cNvSpPr/>
-            <p:nvPr/>
-          </p:nvSpPr>
-          <p:spPr>
+          <p:spPr bwMode="gray">
             <a:xfrm>
               <a:off x="7289800" y="402165"/>
               <a:ext cx="4478865" cy="6053670"/>
@@ -8450,7 +7565,7 @@
         </p:sp>
         <p:sp>
           <p:nvSpPr>
-            <p:cNvPr id="9" name="Freeform 5"/>
+            <p:cNvPr id="8" name="Freeform 5"/>
             <p:cNvSpPr/>
             <p:nvPr/>
           </p:nvSpPr>
@@ -8597,7 +7712,7 @@
         </p:sp>
         <p:sp>
           <p:nvSpPr>
-            <p:cNvPr id="8" name="Freeform 5"/>
+            <p:cNvPr id="7" name="Freeform 5"/>
             <p:cNvSpPr/>
             <p:nvPr/>
           </p:nvSpPr>
@@ -8781,7 +7896,7 @@
         </p:sp>
         <p:sp>
           <p:nvSpPr>
-            <p:cNvPr id="12" name="Freeform 5"/>
+            <p:cNvPr id="13" name="Freeform 5"/>
             <p:cNvSpPr>
               <a:spLocks noEditPoints="1"/>
             </p:cNvSpPr>
@@ -8856,12 +7971,15 @@
         </p:nvSpPr>
         <p:spPr>
           <a:xfrm>
-            <a:off x="1154956" y="2677645"/>
-            <a:ext cx="4351023" cy="2283824"/>
+            <a:off x="1154956" y="2679192"/>
+            <a:ext cx="4343400" cy="2286000"/>
           </a:xfrm>
+          <a:prstGeom prst="rect">
+            <a:avLst/>
+          </a:prstGeom>
         </p:spPr>
         <p:txBody>
-          <a:bodyPr anchor="ctr"/>
+          <a:bodyPr anchor="ctr" anchorCtr="0"/>
           <a:lstStyle>
             <a:lvl1pPr algn="l">
               <a:defRPr sz="4000" b="0" cap="none"/>
@@ -8888,12 +8006,12 @@
         </p:nvSpPr>
         <p:spPr>
           <a:xfrm>
-            <a:off x="6895558" y="2677644"/>
-            <a:ext cx="3755379" cy="2283823"/>
+            <a:off x="6894576" y="2679192"/>
+            <a:ext cx="3758184" cy="2286000"/>
           </a:xfrm>
         </p:spPr>
         <p:txBody>
-          <a:bodyPr anchor="ctr"/>
+          <a:bodyPr anchor="ctr" anchorCtr="0"/>
           <a:lstStyle>
             <a:lvl1pPr marL="0" indent="0" algn="l">
               <a:buNone/>
@@ -9009,7 +8127,7 @@
           <a:lstStyle/>
           <a:p>
             <a:fld id="{8AAA073D-A903-47F8-8D16-77642FB0DF1F}" type="datetimeFigureOut">
-              <a:rPr lang="en-US" dirty="0"/>
+              <a:rPr lang="en-US" smtClean="0"/>
               <a:t>7/25/2024</a:t>
             </a:fld>
             <a:endParaRPr lang="en-US" dirty="0"/>
@@ -9029,7 +8147,11 @@
         <p:spPr/>
         <p:txBody>
           <a:bodyPr/>
-          <a:lstStyle/>
+          <a:lstStyle>
+            <a:lvl1pPr>
+              <a:defRPr sz="1000" b="1"/>
+            </a:lvl1pPr>
+          </a:lstStyle>
           <a:p>
             <a:endParaRPr lang="en-US" dirty="0"/>
           </a:p>
@@ -9037,7 +8159,7 @@
       </p:sp>
       <p:sp>
         <p:nvSpPr>
-          <p:cNvPr id="15" name="Rectangle 14"/>
+          <p:cNvPr id="10" name="Rectangle 9"/>
           <p:cNvSpPr/>
           <p:nvPr/>
         </p:nvSpPr>
@@ -9087,7 +8209,7 @@
           <a:lstStyle/>
           <a:p>
             <a:fld id="{D57F1E4F-1CFF-5643-939E-217C01CDF565}" type="slidenum">
-              <a:rPr lang="en-US" dirty="0"/>
+              <a:rPr lang="en-US" smtClean="0"/>
               <a:pPr/>
               <a:t>‹#›</a:t>
             </a:fld>
@@ -9096,6 +8218,11 @@
         </p:txBody>
       </p:sp>
     </p:spTree>
+    <p:extLst>
+      <p:ext uri="{BB962C8B-B14F-4D97-AF65-F5344CB8AC3E}">
+        <p14:creationId xmlns:p14="http://schemas.microsoft.com/office/powerpoint/2010/main" val="720480114"/>
+      </p:ext>
+    </p:extLst>
   </p:cSld>
   <p:clrMapOvr>
     <a:masterClrMapping/>
@@ -9130,7 +8257,15 @@
             <p:ph type="title"/>
           </p:nvPr>
         </p:nvSpPr>
-        <p:spPr/>
+        <p:spPr>
+          <a:xfrm>
+            <a:off x="1154953" y="969264"/>
+            <a:ext cx="8825659" cy="704088"/>
+          </a:xfrm>
+          <a:prstGeom prst="rect">
+            <a:avLst/>
+          </a:prstGeom>
+        </p:spPr>
         <p:txBody>
           <a:bodyPr/>
           <a:lstStyle/>
@@ -9156,7 +8291,7 @@
         <p:spPr>
           <a:xfrm>
             <a:off x="1154954" y="2603500"/>
-            <a:ext cx="4825158" cy="3416301"/>
+            <a:ext cx="4828032" cy="3416301"/>
           </a:xfrm>
         </p:spPr>
         <p:txBody>
@@ -9214,8 +8349,8 @@
         </p:nvSpPr>
         <p:spPr>
           <a:xfrm>
-            <a:off x="6208712" y="2603500"/>
-            <a:ext cx="4825159" cy="3416300"/>
+            <a:off x="6208776" y="2603500"/>
+            <a:ext cx="4828032" cy="3416300"/>
           </a:xfrm>
         </p:spPr>
         <p:txBody>
@@ -9277,7 +8412,7 @@
           <a:lstStyle/>
           <a:p>
             <a:fld id="{AB91FA40-626B-4CA1-85D0-7A9016E395BA}" type="datetimeFigureOut">
-              <a:rPr lang="en-US" dirty="0"/>
+              <a:rPr lang="en-US" smtClean="0"/>
               <a:t>7/25/2024</a:t>
             </a:fld>
             <a:endParaRPr lang="en-US" dirty="0"/>
@@ -9319,7 +8454,7 @@
           <a:lstStyle/>
           <a:p>
             <a:fld id="{D57F1E4F-1CFF-5643-939E-217C01CDF565}" type="slidenum">
-              <a:rPr lang="en-US" dirty="0"/>
+              <a:rPr lang="en-US" smtClean="0"/>
               <a:pPr/>
               <a:t>‹#›</a:t>
             </a:fld>
@@ -9328,6 +8463,11 @@
         </p:txBody>
       </p:sp>
     </p:spTree>
+    <p:extLst>
+      <p:ext uri="{BB962C8B-B14F-4D97-AF65-F5344CB8AC3E}">
+        <p14:creationId xmlns:p14="http://schemas.microsoft.com/office/powerpoint/2010/main" val="2032366827"/>
+      </p:ext>
+    </p:extLst>
   </p:cSld>
   <p:clrMapOvr>
     <a:masterClrMapping/>
@@ -9362,7 +8502,15 @@
             <p:ph type="title"/>
           </p:nvPr>
         </p:nvSpPr>
-        <p:spPr/>
+        <p:spPr>
+          <a:xfrm>
+            <a:off x="1154954" y="969264"/>
+            <a:ext cx="8825659" cy="704088"/>
+          </a:xfrm>
+          <a:prstGeom prst="rect">
+            <a:avLst/>
+          </a:prstGeom>
+        </p:spPr>
         <p:txBody>
           <a:bodyPr/>
           <a:lstStyle>
@@ -9391,8 +8539,8 @@
         </p:nvSpPr>
         <p:spPr>
           <a:xfrm>
-            <a:off x="1154954" y="2603500"/>
-            <a:ext cx="4825157" cy="576262"/>
+            <a:off x="1154954" y="2606040"/>
+            <a:ext cx="4828032" cy="576262"/>
           </a:xfrm>
         </p:spPr>
         <p:txBody>
@@ -9462,8 +8610,8 @@
         </p:nvSpPr>
         <p:spPr>
           <a:xfrm>
-            <a:off x="1154954" y="3179762"/>
-            <a:ext cx="4825158" cy="2840039"/>
+            <a:off x="1154954" y="3198448"/>
+            <a:ext cx="4828032" cy="2843784"/>
           </a:xfrm>
         </p:spPr>
         <p:txBody>
@@ -9521,8 +8669,8 @@
         </p:nvSpPr>
         <p:spPr>
           <a:xfrm>
-            <a:off x="6208712" y="2603500"/>
-            <a:ext cx="4825159" cy="576262"/>
+            <a:off x="6208776" y="2606040"/>
+            <a:ext cx="4828032" cy="576262"/>
           </a:xfrm>
         </p:spPr>
         <p:txBody>
@@ -9592,8 +8740,8 @@
         </p:nvSpPr>
         <p:spPr>
           <a:xfrm>
-            <a:off x="6208710" y="3179762"/>
-            <a:ext cx="4825159" cy="2840039"/>
+            <a:off x="6208711" y="3187921"/>
+            <a:ext cx="4825160" cy="2854311"/>
           </a:xfrm>
         </p:spPr>
         <p:txBody>
@@ -9655,7 +8803,7 @@
           <a:lstStyle/>
           <a:p>
             <a:fld id="{C3F425EA-B9DC-48A7-991E-9A82573B1B21}" type="datetimeFigureOut">
-              <a:rPr lang="en-US" dirty="0"/>
+              <a:rPr lang="en-US" smtClean="0"/>
               <a:t>7/25/2024</a:t>
             </a:fld>
             <a:endParaRPr lang="en-US" dirty="0"/>
@@ -9697,7 +8845,7 @@
           <a:lstStyle/>
           <a:p>
             <a:fld id="{D57F1E4F-1CFF-5643-939E-217C01CDF565}" type="slidenum">
-              <a:rPr lang="en-US" dirty="0"/>
+              <a:rPr lang="en-US" smtClean="0"/>
               <a:pPr/>
               <a:t>‹#›</a:t>
             </a:fld>
@@ -9706,6 +8854,11 @@
         </p:txBody>
       </p:sp>
     </p:spTree>
+    <p:extLst>
+      <p:ext uri="{BB962C8B-B14F-4D97-AF65-F5344CB8AC3E}">
+        <p14:creationId xmlns:p14="http://schemas.microsoft.com/office/powerpoint/2010/main" val="438229814"/>
+      </p:ext>
+    </p:extLst>
   </p:cSld>
   <p:clrMapOvr>
     <a:masterClrMapping/>
@@ -9740,7 +8893,15 @@
             <p:ph type="title"/>
           </p:nvPr>
         </p:nvSpPr>
-        <p:spPr/>
+        <p:spPr>
+          <a:xfrm>
+            <a:off x="1152144" y="969264"/>
+            <a:ext cx="8825659" cy="704088"/>
+          </a:xfrm>
+          <a:prstGeom prst="rect">
+            <a:avLst/>
+          </a:prstGeom>
+        </p:spPr>
         <p:txBody>
           <a:bodyPr/>
           <a:lstStyle/>
@@ -9769,7 +8930,7 @@
           <a:lstStyle/>
           <a:p>
             <a:fld id="{66CB97F8-6CEB-469B-AFCC-889F2A2B1D5A}" type="datetimeFigureOut">
-              <a:rPr lang="en-US" dirty="0"/>
+              <a:rPr lang="en-US" smtClean="0"/>
               <a:t>7/25/2024</a:t>
             </a:fld>
             <a:endParaRPr lang="en-US" dirty="0"/>
@@ -9811,7 +8972,7 @@
           <a:lstStyle/>
           <a:p>
             <a:fld id="{D57F1E4F-1CFF-5643-939E-217C01CDF565}" type="slidenum">
-              <a:rPr lang="en-US" dirty="0"/>
+              <a:rPr lang="en-US" smtClean="0"/>
               <a:pPr/>
               <a:t>‹#›</a:t>
             </a:fld>
@@ -9820,6 +8981,11 @@
         </p:txBody>
       </p:sp>
     </p:spTree>
+    <p:extLst>
+      <p:ext uri="{BB962C8B-B14F-4D97-AF65-F5344CB8AC3E}">
+        <p14:creationId xmlns:p14="http://schemas.microsoft.com/office/powerpoint/2010/main" val="3677978772"/>
+      </p:ext>
+    </p:extLst>
   </p:cSld>
   <p:clrMapOvr>
     <a:masterClrMapping/>
@@ -9860,7 +9026,7 @@
           <a:lstStyle/>
           <a:p>
             <a:fld id="{8FA9179F-009E-4FA5-B091-7EBB82A185BD}" type="datetimeFigureOut">
-              <a:rPr lang="en-US" dirty="0"/>
+              <a:rPr lang="en-US" smtClean="0"/>
               <a:t>7/25/2024</a:t>
             </a:fld>
             <a:endParaRPr lang="en-US" dirty="0"/>
@@ -9888,7 +9054,7 @@
       </p:sp>
       <p:sp>
         <p:nvSpPr>
-          <p:cNvPr id="7" name="Rectangle 6"/>
+          <p:cNvPr id="6" name="Rectangle 5"/>
           <p:cNvSpPr/>
           <p:nvPr/>
         </p:nvSpPr>
@@ -9938,7 +9104,7 @@
           <a:lstStyle/>
           <a:p>
             <a:fld id="{D57F1E4F-1CFF-5643-939E-217C01CDF565}" type="slidenum">
-              <a:rPr lang="en-US" dirty="0"/>
+              <a:rPr lang="en-US" smtClean="0"/>
               <a:pPr/>
               <a:t>‹#›</a:t>
             </a:fld>
@@ -9947,6 +9113,11 @@
         </p:txBody>
       </p:sp>
     </p:spTree>
+    <p:extLst>
+      <p:ext uri="{BB962C8B-B14F-4D97-AF65-F5344CB8AC3E}">
+        <p14:creationId xmlns:p14="http://schemas.microsoft.com/office/powerpoint/2010/main" val="2900322161"/>
+      </p:ext>
+    </p:extLst>
   </p:cSld>
   <p:clrMapOvr>
     <a:masterClrMapping/>
@@ -9973,16 +9144,16 @@
       </p:grpSpPr>
       <p:grpSp>
         <p:nvGrpSpPr>
-          <p:cNvPr id="14" name="Group 13"/>
+          <p:cNvPr id="18" name="Group 17"/>
           <p:cNvGrpSpPr/>
           <p:nvPr/>
         </p:nvGrpSpPr>
         <p:grpSpPr>
           <a:xfrm>
-            <a:off x="0" y="-2373"/>
-            <a:ext cx="12192000" cy="6867027"/>
-            <a:chOff x="0" y="-2373"/>
-            <a:chExt cx="12192000" cy="6867027"/>
+            <a:off x="-1588" y="0"/>
+            <a:ext cx="12193588" cy="6861555"/>
+            <a:chOff x="-1588" y="0"/>
+            <a:chExt cx="12193588" cy="6861555"/>
           </a:xfrm>
         </p:grpSpPr>
         <p:sp>
@@ -10003,16 +9174,16 @@
               <a:blip r:embed="rId2">
                 <a:duotone>
                   <a:schemeClr val="dk2">
-                    <a:shade val="62000"/>
+                    <a:shade val="69000"/>
                     <a:hueMod val="108000"/>
                     <a:satMod val="164000"/>
-                    <a:lumMod val="69000"/>
+                    <a:lumMod val="74000"/>
                   </a:schemeClr>
                   <a:schemeClr val="dk2">
                     <a:tint val="96000"/>
-                    <a:hueMod val="90000"/>
-                    <a:satMod val="130000"/>
-                    <a:lumMod val="134000"/>
+                    <a:hueMod val="88000"/>
+                    <a:satMod val="140000"/>
+                    <a:lumMod val="132000"/>
                   </a:schemeClr>
                 </a:duotone>
               </a:blip>
@@ -10043,14 +9214,14 @@
         </p:sp>
         <p:sp>
           <p:nvSpPr>
-            <p:cNvPr id="16" name="Oval 15"/>
+            <p:cNvPr id="15" name="Oval 14"/>
             <p:cNvSpPr/>
             <p:nvPr/>
           </p:nvSpPr>
           <p:spPr>
             <a:xfrm>
-              <a:off x="3220" y="2667000"/>
-              <a:ext cx="4191000" cy="4191000"/>
+              <a:off x="8761412" y="1828800"/>
+              <a:ext cx="2819400" cy="2819400"/>
             </a:xfrm>
             <a:prstGeom prst="ellipse">
               <a:avLst/>
@@ -10058,24 +9229,75 @@
             <a:gradFill flip="none" rotWithShape="1">
               <a:gsLst>
                 <a:gs pos="0">
-                  <a:schemeClr val="bg2">
-                    <a:lumMod val="40000"/>
-                    <a:lumOff val="60000"/>
-                    <a:alpha val="11000"/>
+                  <a:schemeClr val="accent5">
+                    <a:alpha val="7000"/>
                   </a:schemeClr>
                 </a:gs>
-                <a:gs pos="75000">
-                  <a:schemeClr val="bg2">
-                    <a:lumMod val="40000"/>
-                    <a:lumOff val="60000"/>
+                <a:gs pos="69000">
+                  <a:schemeClr val="accent5">
                     <a:alpha val="0"/>
                   </a:schemeClr>
                 </a:gs>
                 <a:gs pos="36000">
-                  <a:schemeClr val="bg2">
-                    <a:lumMod val="40000"/>
-                    <a:lumOff val="60000"/>
-                    <a:alpha val="10000"/>
+                  <a:schemeClr val="accent5">
+                    <a:alpha val="6000"/>
+                  </a:schemeClr>
+                </a:gs>
+              </a:gsLst>
+              <a:path path="circle">
+                <a:fillToRect l="50000" t="50000" r="50000" b="50000"/>
+              </a:path>
+              <a:tileRect/>
+            </a:gradFill>
+            <a:ln>
+              <a:noFill/>
+            </a:ln>
+            <a:effectLst/>
+          </p:spPr>
+          <p:style>
+            <a:lnRef idx="1">
+              <a:schemeClr val="accent1"/>
+            </a:lnRef>
+            <a:fillRef idx="3">
+              <a:schemeClr val="accent1"/>
+            </a:fillRef>
+            <a:effectRef idx="2">
+              <a:schemeClr val="accent1"/>
+            </a:effectRef>
+            <a:fontRef idx="minor">
+              <a:schemeClr val="lt1"/>
+            </a:fontRef>
+          </p:style>
+        </p:sp>
+        <p:sp>
+          <p:nvSpPr>
+            <p:cNvPr id="16" name="Oval 15"/>
+            <p:cNvSpPr/>
+            <p:nvPr/>
+          </p:nvSpPr>
+          <p:spPr>
+            <a:xfrm>
+              <a:off x="8761412" y="5870955"/>
+              <a:ext cx="990600" cy="990600"/>
+            </a:xfrm>
+            <a:prstGeom prst="ellipse">
+              <a:avLst/>
+            </a:prstGeom>
+            <a:gradFill flip="none" rotWithShape="1">
+              <a:gsLst>
+                <a:gs pos="0">
+                  <a:schemeClr val="accent5">
+                    <a:alpha val="14000"/>
+                  </a:schemeClr>
+                </a:gs>
+                <a:gs pos="66000">
+                  <a:schemeClr val="accent5">
+                    <a:alpha val="0"/>
+                  </a:schemeClr>
+                </a:gs>
+                <a:gs pos="36000">
+                  <a:schemeClr val="accent5">
+                    <a:alpha val="7000"/>
                   </a:schemeClr>
                 </a:gs>
               </a:gsLst>
@@ -10112,8 +9334,8 @@
           </p:nvSpPr>
           <p:spPr>
             <a:xfrm>
-              <a:off x="1750" y="2895600"/>
-              <a:ext cx="2362200" cy="2362200"/>
+              <a:off x="-1588" y="2667000"/>
+              <a:ext cx="4191000" cy="4191000"/>
             </a:xfrm>
             <a:prstGeom prst="ellipse">
               <a:avLst/>
@@ -10121,213 +9343,18 @@
             <a:gradFill flip="none" rotWithShape="1">
               <a:gsLst>
                 <a:gs pos="0">
-                  <a:schemeClr val="bg2">
-                    <a:lumMod val="40000"/>
-                    <a:lumOff val="60000"/>
-                    <a:alpha val="8000"/>
+                  <a:schemeClr val="accent5">
+                    <a:alpha val="11000"/>
                   </a:schemeClr>
                 </a:gs>
-                <a:gs pos="72000">
-                  <a:schemeClr val="bg2">
-                    <a:lumMod val="40000"/>
-                    <a:lumOff val="60000"/>
+                <a:gs pos="75000">
+                  <a:schemeClr val="accent5">
                     <a:alpha val="0"/>
                   </a:schemeClr>
                 </a:gs>
                 <a:gs pos="36000">
-                  <a:schemeClr val="bg2">
-                    <a:lumMod val="40000"/>
-                    <a:lumOff val="60000"/>
-                    <a:alpha val="8000"/>
-                  </a:schemeClr>
-                </a:gs>
-              </a:gsLst>
-              <a:path path="circle">
-                <a:fillToRect l="50000" t="50000" r="50000" b="50000"/>
-              </a:path>
-              <a:tileRect/>
-            </a:gradFill>
-            <a:ln>
-              <a:noFill/>
-            </a:ln>
-            <a:effectLst/>
-          </p:spPr>
-          <p:style>
-            <a:lnRef idx="1">
-              <a:schemeClr val="accent1"/>
-            </a:lnRef>
-            <a:fillRef idx="3">
-              <a:schemeClr val="accent1"/>
-            </a:fillRef>
-            <a:effectRef idx="2">
-              <a:schemeClr val="accent1"/>
-            </a:effectRef>
-            <a:fontRef idx="minor">
-              <a:schemeClr val="lt1"/>
-            </a:fontRef>
-          </p:style>
-        </p:sp>
-        <p:sp>
-          <p:nvSpPr>
-            <p:cNvPr id="18" name="Oval 17"/>
-            <p:cNvSpPr/>
-            <p:nvPr/>
-          </p:nvSpPr>
-          <p:spPr>
-            <a:xfrm>
-              <a:off x="8609012" y="1676400"/>
-              <a:ext cx="2819400" cy="2819400"/>
-            </a:xfrm>
-            <a:prstGeom prst="ellipse">
-              <a:avLst/>
-            </a:prstGeom>
-            <a:gradFill flip="none" rotWithShape="1">
-              <a:gsLst>
-                <a:gs pos="0">
-                  <a:schemeClr val="bg2">
-                    <a:lumMod val="40000"/>
-                    <a:lumOff val="60000"/>
-                    <a:alpha val="7000"/>
-                  </a:schemeClr>
-                </a:gs>
-                <a:gs pos="69000">
-                  <a:schemeClr val="bg2">
-                    <a:lumMod val="40000"/>
-                    <a:lumOff val="60000"/>
-                    <a:alpha val="0"/>
-                  </a:schemeClr>
-                </a:gs>
-                <a:gs pos="36000">
-                  <a:schemeClr val="bg2">
-                    <a:lumMod val="40000"/>
-                    <a:lumOff val="60000"/>
-                    <a:alpha val="6000"/>
-                  </a:schemeClr>
-                </a:gs>
-              </a:gsLst>
-              <a:path path="circle">
-                <a:fillToRect l="50000" t="50000" r="50000" b="50000"/>
-              </a:path>
-              <a:tileRect/>
-            </a:gradFill>
-            <a:ln>
-              <a:noFill/>
-            </a:ln>
-            <a:effectLst/>
-          </p:spPr>
-          <p:style>
-            <a:lnRef idx="1">
-              <a:schemeClr val="accent1"/>
-            </a:lnRef>
-            <a:fillRef idx="3">
-              <a:schemeClr val="accent1"/>
-            </a:fillRef>
-            <a:effectRef idx="2">
-              <a:schemeClr val="accent1"/>
-            </a:effectRef>
-            <a:fontRef idx="minor">
-              <a:schemeClr val="lt1"/>
-            </a:fontRef>
-          </p:style>
-        </p:sp>
-        <p:sp>
-          <p:nvSpPr>
-            <p:cNvPr id="19" name="Oval 18"/>
-            <p:cNvSpPr/>
-            <p:nvPr/>
-          </p:nvSpPr>
-          <p:spPr>
-            <a:xfrm>
-              <a:off x="7999412" y="-2373"/>
-              <a:ext cx="1600200" cy="1600200"/>
-            </a:xfrm>
-            <a:prstGeom prst="ellipse">
-              <a:avLst/>
-            </a:prstGeom>
-            <a:gradFill flip="none" rotWithShape="1">
-              <a:gsLst>
-                <a:gs pos="0">
-                  <a:schemeClr val="bg2">
-                    <a:lumMod val="40000"/>
-                    <a:lumOff val="60000"/>
-                    <a:alpha val="14000"/>
-                  </a:schemeClr>
-                </a:gs>
-                <a:gs pos="73000">
-                  <a:schemeClr val="bg2">
-                    <a:lumMod val="40000"/>
-                    <a:lumOff val="60000"/>
-                    <a:alpha val="0"/>
-                  </a:schemeClr>
-                </a:gs>
-                <a:gs pos="36000">
-                  <a:schemeClr val="bg2">
-                    <a:lumMod val="40000"/>
-                    <a:lumOff val="60000"/>
-                    <a:alpha val="7000"/>
-                  </a:schemeClr>
-                </a:gs>
-              </a:gsLst>
-              <a:path path="circle">
-                <a:fillToRect l="50000" t="50000" r="50000" b="50000"/>
-              </a:path>
-              <a:tileRect/>
-            </a:gradFill>
-            <a:ln>
-              <a:noFill/>
-            </a:ln>
-            <a:effectLst/>
-          </p:spPr>
-          <p:style>
-            <a:lnRef idx="1">
-              <a:schemeClr val="accent1"/>
-            </a:lnRef>
-            <a:fillRef idx="3">
-              <a:schemeClr val="accent1"/>
-            </a:fillRef>
-            <a:effectRef idx="2">
-              <a:schemeClr val="accent1"/>
-            </a:effectRef>
-            <a:fontRef idx="minor">
-              <a:schemeClr val="lt1"/>
-            </a:fontRef>
-          </p:style>
-        </p:sp>
-        <p:sp>
-          <p:nvSpPr>
-            <p:cNvPr id="20" name="Oval 19"/>
-            <p:cNvSpPr/>
-            <p:nvPr/>
-          </p:nvSpPr>
-          <p:spPr>
-            <a:xfrm>
-              <a:off x="8609012" y="5874054"/>
-              <a:ext cx="990600" cy="990600"/>
-            </a:xfrm>
-            <a:prstGeom prst="ellipse">
-              <a:avLst/>
-            </a:prstGeom>
-            <a:gradFill flip="none" rotWithShape="1">
-              <a:gsLst>
-                <a:gs pos="0">
-                  <a:schemeClr val="bg2">
-                    <a:lumMod val="40000"/>
-                    <a:lumOff val="60000"/>
-                    <a:alpha val="14000"/>
-                  </a:schemeClr>
-                </a:gs>
-                <a:gs pos="66000">
-                  <a:schemeClr val="bg2">
-                    <a:lumMod val="40000"/>
-                    <a:lumOff val="60000"/>
-                    <a:alpha val="0"/>
-                  </a:schemeClr>
-                </a:gs>
-                <a:gs pos="36000">
-                  <a:schemeClr val="bg2">
-                    <a:lumMod val="40000"/>
-                    <a:lumOff val="60000"/>
-                    <a:alpha val="7000"/>
+                  <a:schemeClr val="accent5">
+                    <a:alpha val="10000"/>
                   </a:schemeClr>
                 </a:gs>
               </a:gsLst>
@@ -10395,6 +9422,190 @@
         </p:sp>
         <p:sp>
           <p:nvSpPr>
+            <p:cNvPr id="9" name="Freeform 5"/>
+            <p:cNvSpPr/>
+            <p:nvPr/>
+          </p:nvSpPr>
+          <p:spPr bwMode="gray">
+            <a:xfrm rot="16200000">
+              <a:off x="2229377" y="2801721"/>
+              <a:ext cx="6053670" cy="1254558"/>
+            </a:xfrm>
+            <a:custGeom>
+              <a:avLst/>
+              <a:gdLst/>
+              <a:ahLst/>
+              <a:cxnLst/>
+              <a:rect l="l" t="t" r="r" b="b"/>
+              <a:pathLst>
+                <a:path w="10000" h="8000">
+                  <a:moveTo>
+                    <a:pt x="0" y="0"/>
+                  </a:moveTo>
+                  <a:lnTo>
+                    <a:pt x="0" y="7970"/>
+                  </a:lnTo>
+                  <a:lnTo>
+                    <a:pt x="10000" y="8000"/>
+                  </a:lnTo>
+                  <a:lnTo>
+                    <a:pt x="10000" y="7"/>
+                  </a:lnTo>
+                  <a:lnTo>
+                    <a:pt x="10000" y="7"/>
+                  </a:lnTo>
+                  <a:lnTo>
+                    <a:pt x="9773" y="156"/>
+                  </a:lnTo>
+                  <a:lnTo>
+                    <a:pt x="9547" y="298"/>
+                  </a:lnTo>
+                  <a:lnTo>
+                    <a:pt x="9320" y="437"/>
+                  </a:lnTo>
+                  <a:lnTo>
+                    <a:pt x="9092" y="556"/>
+                  </a:lnTo>
+                  <a:lnTo>
+                    <a:pt x="8865" y="676"/>
+                  </a:lnTo>
+                  <a:lnTo>
+                    <a:pt x="8637" y="788"/>
+                  </a:lnTo>
+                  <a:lnTo>
+                    <a:pt x="8412" y="884"/>
+                  </a:lnTo>
+                  <a:lnTo>
+                    <a:pt x="8184" y="975"/>
+                  </a:lnTo>
+                  <a:lnTo>
+                    <a:pt x="7957" y="1058"/>
+                  </a:lnTo>
+                  <a:lnTo>
+                    <a:pt x="7734" y="1130"/>
+                  </a:lnTo>
+                  <a:lnTo>
+                    <a:pt x="7508" y="1202"/>
+                  </a:lnTo>
+                  <a:lnTo>
+                    <a:pt x="7285" y="1262"/>
+                  </a:lnTo>
+                  <a:lnTo>
+                    <a:pt x="7062" y="1309"/>
+                  </a:lnTo>
+                  <a:lnTo>
+                    <a:pt x="6840" y="1358"/>
+                  </a:lnTo>
+                  <a:lnTo>
+                    <a:pt x="6620" y="1399"/>
+                  </a:lnTo>
+                  <a:lnTo>
+                    <a:pt x="6402" y="1428"/>
+                  </a:lnTo>
+                  <a:lnTo>
+                    <a:pt x="6184" y="1453"/>
+                  </a:lnTo>
+                  <a:lnTo>
+                    <a:pt x="5968" y="1477"/>
+                  </a:lnTo>
+                  <a:lnTo>
+                    <a:pt x="5755" y="1488"/>
+                  </a:lnTo>
+                  <a:lnTo>
+                    <a:pt x="5542" y="1500"/>
+                  </a:lnTo>
+                  <a:lnTo>
+                    <a:pt x="5332" y="1506"/>
+                  </a:lnTo>
+                  <a:lnTo>
+                    <a:pt x="5124" y="1500"/>
+                  </a:lnTo>
+                  <a:lnTo>
+                    <a:pt x="4918" y="1500"/>
+                  </a:lnTo>
+                  <a:lnTo>
+                    <a:pt x="4714" y="1488"/>
+                  </a:lnTo>
+                  <a:lnTo>
+                    <a:pt x="4514" y="1470"/>
+                  </a:lnTo>
+                  <a:lnTo>
+                    <a:pt x="4316" y="1453"/>
+                  </a:lnTo>
+                  <a:lnTo>
+                    <a:pt x="4122" y="1434"/>
+                  </a:lnTo>
+                  <a:lnTo>
+                    <a:pt x="3929" y="1405"/>
+                  </a:lnTo>
+                  <a:lnTo>
+                    <a:pt x="3739" y="1374"/>
+                  </a:lnTo>
+                  <a:lnTo>
+                    <a:pt x="3553" y="1346"/>
+                  </a:lnTo>
+                  <a:lnTo>
+                    <a:pt x="3190" y="1267"/>
+                  </a:lnTo>
+                  <a:lnTo>
+                    <a:pt x="2842" y="1183"/>
+                  </a:lnTo>
+                  <a:lnTo>
+                    <a:pt x="2508" y="1095"/>
+                  </a:lnTo>
+                  <a:lnTo>
+                    <a:pt x="2192" y="998"/>
+                  </a:lnTo>
+                  <a:lnTo>
+                    <a:pt x="1890" y="897"/>
+                  </a:lnTo>
+                  <a:lnTo>
+                    <a:pt x="1610" y="788"/>
+                  </a:lnTo>
+                  <a:lnTo>
+                    <a:pt x="1347" y="681"/>
+                  </a:lnTo>
+                  <a:lnTo>
+                    <a:pt x="1105" y="574"/>
+                  </a:lnTo>
+                  <a:lnTo>
+                    <a:pt x="883" y="473"/>
+                  </a:lnTo>
+                  <a:lnTo>
+                    <a:pt x="686" y="377"/>
+                  </a:lnTo>
+                  <a:lnTo>
+                    <a:pt x="508" y="286"/>
+                  </a:lnTo>
+                  <a:lnTo>
+                    <a:pt x="358" y="210"/>
+                  </a:lnTo>
+                  <a:lnTo>
+                    <a:pt x="232" y="138"/>
+                  </a:lnTo>
+                  <a:lnTo>
+                    <a:pt x="59" y="35"/>
+                  </a:lnTo>
+                  <a:lnTo>
+                    <a:pt x="0" y="0"/>
+                  </a:lnTo>
+                  <a:lnTo>
+                    <a:pt x="0" y="0"/>
+                  </a:lnTo>
+                  <a:close/>
+                </a:path>
+              </a:pathLst>
+            </a:custGeom>
+            <a:solidFill>
+              <a:schemeClr val="bg1"/>
+            </a:solidFill>
+            <a:ln>
+              <a:noFill/>
+            </a:ln>
+          </p:spPr>
+        </p:sp>
+        <p:sp>
+          <p:nvSpPr>
             <p:cNvPr id="10" name="Freeform 5"/>
             <p:cNvSpPr/>
             <p:nvPr/>
@@ -10542,191 +9753,7 @@
         </p:sp>
         <p:sp>
           <p:nvSpPr>
-            <p:cNvPr id="9" name="Freeform 5"/>
-            <p:cNvSpPr/>
-            <p:nvPr/>
-          </p:nvSpPr>
-          <p:spPr bwMode="gray">
-            <a:xfrm rot="16200000">
-              <a:off x="2229377" y="2801721"/>
-              <a:ext cx="6053670" cy="1254558"/>
-            </a:xfrm>
-            <a:custGeom>
-              <a:avLst/>
-              <a:gdLst/>
-              <a:ahLst/>
-              <a:cxnLst/>
-              <a:rect l="l" t="t" r="r" b="b"/>
-              <a:pathLst>
-                <a:path w="10000" h="8000">
-                  <a:moveTo>
-                    <a:pt x="0" y="0"/>
-                  </a:moveTo>
-                  <a:lnTo>
-                    <a:pt x="0" y="7970"/>
-                  </a:lnTo>
-                  <a:lnTo>
-                    <a:pt x="10000" y="8000"/>
-                  </a:lnTo>
-                  <a:lnTo>
-                    <a:pt x="10000" y="7"/>
-                  </a:lnTo>
-                  <a:lnTo>
-                    <a:pt x="10000" y="7"/>
-                  </a:lnTo>
-                  <a:lnTo>
-                    <a:pt x="9773" y="156"/>
-                  </a:lnTo>
-                  <a:lnTo>
-                    <a:pt x="9547" y="298"/>
-                  </a:lnTo>
-                  <a:lnTo>
-                    <a:pt x="9320" y="437"/>
-                  </a:lnTo>
-                  <a:lnTo>
-                    <a:pt x="9092" y="556"/>
-                  </a:lnTo>
-                  <a:lnTo>
-                    <a:pt x="8865" y="676"/>
-                  </a:lnTo>
-                  <a:lnTo>
-                    <a:pt x="8637" y="788"/>
-                  </a:lnTo>
-                  <a:lnTo>
-                    <a:pt x="8412" y="884"/>
-                  </a:lnTo>
-                  <a:lnTo>
-                    <a:pt x="8184" y="975"/>
-                  </a:lnTo>
-                  <a:lnTo>
-                    <a:pt x="7957" y="1058"/>
-                  </a:lnTo>
-                  <a:lnTo>
-                    <a:pt x="7734" y="1130"/>
-                  </a:lnTo>
-                  <a:lnTo>
-                    <a:pt x="7508" y="1202"/>
-                  </a:lnTo>
-                  <a:lnTo>
-                    <a:pt x="7285" y="1262"/>
-                  </a:lnTo>
-                  <a:lnTo>
-                    <a:pt x="7062" y="1309"/>
-                  </a:lnTo>
-                  <a:lnTo>
-                    <a:pt x="6840" y="1358"/>
-                  </a:lnTo>
-                  <a:lnTo>
-                    <a:pt x="6620" y="1399"/>
-                  </a:lnTo>
-                  <a:lnTo>
-                    <a:pt x="6402" y="1428"/>
-                  </a:lnTo>
-                  <a:lnTo>
-                    <a:pt x="6184" y="1453"/>
-                  </a:lnTo>
-                  <a:lnTo>
-                    <a:pt x="5968" y="1477"/>
-                  </a:lnTo>
-                  <a:lnTo>
-                    <a:pt x="5755" y="1488"/>
-                  </a:lnTo>
-                  <a:lnTo>
-                    <a:pt x="5542" y="1500"/>
-                  </a:lnTo>
-                  <a:lnTo>
-                    <a:pt x="5332" y="1506"/>
-                  </a:lnTo>
-                  <a:lnTo>
-                    <a:pt x="5124" y="1500"/>
-                  </a:lnTo>
-                  <a:lnTo>
-                    <a:pt x="4918" y="1500"/>
-                  </a:lnTo>
-                  <a:lnTo>
-                    <a:pt x="4714" y="1488"/>
-                  </a:lnTo>
-                  <a:lnTo>
-                    <a:pt x="4514" y="1470"/>
-                  </a:lnTo>
-                  <a:lnTo>
-                    <a:pt x="4316" y="1453"/>
-                  </a:lnTo>
-                  <a:lnTo>
-                    <a:pt x="4122" y="1434"/>
-                  </a:lnTo>
-                  <a:lnTo>
-                    <a:pt x="3929" y="1405"/>
-                  </a:lnTo>
-                  <a:lnTo>
-                    <a:pt x="3739" y="1374"/>
-                  </a:lnTo>
-                  <a:lnTo>
-                    <a:pt x="3553" y="1346"/>
-                  </a:lnTo>
-                  <a:lnTo>
-                    <a:pt x="3190" y="1267"/>
-                  </a:lnTo>
-                  <a:lnTo>
-                    <a:pt x="2842" y="1183"/>
-                  </a:lnTo>
-                  <a:lnTo>
-                    <a:pt x="2508" y="1095"/>
-                  </a:lnTo>
-                  <a:lnTo>
-                    <a:pt x="2192" y="998"/>
-                  </a:lnTo>
-                  <a:lnTo>
-                    <a:pt x="1890" y="897"/>
-                  </a:lnTo>
-                  <a:lnTo>
-                    <a:pt x="1610" y="788"/>
-                  </a:lnTo>
-                  <a:lnTo>
-                    <a:pt x="1347" y="681"/>
-                  </a:lnTo>
-                  <a:lnTo>
-                    <a:pt x="1105" y="574"/>
-                  </a:lnTo>
-                  <a:lnTo>
-                    <a:pt x="883" y="473"/>
-                  </a:lnTo>
-                  <a:lnTo>
-                    <a:pt x="686" y="377"/>
-                  </a:lnTo>
-                  <a:lnTo>
-                    <a:pt x="508" y="286"/>
-                  </a:lnTo>
-                  <a:lnTo>
-                    <a:pt x="358" y="210"/>
-                  </a:lnTo>
-                  <a:lnTo>
-                    <a:pt x="232" y="138"/>
-                  </a:lnTo>
-                  <a:lnTo>
-                    <a:pt x="59" y="35"/>
-                  </a:lnTo>
-                  <a:lnTo>
-                    <a:pt x="0" y="0"/>
-                  </a:lnTo>
-                  <a:lnTo>
-                    <a:pt x="0" y="0"/>
-                  </a:lnTo>
-                  <a:close/>
-                </a:path>
-              </a:pathLst>
-            </a:custGeom>
-            <a:solidFill>
-              <a:schemeClr val="bg1"/>
-            </a:solidFill>
-            <a:ln>
-              <a:noFill/>
-            </a:ln>
-          </p:spPr>
-        </p:sp>
-        <p:sp>
-          <p:nvSpPr>
-            <p:cNvPr id="13" name="Freeform 5"/>
+            <p:cNvPr id="14" name="Freeform 5"/>
             <p:cNvSpPr>
               <a:spLocks noEditPoints="1"/>
             </p:cNvSpPr>
@@ -10801,9 +9828,12 @@
         </p:nvSpPr>
         <p:spPr>
           <a:xfrm>
-            <a:off x="1154954" y="1295400"/>
-            <a:ext cx="2793159" cy="1600200"/>
+            <a:off x="1154953" y="1298448"/>
+            <a:ext cx="2793159" cy="1597152"/>
           </a:xfrm>
+          <a:prstGeom prst="rect">
+            <a:avLst/>
+          </a:prstGeom>
         </p:spPr>
         <p:txBody>
           <a:bodyPr anchor="b"/>
@@ -10833,8 +9863,8 @@
         </p:nvSpPr>
         <p:spPr>
           <a:xfrm>
-            <a:off x="5781146" y="1447800"/>
-            <a:ext cx="5190065" cy="4572000"/>
+            <a:off x="5779008" y="1447800"/>
+            <a:ext cx="5195997" cy="4572000"/>
           </a:xfrm>
         </p:spPr>
         <p:txBody>
@@ -10892,8 +9922,8 @@
         </p:nvSpPr>
         <p:spPr bwMode="gray">
           <a:xfrm>
-            <a:off x="1154955" y="2895600"/>
-            <a:ext cx="2793158" cy="3129279"/>
+            <a:off x="1154953" y="3129280"/>
+            <a:ext cx="2793159" cy="2895599"/>
           </a:xfrm>
         </p:spPr>
         <p:txBody>
@@ -10903,7 +9933,10 @@
               <a:buNone/>
               <a:defRPr sz="1400">
                 <a:solidFill>
-                  <a:schemeClr val="accent1"/>
+                  <a:schemeClr val="tx2">
+                    <a:lumMod val="40000"/>
+                    <a:lumOff val="60000"/>
+                  </a:schemeClr>
                 </a:solidFill>
               </a:defRPr>
             </a:lvl1pPr>
@@ -10965,7 +9998,7 @@
           <a:lstStyle/>
           <a:p>
             <a:fld id="{8E665CEB-0076-4E37-B880-BCEA9784DE0A}" type="datetimeFigureOut">
-              <a:rPr lang="en-US" dirty="0"/>
+              <a:rPr lang="en-US" smtClean="0"/>
               <a:t>7/25/2024</a:t>
             </a:fld>
             <a:endParaRPr lang="en-US" dirty="0"/>
@@ -10993,7 +10026,7 @@
       </p:sp>
       <p:sp>
         <p:nvSpPr>
-          <p:cNvPr id="15" name="Rectangle 14"/>
+          <p:cNvPr id="13" name="Rectangle 12"/>
           <p:cNvSpPr/>
           <p:nvPr/>
         </p:nvSpPr>
@@ -11043,7 +10076,7 @@
           <a:lstStyle/>
           <a:p>
             <a:fld id="{D57F1E4F-1CFF-5643-939E-217C01CDF565}" type="slidenum">
-              <a:rPr lang="en-US" dirty="0"/>
+              <a:rPr lang="en-US" smtClean="0"/>
               <a:pPr/>
               <a:t>‹#›</a:t>
             </a:fld>
@@ -11052,6 +10085,11 @@
         </p:txBody>
       </p:sp>
     </p:spTree>
+    <p:extLst>
+      <p:ext uri="{BB962C8B-B14F-4D97-AF65-F5344CB8AC3E}">
+        <p14:creationId xmlns:p14="http://schemas.microsoft.com/office/powerpoint/2010/main" val="1021098463"/>
+      </p:ext>
+    </p:extLst>
   </p:cSld>
   <p:clrMapOvr>
     <a:masterClrMapping/>
@@ -11078,16 +10116,16 @@
       </p:grpSpPr>
       <p:grpSp>
         <p:nvGrpSpPr>
-          <p:cNvPr id="20" name="Group 19"/>
+          <p:cNvPr id="18" name="Group 17"/>
           <p:cNvGrpSpPr/>
           <p:nvPr/>
         </p:nvGrpSpPr>
         <p:grpSpPr>
           <a:xfrm>
-            <a:off x="0" y="-2373"/>
-            <a:ext cx="12192000" cy="6867027"/>
-            <a:chOff x="0" y="-2373"/>
-            <a:chExt cx="12192000" cy="6867027"/>
+            <a:off x="-1588" y="0"/>
+            <a:ext cx="12193588" cy="6861555"/>
+            <a:chOff x="-1588" y="0"/>
+            <a:chExt cx="12193588" cy="6861555"/>
           </a:xfrm>
         </p:grpSpPr>
         <p:sp>
@@ -11108,16 +10146,16 @@
               <a:blip r:embed="rId2">
                 <a:duotone>
                   <a:schemeClr val="dk2">
-                    <a:shade val="62000"/>
+                    <a:shade val="69000"/>
                     <a:hueMod val="108000"/>
                     <a:satMod val="164000"/>
-                    <a:lumMod val="69000"/>
+                    <a:lumMod val="74000"/>
                   </a:schemeClr>
                   <a:schemeClr val="dk2">
                     <a:tint val="96000"/>
-                    <a:hueMod val="90000"/>
-                    <a:satMod val="130000"/>
-                    <a:lumMod val="134000"/>
+                    <a:hueMod val="88000"/>
+                    <a:satMod val="140000"/>
+                    <a:lumMod val="132000"/>
                   </a:schemeClr>
                 </a:duotone>
               </a:blip>
@@ -11154,8 +10192,8 @@
           </p:nvSpPr>
           <p:spPr>
             <a:xfrm>
-              <a:off x="3220" y="2667000"/>
-              <a:ext cx="4191000" cy="4191000"/>
+              <a:off x="8761412" y="1828800"/>
+              <a:ext cx="2819400" cy="2819400"/>
             </a:xfrm>
             <a:prstGeom prst="ellipse">
               <a:avLst/>
@@ -11163,24 +10201,18 @@
             <a:gradFill flip="none" rotWithShape="1">
               <a:gsLst>
                 <a:gs pos="0">
-                  <a:schemeClr val="bg2">
-                    <a:lumMod val="40000"/>
-                    <a:lumOff val="60000"/>
-                    <a:alpha val="11000"/>
+                  <a:schemeClr val="accent5">
+                    <a:alpha val="7000"/>
                   </a:schemeClr>
                 </a:gs>
-                <a:gs pos="75000">
-                  <a:schemeClr val="bg2">
-                    <a:lumMod val="40000"/>
-                    <a:lumOff val="60000"/>
+                <a:gs pos="69000">
+                  <a:schemeClr val="accent5">
                     <a:alpha val="0"/>
                   </a:schemeClr>
                 </a:gs>
                 <a:gs pos="36000">
-                  <a:schemeClr val="bg2">
-                    <a:lumMod val="40000"/>
-                    <a:lumOff val="60000"/>
-                    <a:alpha val="10000"/>
+                  <a:schemeClr val="accent5">
+                    <a:alpha val="6000"/>
                   </a:schemeClr>
                 </a:gs>
               </a:gsLst>
@@ -11217,8 +10249,8 @@
           </p:nvSpPr>
           <p:spPr>
             <a:xfrm>
-              <a:off x="1750" y="2895600"/>
-              <a:ext cx="2362200" cy="2362200"/>
+              <a:off x="8761412" y="5870955"/>
+              <a:ext cx="990600" cy="990600"/>
             </a:xfrm>
             <a:prstGeom prst="ellipse">
               <a:avLst/>
@@ -11226,24 +10258,18 @@
             <a:gradFill flip="none" rotWithShape="1">
               <a:gsLst>
                 <a:gs pos="0">
-                  <a:schemeClr val="bg2">
-                    <a:lumMod val="40000"/>
-                    <a:lumOff val="60000"/>
-                    <a:alpha val="8000"/>
+                  <a:schemeClr val="accent5">
+                    <a:alpha val="14000"/>
                   </a:schemeClr>
                 </a:gs>
-                <a:gs pos="72000">
-                  <a:schemeClr val="bg2">
-                    <a:lumMod val="40000"/>
-                    <a:lumOff val="60000"/>
+                <a:gs pos="66000">
+                  <a:schemeClr val="accent5">
                     <a:alpha val="0"/>
                   </a:schemeClr>
                 </a:gs>
                 <a:gs pos="36000">
-                  <a:schemeClr val="bg2">
-                    <a:lumMod val="40000"/>
-                    <a:lumOff val="60000"/>
-                    <a:alpha val="8000"/>
+                  <a:schemeClr val="accent5">
+                    <a:alpha val="7000"/>
                   </a:schemeClr>
                 </a:gs>
               </a:gsLst>
@@ -11280,8 +10306,8 @@
           </p:nvSpPr>
           <p:spPr>
             <a:xfrm>
-              <a:off x="8609012" y="1676400"/>
-              <a:ext cx="2819400" cy="2819400"/>
+              <a:off x="-1588" y="2667000"/>
+              <a:ext cx="4191000" cy="4191000"/>
             </a:xfrm>
             <a:prstGeom prst="ellipse">
               <a:avLst/>
@@ -11289,150 +10315,18 @@
             <a:gradFill flip="none" rotWithShape="1">
               <a:gsLst>
                 <a:gs pos="0">
-                  <a:schemeClr val="bg2">
-                    <a:lumMod val="40000"/>
-                    <a:lumOff val="60000"/>
-                    <a:alpha val="7000"/>
+                  <a:schemeClr val="accent5">
+                    <a:alpha val="11000"/>
                   </a:schemeClr>
                 </a:gs>
-                <a:gs pos="69000">
-                  <a:schemeClr val="bg2">
-                    <a:lumMod val="40000"/>
-                    <a:lumOff val="60000"/>
+                <a:gs pos="75000">
+                  <a:schemeClr val="accent5">
                     <a:alpha val="0"/>
                   </a:schemeClr>
                 </a:gs>
                 <a:gs pos="36000">
-                  <a:schemeClr val="bg2">
-                    <a:lumMod val="40000"/>
-                    <a:lumOff val="60000"/>
-                    <a:alpha val="6000"/>
-                  </a:schemeClr>
-                </a:gs>
-              </a:gsLst>
-              <a:path path="circle">
-                <a:fillToRect l="50000" t="50000" r="50000" b="50000"/>
-              </a:path>
-              <a:tileRect/>
-            </a:gradFill>
-            <a:ln>
-              <a:noFill/>
-            </a:ln>
-            <a:effectLst/>
-          </p:spPr>
-          <p:style>
-            <a:lnRef idx="1">
-              <a:schemeClr val="accent1"/>
-            </a:lnRef>
-            <a:fillRef idx="3">
-              <a:schemeClr val="accent1"/>
-            </a:fillRef>
-            <a:effectRef idx="2">
-              <a:schemeClr val="accent1"/>
-            </a:effectRef>
-            <a:fontRef idx="minor">
-              <a:schemeClr val="lt1"/>
-            </a:fontRef>
-          </p:style>
-        </p:sp>
-        <p:sp>
-          <p:nvSpPr>
-            <p:cNvPr id="18" name="Oval 17"/>
-            <p:cNvSpPr/>
-            <p:nvPr/>
-          </p:nvSpPr>
-          <p:spPr>
-            <a:xfrm>
-              <a:off x="7999412" y="-2373"/>
-              <a:ext cx="1600200" cy="1600200"/>
-            </a:xfrm>
-            <a:prstGeom prst="ellipse">
-              <a:avLst/>
-            </a:prstGeom>
-            <a:gradFill flip="none" rotWithShape="1">
-              <a:gsLst>
-                <a:gs pos="0">
-                  <a:schemeClr val="bg2">
-                    <a:lumMod val="40000"/>
-                    <a:lumOff val="60000"/>
-                    <a:alpha val="14000"/>
-                  </a:schemeClr>
-                </a:gs>
-                <a:gs pos="73000">
-                  <a:schemeClr val="bg2">
-                    <a:lumMod val="40000"/>
-                    <a:lumOff val="60000"/>
-                    <a:alpha val="0"/>
-                  </a:schemeClr>
-                </a:gs>
-                <a:gs pos="36000">
-                  <a:schemeClr val="bg2">
-                    <a:lumMod val="40000"/>
-                    <a:lumOff val="60000"/>
-                    <a:alpha val="7000"/>
-                  </a:schemeClr>
-                </a:gs>
-              </a:gsLst>
-              <a:path path="circle">
-                <a:fillToRect l="50000" t="50000" r="50000" b="50000"/>
-              </a:path>
-              <a:tileRect/>
-            </a:gradFill>
-            <a:ln>
-              <a:noFill/>
-            </a:ln>
-            <a:effectLst/>
-          </p:spPr>
-          <p:style>
-            <a:lnRef idx="1">
-              <a:schemeClr val="accent1"/>
-            </a:lnRef>
-            <a:fillRef idx="3">
-              <a:schemeClr val="accent1"/>
-            </a:fillRef>
-            <a:effectRef idx="2">
-              <a:schemeClr val="accent1"/>
-            </a:effectRef>
-            <a:fontRef idx="minor">
-              <a:schemeClr val="lt1"/>
-            </a:fontRef>
-          </p:style>
-        </p:sp>
-        <p:sp>
-          <p:nvSpPr>
-            <p:cNvPr id="19" name="Oval 18"/>
-            <p:cNvSpPr/>
-            <p:nvPr/>
-          </p:nvSpPr>
-          <p:spPr>
-            <a:xfrm>
-              <a:off x="8609012" y="5874054"/>
-              <a:ext cx="990600" cy="990600"/>
-            </a:xfrm>
-            <a:prstGeom prst="ellipse">
-              <a:avLst/>
-            </a:prstGeom>
-            <a:gradFill flip="none" rotWithShape="1">
-              <a:gsLst>
-                <a:gs pos="0">
-                  <a:schemeClr val="bg2">
-                    <a:lumMod val="40000"/>
-                    <a:lumOff val="60000"/>
-                    <a:alpha val="14000"/>
-                  </a:schemeClr>
-                </a:gs>
-                <a:gs pos="66000">
-                  <a:schemeClr val="bg2">
-                    <a:lumMod val="40000"/>
-                    <a:lumOff val="60000"/>
-                    <a:alpha val="0"/>
-                  </a:schemeClr>
-                </a:gs>
-                <a:gs pos="36000">
-                  <a:schemeClr val="bg2">
-                    <a:lumMod val="40000"/>
-                    <a:lumOff val="60000"/>
-                    <a:alpha val="7000"/>
+                  <a:schemeClr val="accent5">
+                    <a:alpha val="10000"/>
                   </a:schemeClr>
                 </a:gs>
               </a:gsLst>
@@ -11831,7 +10725,7 @@
         </p:sp>
         <p:sp>
           <p:nvSpPr>
-            <p:cNvPr id="13" name="Freeform 5"/>
+            <p:cNvPr id="14" name="Freeform 5"/>
             <p:cNvSpPr>
               <a:spLocks noEditPoints="1"/>
             </p:cNvSpPr>
@@ -11907,8 +10801,11 @@
         <p:spPr>
           <a:xfrm>
             <a:off x="1153907" y="1693332"/>
-            <a:ext cx="3860260" cy="1735668"/>
+            <a:ext cx="3860259" cy="1735668"/>
           </a:xfrm>
+          <a:prstGeom prst="rect">
+            <a:avLst/>
+          </a:prstGeom>
         </p:spPr>
         <p:txBody>
           <a:bodyPr anchor="b">
@@ -12032,7 +10929,10 @@
               <a:buNone/>
               <a:defRPr sz="1400">
                 <a:solidFill>
-                  <a:schemeClr val="accent1"/>
+                  <a:schemeClr val="tx2">
+                    <a:lumMod val="40000"/>
+                    <a:lumOff val="60000"/>
+                  </a:schemeClr>
                 </a:solidFill>
               </a:defRPr>
             </a:lvl1pPr>
@@ -12094,7 +10994,7 @@
           <a:lstStyle/>
           <a:p>
             <a:fld id="{A6149E5E-3896-4118-99A7-7B85668F1C5E}" type="datetimeFigureOut">
-              <a:rPr lang="en-US" dirty="0"/>
+              <a:rPr lang="en-US" smtClean="0"/>
               <a:t>7/25/2024</a:t>
             </a:fld>
             <a:endParaRPr lang="en-US" dirty="0"/>
@@ -12122,7 +11022,7 @@
       </p:sp>
       <p:sp>
         <p:nvSpPr>
-          <p:cNvPr id="14" name="Rectangle 13"/>
+          <p:cNvPr id="13" name="Rectangle 12"/>
           <p:cNvSpPr/>
           <p:nvPr/>
         </p:nvSpPr>
@@ -12172,7 +11072,7 @@
           <a:lstStyle/>
           <a:p>
             <a:fld id="{D57F1E4F-1CFF-5643-939E-217C01CDF565}" type="slidenum">
-              <a:rPr lang="en-US" dirty="0"/>
+              <a:rPr lang="en-US" smtClean="0"/>
               <a:pPr/>
               <a:t>‹#›</a:t>
             </a:fld>
@@ -12181,6 +11081,11 @@
         </p:txBody>
       </p:sp>
     </p:spTree>
+    <p:extLst>
+      <p:ext uri="{BB962C8B-B14F-4D97-AF65-F5344CB8AC3E}">
+        <p14:creationId xmlns:p14="http://schemas.microsoft.com/office/powerpoint/2010/main" val="4145996282"/>
+      </p:ext>
+    </p:extLst>
   </p:cSld>
   <p:clrMapOvr>
     <a:masterClrMapping/>
@@ -12212,21 +11117,21 @@
       </p:grpSpPr>
       <p:grpSp>
         <p:nvGrpSpPr>
-          <p:cNvPr id="9" name="Group 8"/>
+          <p:cNvPr id="2" name="Group 1"/>
           <p:cNvGrpSpPr/>
           <p:nvPr/>
         </p:nvGrpSpPr>
         <p:grpSpPr>
           <a:xfrm>
-            <a:off x="0" y="-2373"/>
-            <a:ext cx="12192000" cy="6867027"/>
-            <a:chOff x="0" y="-2373"/>
-            <a:chExt cx="12192000" cy="6867027"/>
+            <a:off x="-1588" y="0"/>
+            <a:ext cx="12193588" cy="6861555"/>
+            <a:chOff x="-1588" y="0"/>
+            <a:chExt cx="12193588" cy="6861555"/>
           </a:xfrm>
         </p:grpSpPr>
         <p:sp>
           <p:nvSpPr>
-            <p:cNvPr id="26" name="Rectangle 25"/>
+            <p:cNvPr id="12" name="Rectangle 11"/>
             <p:cNvSpPr/>
             <p:nvPr/>
           </p:nvSpPr>
@@ -12242,16 +11147,16 @@
               <a:blip r:embed="rId19">
                 <a:duotone>
                   <a:schemeClr val="dk2">
-                    <a:shade val="62000"/>
+                    <a:shade val="69000"/>
                     <a:hueMod val="108000"/>
                     <a:satMod val="164000"/>
-                    <a:lumMod val="69000"/>
+                    <a:lumMod val="74000"/>
                   </a:schemeClr>
                   <a:schemeClr val="dk2">
                     <a:tint val="96000"/>
-                    <a:hueMod val="90000"/>
-                    <a:satMod val="130000"/>
-                    <a:lumMod val="134000"/>
+                    <a:hueMod val="88000"/>
+                    <a:satMod val="140000"/>
+                    <a:lumMod val="132000"/>
                   </a:schemeClr>
                 </a:duotone>
               </a:blip>
@@ -12282,14 +11187,14 @@
         </p:sp>
         <p:sp>
           <p:nvSpPr>
-            <p:cNvPr id="15" name="Oval 14"/>
+            <p:cNvPr id="21" name="Oval 20"/>
             <p:cNvSpPr/>
             <p:nvPr/>
           </p:nvSpPr>
           <p:spPr>
             <a:xfrm>
-              <a:off x="3220" y="2667000"/>
-              <a:ext cx="4191000" cy="4191000"/>
+              <a:off x="8761412" y="1828800"/>
+              <a:ext cx="2819400" cy="2819400"/>
             </a:xfrm>
             <a:prstGeom prst="ellipse">
               <a:avLst/>
@@ -12297,24 +11202,18 @@
             <a:gradFill flip="none" rotWithShape="1">
               <a:gsLst>
                 <a:gs pos="0">
-                  <a:schemeClr val="bg2">
-                    <a:lumMod val="40000"/>
-                    <a:lumOff val="60000"/>
-                    <a:alpha val="11000"/>
+                  <a:schemeClr val="accent5">
+                    <a:alpha val="7000"/>
                   </a:schemeClr>
                 </a:gs>
-                <a:gs pos="75000">
-                  <a:schemeClr val="bg2">
-                    <a:lumMod val="40000"/>
-                    <a:lumOff val="60000"/>
+                <a:gs pos="69000">
+                  <a:schemeClr val="accent5">
                     <a:alpha val="0"/>
                   </a:schemeClr>
                 </a:gs>
                 <a:gs pos="36000">
-                  <a:schemeClr val="bg2">
-                    <a:lumMod val="40000"/>
-                    <a:lumOff val="60000"/>
-                    <a:alpha val="10000"/>
+                  <a:schemeClr val="accent5">
+                    <a:alpha val="6000"/>
                   </a:schemeClr>
                 </a:gs>
               </a:gsLst>
@@ -12345,14 +11244,14 @@
         </p:sp>
         <p:sp>
           <p:nvSpPr>
-            <p:cNvPr id="16" name="Oval 15"/>
+            <p:cNvPr id="23" name="Oval 22"/>
             <p:cNvSpPr/>
             <p:nvPr/>
           </p:nvSpPr>
           <p:spPr>
             <a:xfrm>
-              <a:off x="1750" y="2895600"/>
-              <a:ext cx="2362200" cy="2362200"/>
+              <a:off x="8761412" y="5870955"/>
+              <a:ext cx="990600" cy="990600"/>
             </a:xfrm>
             <a:prstGeom prst="ellipse">
               <a:avLst/>
@@ -12360,24 +11259,18 @@
             <a:gradFill flip="none" rotWithShape="1">
               <a:gsLst>
                 <a:gs pos="0">
-                  <a:schemeClr val="bg2">
-                    <a:lumMod val="40000"/>
-                    <a:lumOff val="60000"/>
-                    <a:alpha val="8000"/>
+                  <a:schemeClr val="accent5">
+                    <a:alpha val="14000"/>
                   </a:schemeClr>
                 </a:gs>
-                <a:gs pos="72000">
-                  <a:schemeClr val="bg2">
-                    <a:lumMod val="40000"/>
-                    <a:lumOff val="60000"/>
+                <a:gs pos="66000">
+                  <a:schemeClr val="accent5">
                     <a:alpha val="0"/>
                   </a:schemeClr>
                 </a:gs>
                 <a:gs pos="36000">
-                  <a:schemeClr val="bg2">
-                    <a:lumMod val="40000"/>
-                    <a:lumOff val="60000"/>
-                    <a:alpha val="8000"/>
+                  <a:schemeClr val="accent5">
+                    <a:alpha val="7000"/>
                   </a:schemeClr>
                 </a:gs>
               </a:gsLst>
@@ -12408,14 +11301,14 @@
         </p:sp>
         <p:sp>
           <p:nvSpPr>
-            <p:cNvPr id="17" name="Oval 16"/>
+            <p:cNvPr id="20" name="Oval 19"/>
             <p:cNvSpPr/>
             <p:nvPr/>
           </p:nvSpPr>
           <p:spPr>
             <a:xfrm>
-              <a:off x="8609012" y="1676400"/>
-              <a:ext cx="2819400" cy="2819400"/>
+              <a:off x="-1588" y="2667000"/>
+              <a:ext cx="4191000" cy="4191000"/>
             </a:xfrm>
             <a:prstGeom prst="ellipse">
               <a:avLst/>
@@ -12423,24 +11316,18 @@
             <a:gradFill flip="none" rotWithShape="1">
               <a:gsLst>
                 <a:gs pos="0">
-                  <a:schemeClr val="bg2">
-                    <a:lumMod val="40000"/>
-                    <a:lumOff val="60000"/>
-                    <a:alpha val="7000"/>
+                  <a:schemeClr val="accent5">
+                    <a:alpha val="11000"/>
                   </a:schemeClr>
                 </a:gs>
-                <a:gs pos="69000">
-                  <a:schemeClr val="bg2">
-                    <a:lumMod val="40000"/>
-                    <a:lumOff val="60000"/>
+                <a:gs pos="75000">
+                  <a:schemeClr val="accent5">
                     <a:alpha val="0"/>
                   </a:schemeClr>
                 </a:gs>
                 <a:gs pos="36000">
-                  <a:schemeClr val="bg2">
-                    <a:lumMod val="40000"/>
-                    <a:lumOff val="60000"/>
-                    <a:alpha val="6000"/>
+                  <a:schemeClr val="accent5">
+                    <a:alpha val="10000"/>
                   </a:schemeClr>
                 </a:gs>
               </a:gsLst>
@@ -12471,133 +11358,7 @@
         </p:sp>
         <p:sp>
           <p:nvSpPr>
-            <p:cNvPr id="18" name="Oval 17"/>
-            <p:cNvSpPr/>
-            <p:nvPr/>
-          </p:nvSpPr>
-          <p:spPr>
-            <a:xfrm>
-              <a:off x="7999412" y="-2373"/>
-              <a:ext cx="1600200" cy="1600200"/>
-            </a:xfrm>
-            <a:prstGeom prst="ellipse">
-              <a:avLst/>
-            </a:prstGeom>
-            <a:gradFill flip="none" rotWithShape="1">
-              <a:gsLst>
-                <a:gs pos="0">
-                  <a:schemeClr val="bg2">
-                    <a:lumMod val="40000"/>
-                    <a:lumOff val="60000"/>
-                    <a:alpha val="14000"/>
-                  </a:schemeClr>
-                </a:gs>
-                <a:gs pos="73000">
-                  <a:schemeClr val="bg2">
-                    <a:lumMod val="40000"/>
-                    <a:lumOff val="60000"/>
-                    <a:alpha val="0"/>
-                  </a:schemeClr>
-                </a:gs>
-                <a:gs pos="36000">
-                  <a:schemeClr val="bg2">
-                    <a:lumMod val="40000"/>
-                    <a:lumOff val="60000"/>
-                    <a:alpha val="7000"/>
-                  </a:schemeClr>
-                </a:gs>
-              </a:gsLst>
-              <a:path path="circle">
-                <a:fillToRect l="50000" t="50000" r="50000" b="50000"/>
-              </a:path>
-              <a:tileRect/>
-            </a:gradFill>
-            <a:ln>
-              <a:noFill/>
-            </a:ln>
-            <a:effectLst/>
-          </p:spPr>
-          <p:style>
-            <a:lnRef idx="1">
-              <a:schemeClr val="accent1"/>
-            </a:lnRef>
-            <a:fillRef idx="3">
-              <a:schemeClr val="accent1"/>
-            </a:fillRef>
-            <a:effectRef idx="2">
-              <a:schemeClr val="accent1"/>
-            </a:effectRef>
-            <a:fontRef idx="minor">
-              <a:schemeClr val="lt1"/>
-            </a:fontRef>
-          </p:style>
-        </p:sp>
-        <p:sp>
-          <p:nvSpPr>
-            <p:cNvPr id="19" name="Oval 18"/>
-            <p:cNvSpPr/>
-            <p:nvPr/>
-          </p:nvSpPr>
-          <p:spPr>
-            <a:xfrm>
-              <a:off x="8609012" y="5874054"/>
-              <a:ext cx="990600" cy="990600"/>
-            </a:xfrm>
-            <a:prstGeom prst="ellipse">
-              <a:avLst/>
-            </a:prstGeom>
-            <a:gradFill flip="none" rotWithShape="1">
-              <a:gsLst>
-                <a:gs pos="0">
-                  <a:schemeClr val="bg2">
-                    <a:lumMod val="40000"/>
-                    <a:lumOff val="60000"/>
-                    <a:alpha val="14000"/>
-                  </a:schemeClr>
-                </a:gs>
-                <a:gs pos="66000">
-                  <a:schemeClr val="bg2">
-                    <a:lumMod val="40000"/>
-                    <a:lumOff val="60000"/>
-                    <a:alpha val="0"/>
-                  </a:schemeClr>
-                </a:gs>
-                <a:gs pos="36000">
-                  <a:schemeClr val="bg2">
-                    <a:lumMod val="40000"/>
-                    <a:lumOff val="60000"/>
-                    <a:alpha val="7000"/>
-                  </a:schemeClr>
-                </a:gs>
-              </a:gsLst>
-              <a:path path="circle">
-                <a:fillToRect l="50000" t="50000" r="50000" b="50000"/>
-              </a:path>
-              <a:tileRect/>
-            </a:gradFill>
-            <a:ln>
-              <a:noFill/>
-            </a:ln>
-            <a:effectLst/>
-          </p:spPr>
-          <p:style>
-            <a:lnRef idx="1">
-              <a:schemeClr val="accent1"/>
-            </a:lnRef>
-            <a:fillRef idx="3">
-              <a:schemeClr val="accent1"/>
-            </a:fillRef>
-            <a:effectRef idx="2">
-              <a:schemeClr val="accent1"/>
-            </a:effectRef>
-            <a:fontRef idx="minor">
-              <a:schemeClr val="lt1"/>
-            </a:fontRef>
-          </p:style>
-        </p:sp>
-        <p:sp>
-          <p:nvSpPr>
-            <p:cNvPr id="23" name="Freeform 5"/>
+            <p:cNvPr id="34" name="Freeform 5"/>
             <p:cNvSpPr/>
             <p:nvPr/>
           </p:nvSpPr>
@@ -12744,7 +11505,7 @@
         </p:sp>
         <p:sp>
           <p:nvSpPr>
-            <p:cNvPr id="20" name="Freeform 5"/>
+            <p:cNvPr id="27" name="Freeform 5"/>
             <p:cNvSpPr/>
             <p:nvPr/>
           </p:nvSpPr>
@@ -12928,7 +11689,7 @@
         </p:sp>
         <p:sp>
           <p:nvSpPr>
-            <p:cNvPr id="21" name="Freeform 5"/>
+            <p:cNvPr id="28" name="Freeform 5"/>
             <p:cNvSpPr>
               <a:spLocks noEditPoints="1"/>
             </p:cNvSpPr>
@@ -12993,7 +11754,7 @@
       </p:grpSp>
       <p:sp>
         <p:nvSpPr>
-          <p:cNvPr id="2" name="Title Placeholder 1"/>
+          <p:cNvPr id="30" name="Title Placeholder 1"/>
           <p:cNvSpPr>
             <a:spLocks noGrp="1"/>
           </p:cNvSpPr>
@@ -13003,7 +11764,7 @@
         </p:nvSpPr>
         <p:spPr bwMode="gray">
           <a:xfrm>
-            <a:off x="1154953" y="973668"/>
+            <a:off x="1154954" y="973668"/>
             <a:ext cx="8761413" cy="706964"/>
           </a:xfrm>
           <a:prstGeom prst="rect">
@@ -13036,8 +11797,8 @@
         </p:nvSpPr>
         <p:spPr>
           <a:xfrm>
-            <a:off x="1154955" y="2603500"/>
-            <a:ext cx="8761412" cy="3416300"/>
+            <a:off x="1154954" y="2603500"/>
+            <a:ext cx="8761413" cy="3416300"/>
           </a:xfrm>
           <a:prstGeom prst="rect">
             <a:avLst/>
@@ -13098,7 +11859,7 @@
         </p:nvSpPr>
         <p:spPr>
           <a:xfrm>
-            <a:off x="10650938" y="6394061"/>
+            <a:off x="10652760" y="6391656"/>
             <a:ext cx="990599" cy="304799"/>
           </a:xfrm>
           <a:prstGeom prst="rect">
@@ -13106,7 +11867,7 @@
           </a:prstGeom>
         </p:spPr>
         <p:txBody>
-          <a:bodyPr vert="horz" lIns="91440" tIns="45720" rIns="91440" bIns="45720" rtlCol="0" anchor="t"/>
+          <a:bodyPr vert="horz" lIns="91440" tIns="45720" rIns="91440" bIns="45720" rtlCol="0" anchor="ctr" anchorCtr="0"/>
           <a:lstStyle>
             <a:lvl1pPr algn="r">
               <a:defRPr sz="1000" b="1" i="0">
@@ -13118,7 +11879,7 @@
           </a:lstStyle>
           <a:p>
             <a:fld id="{7E0D914D-B099-4142-A885-11F276715148}" type="datetimeFigureOut">
-              <a:rPr lang="en-US" dirty="0"/>
+              <a:rPr lang="en-US" smtClean="0"/>
               <a:t>7/25/2024</a:t>
             </a:fld>
             <a:endParaRPr lang="en-US" dirty="0"/>
@@ -13137,22 +11898,21 @@
         </p:nvSpPr>
         <p:spPr>
           <a:xfrm>
-            <a:off x="528358" y="6391838"/>
-            <a:ext cx="3859795" cy="304801"/>
+            <a:off x="557784" y="6391656"/>
+            <a:ext cx="3867912" cy="310896"/>
           </a:xfrm>
           <a:prstGeom prst="rect">
             <a:avLst/>
           </a:prstGeom>
         </p:spPr>
         <p:txBody>
-          <a:bodyPr vert="horz" lIns="91440" tIns="45720" rIns="91440" bIns="45720" rtlCol="0" anchor="b"/>
+          <a:bodyPr vert="horz" lIns="91440" tIns="45720" rIns="91440" bIns="45720" rtlCol="0" anchor="ctr" anchorCtr="0"/>
           <a:lstStyle>
             <a:lvl1pPr algn="l">
               <a:defRPr sz="1000" b="1" i="0">
                 <a:solidFill>
                   <a:schemeClr val="accent1"/>
                 </a:solidFill>
-                <a:latin typeface="+mn-lt"/>
               </a:defRPr>
             </a:lvl1pPr>
           </a:lstStyle>
@@ -13163,7 +11923,7 @@
       </p:sp>
       <p:sp>
         <p:nvSpPr>
-          <p:cNvPr id="22" name="Rectangle 21"/>
+          <p:cNvPr id="29" name="Rectangle 28"/>
           <p:cNvSpPr/>
           <p:nvPr/>
         </p:nvSpPr>
@@ -13207,7 +11967,7 @@
             <p:ph type="sldNum" sz="quarter" idx="4"/>
           </p:nvPr>
         </p:nvSpPr>
-        <p:spPr>
+        <p:spPr bwMode="gray">
           <a:xfrm>
             <a:off x="10352540" y="295729"/>
             <a:ext cx="838199" cy="767687"/>
@@ -13224,13 +11984,12 @@
                 <a:solidFill>
                   <a:schemeClr val="bg1"/>
                 </a:solidFill>
-                <a:latin typeface="+mn-lt"/>
               </a:defRPr>
             </a:lvl1pPr>
           </a:lstStyle>
           <a:p>
             <a:fld id="{D57F1E4F-1CFF-5643-939E-217C01CDF565}" type="slidenum">
-              <a:rPr lang="en-US" dirty="0"/>
+              <a:rPr lang="en-US" smtClean="0"/>
               <a:pPr/>
               <a:t>‹#›</a:t>
             </a:fld>
@@ -13239,26 +11998,31 @@
         </p:txBody>
       </p:sp>
     </p:spTree>
+    <p:extLst>
+      <p:ext uri="{BB962C8B-B14F-4D97-AF65-F5344CB8AC3E}">
+        <p14:creationId xmlns:p14="http://schemas.microsoft.com/office/powerpoint/2010/main" val="3890124818"/>
+      </p:ext>
+    </p:extLst>
   </p:cSld>
   <p:clrMap bg1="lt1" tx1="dk1" bg2="lt2" tx2="dk2" accent1="accent1" accent2="accent2" accent3="accent3" accent4="accent4" accent5="accent5" accent6="accent6" hlink="hlink" folHlink="folHlink"/>
   <p:sldLayoutIdLst>
-    <p:sldLayoutId id="2147483649" r:id="rId1"/>
-    <p:sldLayoutId id="2147483650" r:id="rId2"/>
-    <p:sldLayoutId id="2147483651" r:id="rId3"/>
-    <p:sldLayoutId id="2147483652" r:id="rId4"/>
-    <p:sldLayoutId id="2147483653" r:id="rId5"/>
-    <p:sldLayoutId id="2147483654" r:id="rId6"/>
-    <p:sldLayoutId id="2147483655" r:id="rId7"/>
-    <p:sldLayoutId id="2147483656" r:id="rId8"/>
-    <p:sldLayoutId id="2147483668" r:id="rId9"/>
-    <p:sldLayoutId id="2147483667" r:id="rId10"/>
-    <p:sldLayoutId id="2147483661" r:id="rId11"/>
-    <p:sldLayoutId id="2147483664" r:id="rId12"/>
-    <p:sldLayoutId id="2147483662" r:id="rId13"/>
-    <p:sldLayoutId id="2147483669" r:id="rId14"/>
-    <p:sldLayoutId id="2147483670" r:id="rId15"/>
-    <p:sldLayoutId id="2147483658" r:id="rId16"/>
-    <p:sldLayoutId id="2147483659" r:id="rId17"/>
+    <p:sldLayoutId id="2147483672" r:id="rId1"/>
+    <p:sldLayoutId id="2147483673" r:id="rId2"/>
+    <p:sldLayoutId id="2147483674" r:id="rId3"/>
+    <p:sldLayoutId id="2147483675" r:id="rId4"/>
+    <p:sldLayoutId id="2147483676" r:id="rId5"/>
+    <p:sldLayoutId id="2147483677" r:id="rId6"/>
+    <p:sldLayoutId id="2147483678" r:id="rId7"/>
+    <p:sldLayoutId id="2147483679" r:id="rId8"/>
+    <p:sldLayoutId id="2147483680" r:id="rId9"/>
+    <p:sldLayoutId id="2147483681" r:id="rId10"/>
+    <p:sldLayoutId id="2147483682" r:id="rId11"/>
+    <p:sldLayoutId id="2147483683" r:id="rId12"/>
+    <p:sldLayoutId id="2147483684" r:id="rId13"/>
+    <p:sldLayoutId id="2147483685" r:id="rId14"/>
+    <p:sldLayoutId id="2147483686" r:id="rId15"/>
+    <p:sldLayoutId id="2147483687" r:id="rId16"/>
+    <p:sldLayoutId id="2147483688" r:id="rId17"/>
   </p:sldLayoutIdLst>
   <p:hf sldNum="0" hdr="0" ftr="0" dt="0"/>
   <p:txStyles>
@@ -13677,44 +12441,62 @@
           <a:chExt cx="0" cy="0"/>
         </a:xfrm>
       </p:grpSpPr>
-      <p:sp>
-        <p:nvSpPr>
-          <p:cNvPr id="2" name="Title 1"/>
-          <p:cNvSpPr>
-            <a:spLocks noGrp="1"/>
-          </p:cNvSpPr>
-          <p:nvPr>
-            <p:ph type="ctrTitle"/>
-          </p:nvPr>
-        </p:nvSpPr>
-        <p:spPr/>
-        <p:txBody>
-          <a:bodyPr/>
-          <a:lstStyle/>
-          <a:p>
-            <a:endParaRPr lang="en-IN"/>
-          </a:p>
-        </p:txBody>
-      </p:sp>
-      <p:sp>
-        <p:nvSpPr>
-          <p:cNvPr id="3" name="Subtitle 2"/>
-          <p:cNvSpPr>
-            <a:spLocks noGrp="1"/>
-          </p:cNvSpPr>
-          <p:nvPr>
-            <p:ph type="subTitle" idx="1"/>
-          </p:nvPr>
-        </p:nvSpPr>
-        <p:spPr/>
-        <p:txBody>
-          <a:bodyPr/>
-          <a:lstStyle/>
-          <a:p>
-            <a:endParaRPr lang="en-IN"/>
-          </a:p>
-        </p:txBody>
-      </p:sp>
+      <p:pic>
+        <p:nvPicPr>
+          <p:cNvPr id="7" name="Picture 6"/>
+          <p:cNvPicPr>
+            <a:picLocks noChangeAspect="1"/>
+          </p:cNvPicPr>
+          <p:nvPr/>
+        </p:nvPicPr>
+        <p:blipFill>
+          <a:blip r:embed="rId2">
+            <a:extLst>
+              <a:ext uri="{28A0092B-C50C-407E-A947-70E740481C1C}">
+                <a14:useLocalDpi xmlns:a14="http://schemas.microsoft.com/office/drawing/2010/main" val="0"/>
+              </a:ext>
+            </a:extLst>
+          </a:blip>
+          <a:stretch>
+            <a:fillRect/>
+          </a:stretch>
+        </p:blipFill>
+        <p:spPr>
+          <a:xfrm>
+            <a:off x="1990725" y="1119187"/>
+            <a:ext cx="8210550" cy="4619625"/>
+          </a:xfrm>
+          <a:prstGeom prst="roundRect">
+            <a:avLst>
+              <a:gd name="adj" fmla="val 4167"/>
+            </a:avLst>
+          </a:prstGeom>
+          <a:solidFill>
+            <a:srgbClr val="FFFFFF"/>
+          </a:solidFill>
+          <a:ln w="76200" cap="sq">
+            <a:solidFill>
+              <a:srgbClr val="292929"/>
+            </a:solidFill>
+            <a:miter lim="800000"/>
+          </a:ln>
+          <a:effectLst>
+            <a:reflection blurRad="12700" stA="28000" endPos="28000" dist="5000" dir="5400000" sy="-100000" algn="bl" rotWithShape="0"/>
+          </a:effectLst>
+          <a:scene3d>
+            <a:camera prst="orthographicFront"/>
+            <a:lightRig rig="threePt" dir="t">
+              <a:rot lat="0" lon="0" rev="2700000"/>
+            </a:lightRig>
+          </a:scene3d>
+          <a:sp3d>
+            <a:bevelT h="38100"/>
+            <a:contourClr>
+              <a:srgbClr val="C0C0C0"/>
+            </a:contourClr>
+          </a:sp3d>
+        </p:spPr>
+      </p:pic>
     </p:spTree>
     <p:extLst>
       <p:ext uri="{BB962C8B-B14F-4D97-AF65-F5344CB8AC3E}">
@@ -13728,10 +12510,1073 @@
 </p:sld>
 </file>
 
+<file path=ppt/slides/slide2.xml><?xml version="1.0" encoding="utf-8"?>
+<p:sld xmlns:a="http://schemas.openxmlformats.org/drawingml/2006/main" xmlns:r="http://schemas.openxmlformats.org/officeDocument/2006/relationships" xmlns:p="http://schemas.openxmlformats.org/presentationml/2006/main">
+  <p:cSld>
+    <p:spTree>
+      <p:nvGrpSpPr>
+        <p:cNvPr id="1" name=""/>
+        <p:cNvGrpSpPr/>
+        <p:nvPr/>
+      </p:nvGrpSpPr>
+      <p:grpSpPr>
+        <a:xfrm>
+          <a:off x="0" y="0"/>
+          <a:ext cx="0" cy="0"/>
+          <a:chOff x="0" y="0"/>
+          <a:chExt cx="0" cy="0"/>
+        </a:xfrm>
+      </p:grpSpPr>
+      <p:sp>
+        <p:nvSpPr>
+          <p:cNvPr id="2" name="Title 1"/>
+          <p:cNvSpPr>
+            <a:spLocks noGrp="1"/>
+          </p:cNvSpPr>
+          <p:nvPr>
+            <p:ph type="title"/>
+          </p:nvPr>
+        </p:nvSpPr>
+        <p:spPr>
+          <a:xfrm>
+            <a:off x="598362" y="655617"/>
+            <a:ext cx="8825659" cy="706964"/>
+          </a:xfrm>
+        </p:spPr>
+        <p:txBody>
+          <a:bodyPr/>
+          <a:lstStyle/>
+          <a:p>
+            <a:r>
+              <a:rPr lang="en-US" b="1" dirty="0" smtClean="0"/>
+              <a:t>What is Method?</a:t>
+            </a:r>
+            <a:endParaRPr lang="en-IN" b="1" dirty="0"/>
+          </a:p>
+        </p:txBody>
+      </p:sp>
+      <p:sp>
+        <p:nvSpPr>
+          <p:cNvPr id="3" name="Content Placeholder 2"/>
+          <p:cNvSpPr>
+            <a:spLocks noGrp="1"/>
+          </p:cNvSpPr>
+          <p:nvPr>
+            <p:ph idx="1"/>
+          </p:nvPr>
+        </p:nvSpPr>
+        <p:spPr>
+          <a:xfrm>
+            <a:off x="477078" y="2305878"/>
+            <a:ext cx="10959548" cy="4412973"/>
+          </a:xfrm>
+        </p:spPr>
+        <p:txBody>
+          <a:bodyPr>
+            <a:normAutofit fontScale="70000" lnSpcReduction="20000"/>
+          </a:bodyPr>
+          <a:lstStyle/>
+          <a:p>
+            <a:pPr algn="just"/>
+            <a:r>
+              <a:rPr lang="en-US" sz="2200" dirty="0"/>
+              <a:t>A method is a block of code or collection of statements or a set of code grouped together to perform a certain task or operation. </a:t>
+            </a:r>
+          </a:p>
+          <a:p>
+            <a:pPr algn="just"/>
+            <a:r>
+              <a:rPr lang="en-US" sz="2200" dirty="0"/>
+              <a:t>It is used to achieve the reusability of code. </a:t>
+            </a:r>
+          </a:p>
+          <a:p>
+            <a:pPr algn="just"/>
+            <a:r>
+              <a:rPr lang="en-US" sz="2200" dirty="0"/>
+              <a:t>We write a method once and use it many times. </a:t>
+            </a:r>
+          </a:p>
+          <a:p>
+            <a:pPr algn="just"/>
+            <a:r>
+              <a:rPr lang="en-US" sz="2200" dirty="0"/>
+              <a:t>We do not require to write code again and again. </a:t>
+            </a:r>
+          </a:p>
+          <a:p>
+            <a:pPr algn="just"/>
+            <a:r>
+              <a:rPr lang="en-US" sz="2200" dirty="0"/>
+              <a:t>It also provides the easy modification and readability of code, just by adding or removing a chunk of code.</a:t>
+            </a:r>
+          </a:p>
+          <a:p>
+            <a:pPr algn="just"/>
+            <a:r>
+              <a:rPr lang="en-US" sz="2200" dirty="0"/>
+              <a:t>The method is executed only when we call or invoke it</a:t>
+            </a:r>
+            <a:r>
+              <a:rPr lang="en-US" sz="2200" dirty="0" smtClean="0"/>
+              <a:t>.</a:t>
+            </a:r>
+          </a:p>
+          <a:p>
+            <a:pPr>
+              <a:buNone/>
+            </a:pPr>
+            <a:r>
+              <a:rPr lang="en-US" sz="2000" b="1" dirty="0"/>
+              <a:t>Syntax:</a:t>
+            </a:r>
+            <a:r>
+              <a:rPr lang="en-US" sz="2000" dirty="0"/>
+              <a:t> </a:t>
+            </a:r>
+          </a:p>
+          <a:p>
+            <a:pPr>
+              <a:buNone/>
+            </a:pPr>
+            <a:r>
+              <a:rPr lang="en-US" sz="2400" dirty="0"/>
+              <a:t>	</a:t>
+            </a:r>
+            <a:r>
+              <a:rPr lang="en-US" sz="2000" dirty="0"/>
+              <a:t>&lt;</a:t>
+            </a:r>
+            <a:r>
+              <a:rPr lang="en-US" sz="2000" dirty="0" err="1"/>
+              <a:t>access_modifier</a:t>
+            </a:r>
+            <a:r>
+              <a:rPr lang="en-US" sz="2000" dirty="0"/>
+              <a:t>&gt; &lt;</a:t>
+            </a:r>
+            <a:r>
+              <a:rPr lang="en-US" sz="2000" dirty="0" err="1"/>
+              <a:t>return_type</a:t>
+            </a:r>
+            <a:r>
+              <a:rPr lang="en-US" sz="2000" dirty="0"/>
+              <a:t>&gt; &lt;</a:t>
+            </a:r>
+            <a:r>
+              <a:rPr lang="en-US" sz="2000" dirty="0" err="1"/>
+              <a:t>method_name</a:t>
+            </a:r>
+            <a:r>
+              <a:rPr lang="en-US" sz="2000" dirty="0"/>
+              <a:t>&gt;( </a:t>
+            </a:r>
+            <a:r>
+              <a:rPr lang="en-US" sz="2000" dirty="0" err="1"/>
+              <a:t>list_of_parameters</a:t>
+            </a:r>
+            <a:r>
+              <a:rPr lang="en-US" sz="2000" dirty="0"/>
+              <a:t>) </a:t>
+            </a:r>
+            <a:endParaRPr lang="en-US" sz="2400" dirty="0"/>
+          </a:p>
+          <a:p>
+            <a:pPr>
+              <a:buNone/>
+            </a:pPr>
+            <a:r>
+              <a:rPr lang="en-US" sz="2400" dirty="0"/>
+              <a:t>	{ </a:t>
+            </a:r>
+          </a:p>
+          <a:p>
+            <a:endParaRPr lang="en-US" sz="2400" dirty="0"/>
+          </a:p>
+          <a:p>
+            <a:pPr>
+              <a:buNone/>
+            </a:pPr>
+            <a:r>
+              <a:rPr lang="en-US" sz="2400" dirty="0"/>
+              <a:t>		//body</a:t>
+            </a:r>
+          </a:p>
+          <a:p>
+            <a:pPr>
+              <a:buNone/>
+            </a:pPr>
+            <a:endParaRPr lang="en-US" sz="2400" dirty="0"/>
+          </a:p>
+          <a:p>
+            <a:pPr>
+              <a:buNone/>
+            </a:pPr>
+            <a:r>
+              <a:rPr lang="en-US" sz="2400" dirty="0"/>
+              <a:t>	 }</a:t>
+            </a:r>
+          </a:p>
+          <a:p>
+            <a:pPr algn="just"/>
+            <a:endParaRPr lang="en-US" sz="2000" dirty="0"/>
+          </a:p>
+          <a:p>
+            <a:endParaRPr lang="en-IN" sz="2000" dirty="0"/>
+          </a:p>
+        </p:txBody>
+      </p:sp>
+    </p:spTree>
+    <p:extLst>
+      <p:ext uri="{BB962C8B-B14F-4D97-AF65-F5344CB8AC3E}">
+        <p14:creationId xmlns:p14="http://schemas.microsoft.com/office/powerpoint/2010/main" val="2568982137"/>
+      </p:ext>
+    </p:extLst>
+  </p:cSld>
+  <p:clrMapOvr>
+    <a:masterClrMapping/>
+  </p:clrMapOvr>
+</p:sld>
+</file>
+
+<file path=ppt/slides/slide3.xml><?xml version="1.0" encoding="utf-8"?>
+<p:sld xmlns:a="http://schemas.openxmlformats.org/drawingml/2006/main" xmlns:r="http://schemas.openxmlformats.org/officeDocument/2006/relationships" xmlns:p="http://schemas.openxmlformats.org/presentationml/2006/main">
+  <p:cSld>
+    <p:spTree>
+      <p:nvGrpSpPr>
+        <p:cNvPr id="1" name=""/>
+        <p:cNvGrpSpPr/>
+        <p:nvPr/>
+      </p:nvGrpSpPr>
+      <p:grpSpPr>
+        <a:xfrm>
+          <a:off x="0" y="0"/>
+          <a:ext cx="0" cy="0"/>
+          <a:chOff x="0" y="0"/>
+          <a:chExt cx="0" cy="0"/>
+        </a:xfrm>
+      </p:grpSpPr>
+      <p:sp>
+        <p:nvSpPr>
+          <p:cNvPr id="2" name="Title 1"/>
+          <p:cNvSpPr>
+            <a:spLocks noGrp="1"/>
+          </p:cNvSpPr>
+          <p:nvPr>
+            <p:ph type="title"/>
+          </p:nvPr>
+        </p:nvSpPr>
+        <p:spPr>
+          <a:xfrm>
+            <a:off x="664624" y="735130"/>
+            <a:ext cx="8825659" cy="706964"/>
+          </a:xfrm>
+        </p:spPr>
+        <p:txBody>
+          <a:bodyPr/>
+          <a:lstStyle/>
+          <a:p>
+            <a:r>
+              <a:rPr lang="en-US" b="1" dirty="0"/>
+              <a:t>Method Declaration</a:t>
+            </a:r>
+            <a:endParaRPr lang="en-IN" dirty="0"/>
+          </a:p>
+        </p:txBody>
+      </p:sp>
+      <p:pic>
+        <p:nvPicPr>
+          <p:cNvPr id="4" name="Content Placeholder 3" descr="method-in-java.png"/>
+          <p:cNvPicPr>
+            <a:picLocks noGrp="1" noChangeAspect="1"/>
+          </p:cNvPicPr>
+          <p:nvPr>
+            <p:ph idx="1"/>
+          </p:nvPr>
+        </p:nvPicPr>
+        <p:blipFill rotWithShape="1">
+          <a:blip r:embed="rId2" cstate="print">
+            <a:extLst>
+              <a:ext uri="{BEBA8EAE-BF5A-486C-A8C5-ECC9F3942E4B}">
+                <a14:imgProps xmlns:a14="http://schemas.microsoft.com/office/drawing/2010/main">
+                  <a14:imgLayer r:embed="rId3">
+                    <a14:imgEffect>
+                      <a14:saturation sat="33000"/>
+                    </a14:imgEffect>
+                  </a14:imgLayer>
+                </a14:imgProps>
+              </a:ext>
+            </a:extLst>
+          </a:blip>
+          <a:srcRect t="9834" r="-436"/>
+          <a:stretch/>
+        </p:blipFill>
+        <p:spPr>
+          <a:xfrm>
+            <a:off x="940904" y="2549771"/>
+            <a:ext cx="10495722" cy="4122951"/>
+          </a:xfrm>
+        </p:spPr>
+      </p:pic>
+    </p:spTree>
+    <p:extLst>
+      <p:ext uri="{BB962C8B-B14F-4D97-AF65-F5344CB8AC3E}">
+        <p14:creationId xmlns:p14="http://schemas.microsoft.com/office/powerpoint/2010/main" val="728574210"/>
+      </p:ext>
+    </p:extLst>
+  </p:cSld>
+  <p:clrMapOvr>
+    <a:masterClrMapping/>
+  </p:clrMapOvr>
+</p:sld>
+</file>
+
+<file path=ppt/slides/slide4.xml><?xml version="1.0" encoding="utf-8"?>
+<p:sld xmlns:a="http://schemas.openxmlformats.org/drawingml/2006/main" xmlns:r="http://schemas.openxmlformats.org/officeDocument/2006/relationships" xmlns:p="http://schemas.openxmlformats.org/presentationml/2006/main" showMasterSp="0">
+  <p:cSld>
+    <p:spTree>
+      <p:nvGrpSpPr>
+        <p:cNvPr id="1" name=""/>
+        <p:cNvGrpSpPr/>
+        <p:nvPr/>
+      </p:nvGrpSpPr>
+      <p:grpSpPr>
+        <a:xfrm>
+          <a:off x="0" y="0"/>
+          <a:ext cx="0" cy="0"/>
+          <a:chOff x="0" y="0"/>
+          <a:chExt cx="0" cy="0"/>
+        </a:xfrm>
+      </p:grpSpPr>
+      <p:sp>
+        <p:nvSpPr>
+          <p:cNvPr id="3" name="Content Placeholder 2"/>
+          <p:cNvSpPr>
+            <a:spLocks noGrp="1"/>
+          </p:cNvSpPr>
+          <p:nvPr>
+            <p:ph idx="1"/>
+          </p:nvPr>
+        </p:nvSpPr>
+        <p:spPr>
+          <a:xfrm>
+            <a:off x="464234" y="464233"/>
+            <a:ext cx="11254154" cy="6049109"/>
+          </a:xfrm>
+        </p:spPr>
+        <p:txBody>
+          <a:bodyPr>
+            <a:normAutofit/>
+          </a:bodyPr>
+          <a:lstStyle/>
+          <a:p>
+            <a:pPr algn="just"/>
+            <a:endParaRPr lang="en-US" dirty="0"/>
+          </a:p>
+          <a:p>
+            <a:pPr algn="just"/>
+            <a:r>
+              <a:rPr lang="en-US" b="1" dirty="0"/>
+              <a:t>Return Type:</a:t>
+            </a:r>
+            <a:r>
+              <a:rPr lang="en-US" dirty="0"/>
+              <a:t> Return type is a data type that the method returns. It may have a primitive data type, object, collection, void, etc. If the method does not return anything, we use void keyword.</a:t>
+            </a:r>
+          </a:p>
+          <a:p>
+            <a:pPr algn="just"/>
+            <a:endParaRPr lang="en-US" dirty="0"/>
+          </a:p>
+          <a:p>
+            <a:pPr algn="just"/>
+            <a:r>
+              <a:rPr lang="en-US" b="1" dirty="0"/>
+              <a:t>Method Name:</a:t>
+            </a:r>
+            <a:r>
+              <a:rPr lang="en-US" dirty="0"/>
+              <a:t> It is a unique name that is used to define the name of a method. </a:t>
+            </a:r>
+          </a:p>
+          <a:p>
+            <a:pPr algn="just"/>
+            <a:endParaRPr lang="en-US" dirty="0"/>
+          </a:p>
+          <a:p>
+            <a:pPr algn="just"/>
+            <a:r>
+              <a:rPr lang="en-US" b="1" dirty="0"/>
+              <a:t>Parameter List:</a:t>
+            </a:r>
+            <a:r>
+              <a:rPr lang="en-US" dirty="0"/>
+              <a:t> It is the list of parameters separated by a comma and enclosed in the pair of parentheses. It contains the data type and variable name. If the method has no parameter, left the parentheses blank</a:t>
+            </a:r>
+            <a:r>
+              <a:rPr lang="en-US" dirty="0" smtClean="0"/>
+              <a:t>.</a:t>
+            </a:r>
+          </a:p>
+          <a:p>
+            <a:pPr algn="just"/>
+            <a:endParaRPr lang="en-US" dirty="0"/>
+          </a:p>
+          <a:p>
+            <a:pPr algn="just"/>
+            <a:r>
+              <a:rPr lang="en-US" b="1" dirty="0"/>
+              <a:t>Method Body:</a:t>
+            </a:r>
+            <a:r>
+              <a:rPr lang="en-US" dirty="0"/>
+              <a:t> It is a part of the method declaration. It contains all the actions to be performed. It is enclosed within the pair of curly braces.</a:t>
+            </a:r>
+          </a:p>
+          <a:p>
+            <a:endParaRPr lang="en-US" dirty="0"/>
+          </a:p>
+          <a:p>
+            <a:endParaRPr lang="en-IN" dirty="0"/>
+          </a:p>
+          <a:p>
+            <a:endParaRPr lang="en-IN" dirty="0"/>
+          </a:p>
+        </p:txBody>
+      </p:sp>
+    </p:spTree>
+    <p:extLst>
+      <p:ext uri="{BB962C8B-B14F-4D97-AF65-F5344CB8AC3E}">
+        <p14:creationId xmlns:p14="http://schemas.microsoft.com/office/powerpoint/2010/main" val="3880751766"/>
+      </p:ext>
+    </p:extLst>
+  </p:cSld>
+  <p:clrMapOvr>
+    <a:masterClrMapping/>
+  </p:clrMapOvr>
+</p:sld>
+</file>
+
+<file path=ppt/slides/slide5.xml><?xml version="1.0" encoding="utf-8"?>
+<p:sld xmlns:a="http://schemas.openxmlformats.org/drawingml/2006/main" xmlns:r="http://schemas.openxmlformats.org/officeDocument/2006/relationships" xmlns:p="http://schemas.openxmlformats.org/presentationml/2006/main">
+  <p:cSld>
+    <p:spTree>
+      <p:nvGrpSpPr>
+        <p:cNvPr id="1" name=""/>
+        <p:cNvGrpSpPr/>
+        <p:nvPr/>
+      </p:nvGrpSpPr>
+      <p:grpSpPr>
+        <a:xfrm>
+          <a:off x="0" y="0"/>
+          <a:ext cx="0" cy="0"/>
+          <a:chOff x="0" y="0"/>
+          <a:chExt cx="0" cy="0"/>
+        </a:xfrm>
+      </p:grpSpPr>
+      <p:sp>
+        <p:nvSpPr>
+          <p:cNvPr id="2" name="Title 1"/>
+          <p:cNvSpPr>
+            <a:spLocks noGrp="1"/>
+          </p:cNvSpPr>
+          <p:nvPr>
+            <p:ph type="title"/>
+          </p:nvPr>
+        </p:nvSpPr>
+        <p:spPr>
+          <a:xfrm>
+            <a:off x="690721" y="692315"/>
+            <a:ext cx="8825659" cy="706964"/>
+          </a:xfrm>
+        </p:spPr>
+        <p:txBody>
+          <a:bodyPr/>
+          <a:lstStyle/>
+          <a:p>
+            <a:r>
+              <a:rPr lang="en-US" b="1" dirty="0"/>
+              <a:t>Naming a Method</a:t>
+            </a:r>
+            <a:endParaRPr lang="en-IN" dirty="0"/>
+          </a:p>
+        </p:txBody>
+      </p:sp>
+      <p:sp>
+        <p:nvSpPr>
+          <p:cNvPr id="3" name="Content Placeholder 2"/>
+          <p:cNvSpPr>
+            <a:spLocks noGrp="1"/>
+          </p:cNvSpPr>
+          <p:nvPr>
+            <p:ph idx="1"/>
+          </p:nvPr>
+        </p:nvSpPr>
+        <p:spPr>
+          <a:xfrm>
+            <a:off x="492370" y="2433711"/>
+            <a:ext cx="11057206" cy="4262511"/>
+          </a:xfrm>
+        </p:spPr>
+        <p:txBody>
+          <a:bodyPr>
+            <a:normAutofit fontScale="85000" lnSpcReduction="10000"/>
+          </a:bodyPr>
+          <a:lstStyle/>
+          <a:p>
+            <a:pPr algn="just">
+              <a:lnSpc>
+                <a:spcPct val="150000"/>
+              </a:lnSpc>
+            </a:pPr>
+            <a:r>
+              <a:rPr lang="en-US" sz="1900" dirty="0"/>
+              <a:t>While defining a method, remember that the method name must be a </a:t>
+            </a:r>
+            <a:r>
+              <a:rPr lang="en-US" sz="1900" b="1" dirty="0"/>
+              <a:t>verb</a:t>
+            </a:r>
+            <a:r>
+              <a:rPr lang="en-US" sz="1900" dirty="0"/>
+              <a:t> and start with a </a:t>
+            </a:r>
+            <a:r>
+              <a:rPr lang="en-US" sz="1900" b="1" dirty="0"/>
+              <a:t>lowercase</a:t>
+            </a:r>
+            <a:r>
+              <a:rPr lang="en-US" sz="1900" dirty="0"/>
+              <a:t> letter. </a:t>
+            </a:r>
+          </a:p>
+          <a:p>
+            <a:pPr algn="just">
+              <a:lnSpc>
+                <a:spcPct val="150000"/>
+              </a:lnSpc>
+            </a:pPr>
+            <a:r>
+              <a:rPr lang="en-US" sz="1900" dirty="0"/>
+              <a:t>If the method name has more than two words, the first name must be a verb followed by adjective or noun. </a:t>
+            </a:r>
+          </a:p>
+          <a:p>
+            <a:pPr algn="just">
+              <a:lnSpc>
+                <a:spcPct val="150000"/>
+              </a:lnSpc>
+            </a:pPr>
+            <a:r>
+              <a:rPr lang="en-US" sz="1900" dirty="0"/>
+              <a:t>In the multi-word method name, the first letter of each word must be in </a:t>
+            </a:r>
+            <a:r>
+              <a:rPr lang="en-US" sz="1900" b="1" dirty="0"/>
+              <a:t>uppercase</a:t>
+            </a:r>
+            <a:r>
+              <a:rPr lang="en-US" sz="1900" dirty="0"/>
+              <a:t> except the first word. For example:</a:t>
+            </a:r>
+          </a:p>
+          <a:p>
+            <a:pPr algn="just">
+              <a:lnSpc>
+                <a:spcPct val="150000"/>
+              </a:lnSpc>
+            </a:pPr>
+            <a:r>
+              <a:rPr lang="en-US" sz="1900" b="1" dirty="0"/>
+              <a:t>Single-word method name:</a:t>
+            </a:r>
+            <a:r>
+              <a:rPr lang="en-US" sz="1900" dirty="0"/>
+              <a:t> sum(), area()</a:t>
+            </a:r>
+          </a:p>
+          <a:p>
+            <a:pPr algn="just">
+              <a:lnSpc>
+                <a:spcPct val="150000"/>
+              </a:lnSpc>
+            </a:pPr>
+            <a:r>
+              <a:rPr lang="en-US" sz="1900" b="1" dirty="0"/>
+              <a:t>Multi-word method name:</a:t>
+            </a:r>
+            <a:r>
+              <a:rPr lang="en-US" sz="1900" dirty="0"/>
+              <a:t> </a:t>
+            </a:r>
+            <a:r>
+              <a:rPr lang="en-US" sz="1900" dirty="0" err="1"/>
+              <a:t>areaOfCircle</a:t>
+            </a:r>
+            <a:r>
+              <a:rPr lang="en-US" sz="1900" dirty="0"/>
+              <a:t>(), </a:t>
+            </a:r>
+            <a:r>
+              <a:rPr lang="en-US" sz="1900" dirty="0" err="1"/>
+              <a:t>stringComparision</a:t>
+            </a:r>
+            <a:r>
+              <a:rPr lang="en-US" sz="1900" dirty="0"/>
+              <a:t>()</a:t>
+            </a:r>
+          </a:p>
+          <a:p>
+            <a:pPr algn="just">
+              <a:lnSpc>
+                <a:spcPct val="150000"/>
+              </a:lnSpc>
+            </a:pPr>
+            <a:r>
+              <a:rPr lang="en-US" sz="1900" dirty="0"/>
+              <a:t>It is also possible that a method has the same name as another method name in the same class, it is known as </a:t>
+            </a:r>
+            <a:r>
+              <a:rPr lang="en-US" sz="1900" b="1" dirty="0"/>
+              <a:t>method overloading</a:t>
+            </a:r>
+            <a:r>
+              <a:rPr lang="en-US" sz="1900" dirty="0"/>
+              <a:t>.</a:t>
+            </a:r>
+          </a:p>
+          <a:p>
+            <a:pPr algn="just">
+              <a:lnSpc>
+                <a:spcPct val="150000"/>
+              </a:lnSpc>
+            </a:pPr>
+            <a:endParaRPr lang="en-US" sz="1900" dirty="0"/>
+          </a:p>
+          <a:p>
+            <a:pPr algn="just">
+              <a:lnSpc>
+                <a:spcPct val="150000"/>
+              </a:lnSpc>
+            </a:pPr>
+            <a:endParaRPr lang="en-US" sz="1900" dirty="0"/>
+          </a:p>
+          <a:p>
+            <a:pPr>
+              <a:lnSpc>
+                <a:spcPct val="150000"/>
+              </a:lnSpc>
+            </a:pPr>
+            <a:endParaRPr lang="en-IN" sz="1900" dirty="0"/>
+          </a:p>
+        </p:txBody>
+      </p:sp>
+    </p:spTree>
+    <p:extLst>
+      <p:ext uri="{BB962C8B-B14F-4D97-AF65-F5344CB8AC3E}">
+        <p14:creationId xmlns:p14="http://schemas.microsoft.com/office/powerpoint/2010/main" val="2496570290"/>
+      </p:ext>
+    </p:extLst>
+  </p:cSld>
+  <p:clrMapOvr>
+    <a:masterClrMapping/>
+  </p:clrMapOvr>
+</p:sld>
+</file>
+
+<file path=ppt/slides/slide6.xml><?xml version="1.0" encoding="utf-8"?>
+<p:sld xmlns:a="http://schemas.openxmlformats.org/drawingml/2006/main" xmlns:r="http://schemas.openxmlformats.org/officeDocument/2006/relationships" xmlns:p="http://schemas.openxmlformats.org/presentationml/2006/main">
+  <p:cSld>
+    <p:spTree>
+      <p:nvGrpSpPr>
+        <p:cNvPr id="1" name=""/>
+        <p:cNvGrpSpPr/>
+        <p:nvPr/>
+      </p:nvGrpSpPr>
+      <p:grpSpPr>
+        <a:xfrm>
+          <a:off x="0" y="0"/>
+          <a:ext cx="0" cy="0"/>
+          <a:chOff x="0" y="0"/>
+          <a:chExt cx="0" cy="0"/>
+        </a:xfrm>
+      </p:grpSpPr>
+      <p:sp>
+        <p:nvSpPr>
+          <p:cNvPr id="2" name="Title 1"/>
+          <p:cNvSpPr>
+            <a:spLocks noGrp="1"/>
+          </p:cNvSpPr>
+          <p:nvPr>
+            <p:ph type="title"/>
+          </p:nvPr>
+        </p:nvSpPr>
+        <p:spPr/>
+        <p:txBody>
+          <a:bodyPr/>
+          <a:lstStyle/>
+          <a:p>
+            <a:r>
+              <a:rPr lang="en-IN" b="1" dirty="0"/>
+              <a:t>Java Method Return Type</a:t>
+            </a:r>
+            <a:br>
+              <a:rPr lang="en-IN" b="1" dirty="0"/>
+            </a:br>
+            <a:endParaRPr lang="en-IN" dirty="0"/>
+          </a:p>
+        </p:txBody>
+      </p:sp>
+      <p:sp>
+        <p:nvSpPr>
+          <p:cNvPr id="3" name="Content Placeholder 2"/>
+          <p:cNvSpPr>
+            <a:spLocks noGrp="1"/>
+          </p:cNvSpPr>
+          <p:nvPr>
+            <p:ph idx="1"/>
+          </p:nvPr>
+        </p:nvSpPr>
+        <p:spPr>
+          <a:xfrm>
+            <a:off x="858130" y="2518117"/>
+            <a:ext cx="10607040" cy="3798277"/>
+          </a:xfrm>
+        </p:spPr>
+        <p:txBody>
+          <a:bodyPr>
+            <a:normAutofit lnSpcReduction="10000"/>
+          </a:bodyPr>
+          <a:lstStyle/>
+          <a:p>
+            <a:pPr marL="0" indent="0" algn="just">
+              <a:buNone/>
+            </a:pPr>
+            <a:r>
+              <a:rPr lang="en-US" sz="2400" dirty="0"/>
+              <a:t>A Java method may or may not return a value to the function call. We use the </a:t>
+            </a:r>
+            <a:r>
+              <a:rPr lang="en-US" sz="2400" b="1" dirty="0"/>
+              <a:t>return statement</a:t>
+            </a:r>
+            <a:r>
+              <a:rPr lang="en-US" sz="2400" dirty="0"/>
+              <a:t> to return any value.</a:t>
+            </a:r>
+            <a:endParaRPr lang="en-US" sz="2400" dirty="0" smtClean="0"/>
+          </a:p>
+          <a:p>
+            <a:endParaRPr lang="en-US" dirty="0"/>
+          </a:p>
+          <a:p>
+            <a:pPr marL="400050" lvl="1" indent="0">
+              <a:buNone/>
+            </a:pPr>
+            <a:r>
+              <a:rPr lang="en-US" sz="2800" dirty="0" err="1" smtClean="0"/>
+              <a:t>int</a:t>
+            </a:r>
+            <a:r>
+              <a:rPr lang="en-US" sz="2800" dirty="0" smtClean="0"/>
+              <a:t> sum()</a:t>
+            </a:r>
+          </a:p>
+          <a:p>
+            <a:pPr marL="400050" lvl="1" indent="0">
+              <a:buNone/>
+            </a:pPr>
+            <a:r>
+              <a:rPr lang="en-US" sz="2800" dirty="0" smtClean="0"/>
+              <a:t>{</a:t>
+            </a:r>
+          </a:p>
+          <a:p>
+            <a:pPr marL="400050" lvl="1" indent="0">
+              <a:buNone/>
+            </a:pPr>
+            <a:endParaRPr lang="en-US" sz="2800" dirty="0"/>
+          </a:p>
+          <a:p>
+            <a:pPr marL="857250" lvl="2" indent="0">
+              <a:buNone/>
+            </a:pPr>
+            <a:r>
+              <a:rPr lang="en-US" sz="2400" dirty="0"/>
+              <a:t>r</a:t>
+            </a:r>
+            <a:r>
+              <a:rPr lang="en-US" sz="2400" dirty="0" smtClean="0"/>
+              <a:t>eturn 10+20;</a:t>
+            </a:r>
+          </a:p>
+          <a:p>
+            <a:pPr marL="400050" lvl="1" indent="0">
+              <a:buNone/>
+            </a:pPr>
+            <a:r>
+              <a:rPr lang="en-US" sz="2800" dirty="0"/>
+              <a:t>}</a:t>
+            </a:r>
+            <a:endParaRPr lang="en-IN" sz="2800" dirty="0"/>
+          </a:p>
+        </p:txBody>
+      </p:sp>
+    </p:spTree>
+    <p:extLst>
+      <p:ext uri="{BB962C8B-B14F-4D97-AF65-F5344CB8AC3E}">
+        <p14:creationId xmlns:p14="http://schemas.microsoft.com/office/powerpoint/2010/main" val="1546339962"/>
+      </p:ext>
+    </p:extLst>
+  </p:cSld>
+  <p:clrMapOvr>
+    <a:masterClrMapping/>
+  </p:clrMapOvr>
+</p:sld>
+</file>
+
+<file path=ppt/slides/slide7.xml><?xml version="1.0" encoding="utf-8"?>
+<p:sld xmlns:a="http://schemas.openxmlformats.org/drawingml/2006/main" xmlns:r="http://schemas.openxmlformats.org/officeDocument/2006/relationships" xmlns:p="http://schemas.openxmlformats.org/presentationml/2006/main">
+  <p:cSld>
+    <p:spTree>
+      <p:nvGrpSpPr>
+        <p:cNvPr id="1" name=""/>
+        <p:cNvGrpSpPr/>
+        <p:nvPr/>
+      </p:nvGrpSpPr>
+      <p:grpSpPr>
+        <a:xfrm>
+          <a:off x="0" y="0"/>
+          <a:ext cx="0" cy="0"/>
+          <a:chOff x="0" y="0"/>
+          <a:chExt cx="0" cy="0"/>
+        </a:xfrm>
+      </p:grpSpPr>
+      <p:sp>
+        <p:nvSpPr>
+          <p:cNvPr id="2" name="Title 1"/>
+          <p:cNvSpPr>
+            <a:spLocks noGrp="1"/>
+          </p:cNvSpPr>
+          <p:nvPr>
+            <p:ph type="title"/>
+          </p:nvPr>
+        </p:nvSpPr>
+        <p:spPr>
+          <a:xfrm>
+            <a:off x="703373" y="642364"/>
+            <a:ext cx="8825659" cy="706964"/>
+          </a:xfrm>
+        </p:spPr>
+        <p:txBody>
+          <a:bodyPr/>
+          <a:lstStyle/>
+          <a:p>
+            <a:r>
+              <a:rPr lang="en-US" b="1" dirty="0" smtClean="0"/>
+              <a:t>Recursion</a:t>
+            </a:r>
+            <a:endParaRPr lang="en-IN" b="1" dirty="0"/>
+          </a:p>
+        </p:txBody>
+      </p:sp>
+      <p:sp>
+        <p:nvSpPr>
+          <p:cNvPr id="3" name="Content Placeholder 2"/>
+          <p:cNvSpPr>
+            <a:spLocks noGrp="1"/>
+          </p:cNvSpPr>
+          <p:nvPr>
+            <p:ph idx="1"/>
+          </p:nvPr>
+        </p:nvSpPr>
+        <p:spPr>
+          <a:xfrm>
+            <a:off x="556592" y="2451651"/>
+            <a:ext cx="10681251" cy="3382617"/>
+          </a:xfrm>
+        </p:spPr>
+        <p:txBody>
+          <a:bodyPr>
+            <a:noAutofit/>
+          </a:bodyPr>
+          <a:lstStyle/>
+          <a:p>
+            <a:pPr algn="just">
+              <a:lnSpc>
+                <a:spcPct val="150000"/>
+              </a:lnSpc>
+            </a:pPr>
+            <a:r>
+              <a:rPr lang="en-US" dirty="0"/>
+              <a:t>The process in which a </a:t>
+            </a:r>
+            <a:r>
+              <a:rPr lang="en-US" dirty="0" smtClean="0"/>
+              <a:t>function/method </a:t>
+            </a:r>
+            <a:r>
+              <a:rPr lang="en-US" dirty="0"/>
+              <a:t>calls itself directly or indirectly is called recursion and the corresponding function is called as recursive function.</a:t>
+            </a:r>
+          </a:p>
+          <a:p>
+            <a:pPr algn="just">
+              <a:lnSpc>
+                <a:spcPct val="150000"/>
+              </a:lnSpc>
+            </a:pPr>
+            <a:r>
+              <a:rPr lang="en-US" dirty="0"/>
+              <a:t> It is especially good for working on things that have many possible branches and are too complex for an iterative approach</a:t>
+            </a:r>
+            <a:r>
+              <a:rPr lang="en-US" dirty="0" smtClean="0"/>
+              <a:t>.</a:t>
+            </a:r>
+          </a:p>
+          <a:p>
+            <a:pPr algn="just">
+              <a:lnSpc>
+                <a:spcPct val="150000"/>
+              </a:lnSpc>
+            </a:pPr>
+            <a:r>
+              <a:rPr lang="en-US" dirty="0"/>
+              <a:t>When a recursive call is made, new storage locations for </a:t>
+            </a:r>
+            <a:r>
+              <a:rPr lang="en-US" dirty="0">
+                <a:hlinkClick r:id="rId2"/>
+              </a:rPr>
+              <a:t>variables</a:t>
+            </a:r>
+            <a:r>
+              <a:rPr lang="en-US" dirty="0"/>
+              <a:t> are allocated on the stack. As, each recursive call returns, the old variables and parameters are removed from the stack. Hence, recursion generally uses more memory and is generally slow.</a:t>
+            </a:r>
+          </a:p>
+          <a:p>
+            <a:pPr algn="just">
+              <a:lnSpc>
+                <a:spcPct val="150000"/>
+              </a:lnSpc>
+            </a:pPr>
+            <a:r>
+              <a:rPr lang="en-US" dirty="0"/>
+              <a:t>On the other hand, a recursive solution is much simpler and takes less time to write, debug and maintain.</a:t>
+            </a:r>
+          </a:p>
+          <a:p>
+            <a:pPr algn="just">
+              <a:lnSpc>
+                <a:spcPct val="150000"/>
+              </a:lnSpc>
+            </a:pPr>
+            <a:endParaRPr lang="en-IN" dirty="0"/>
+          </a:p>
+        </p:txBody>
+      </p:sp>
+    </p:spTree>
+    <p:extLst>
+      <p:ext uri="{BB962C8B-B14F-4D97-AF65-F5344CB8AC3E}">
+        <p14:creationId xmlns:p14="http://schemas.microsoft.com/office/powerpoint/2010/main" val="566574257"/>
+      </p:ext>
+    </p:extLst>
+  </p:cSld>
+  <p:clrMapOvr>
+    <a:masterClrMapping/>
+  </p:clrMapOvr>
+</p:sld>
+</file>
+
+<file path=ppt/slides/slide8.xml><?xml version="1.0" encoding="utf-8"?>
+<p:sld xmlns:a="http://schemas.openxmlformats.org/drawingml/2006/main" xmlns:r="http://schemas.openxmlformats.org/officeDocument/2006/relationships" xmlns:p="http://schemas.openxmlformats.org/presentationml/2006/main">
+  <p:cSld>
+    <p:spTree>
+      <p:nvGrpSpPr>
+        <p:cNvPr id="1" name=""/>
+        <p:cNvGrpSpPr/>
+        <p:nvPr/>
+      </p:nvGrpSpPr>
+      <p:grpSpPr>
+        <a:xfrm>
+          <a:off x="0" y="0"/>
+          <a:ext cx="0" cy="0"/>
+          <a:chOff x="0" y="0"/>
+          <a:chExt cx="0" cy="0"/>
+        </a:xfrm>
+      </p:grpSpPr>
+      <p:sp>
+        <p:nvSpPr>
+          <p:cNvPr id="2" name="Title 1"/>
+          <p:cNvSpPr>
+            <a:spLocks noGrp="1"/>
+          </p:cNvSpPr>
+          <p:nvPr>
+            <p:ph type="title"/>
+          </p:nvPr>
+        </p:nvSpPr>
+        <p:spPr/>
+        <p:txBody>
+          <a:bodyPr/>
+          <a:lstStyle/>
+          <a:p>
+            <a:r>
+              <a:rPr lang="en-US" b="1" dirty="0"/>
+              <a:t>Example:</a:t>
+            </a:r>
+            <a:endParaRPr lang="en-IN" b="1" dirty="0"/>
+          </a:p>
+        </p:txBody>
+      </p:sp>
+      <p:pic>
+        <p:nvPicPr>
+          <p:cNvPr id="4" name="Content Placeholder 3"/>
+          <p:cNvPicPr>
+            <a:picLocks noGrp="1" noChangeAspect="1"/>
+          </p:cNvPicPr>
+          <p:nvPr>
+            <p:ph idx="1"/>
+          </p:nvPr>
+        </p:nvPicPr>
+        <p:blipFill rotWithShape="1">
+          <a:blip r:embed="rId2">
+            <a:extLst>
+              <a:ext uri="{28A0092B-C50C-407E-A947-70E740481C1C}">
+                <a14:useLocalDpi xmlns:a14="http://schemas.microsoft.com/office/drawing/2010/main" val="0"/>
+              </a:ext>
+            </a:extLst>
+          </a:blip>
+          <a:stretch/>
+        </p:blipFill>
+        <p:spPr>
+          <a:xfrm>
+            <a:off x="2728372" y="2478152"/>
+            <a:ext cx="5678821" cy="3992221"/>
+          </a:xfrm>
+          <a:prstGeom prst="rect">
+            <a:avLst/>
+          </a:prstGeom>
+        </p:spPr>
+      </p:pic>
+    </p:spTree>
+    <p:extLst>
+      <p:ext uri="{BB962C8B-B14F-4D97-AF65-F5344CB8AC3E}">
+        <p14:creationId xmlns:p14="http://schemas.microsoft.com/office/powerpoint/2010/main" val="2735066864"/>
+      </p:ext>
+    </p:extLst>
+  </p:cSld>
+  <p:clrMapOvr>
+    <a:masterClrMapping/>
+  </p:clrMapOvr>
+</p:sld>
+</file>
+
 <file path=ppt/theme/theme1.xml><?xml version="1.0" encoding="utf-8"?>
 <a:theme xmlns:a="http://schemas.openxmlformats.org/drawingml/2006/main" name="Ion Boardroom">
   <a:themeElements>
-    <a:clrScheme name="Blue">
+    <a:clrScheme name="Ion Boardroom">
       <a:dk1>
         <a:sysClr val="windowText" lastClr="000000"/>
       </a:dk1>
@@ -13739,34 +13584,34 @@
         <a:sysClr val="window" lastClr="FFFFFF"/>
       </a:lt1>
       <a:dk2>
-        <a:srgbClr val="17406D"/>
+        <a:srgbClr val="1E5155"/>
       </a:dk2>
       <a:lt2>
-        <a:srgbClr val="DBEFF9"/>
+        <a:srgbClr val="EBEBEB"/>
       </a:lt2>
       <a:accent1>
-        <a:srgbClr val="0F6FC6"/>
+        <a:srgbClr val="B01513"/>
       </a:accent1>
       <a:accent2>
-        <a:srgbClr val="009DD9"/>
+        <a:srgbClr val="EA6312"/>
       </a:accent2>
       <a:accent3>
-        <a:srgbClr val="0BD0D9"/>
+        <a:srgbClr val="E6B729"/>
       </a:accent3>
       <a:accent4>
-        <a:srgbClr val="10CF9B"/>
+        <a:srgbClr val="6AAC90"/>
       </a:accent4>
       <a:accent5>
-        <a:srgbClr val="7CCA62"/>
+        <a:srgbClr val="5F9C9D"/>
       </a:accent5>
       <a:accent6>
-        <a:srgbClr val="A5C249"/>
+        <a:srgbClr val="9E5E9B"/>
       </a:accent6>
       <a:hlink>
-        <a:srgbClr val="F49100"/>
+        <a:srgbClr val="58C1BA"/>
       </a:hlink>
       <a:folHlink>
-        <a:srgbClr val="85DFD0"/>
+        <a:srgbClr val="9DFFCB"/>
       </a:folHlink>
     </a:clrScheme>
     <a:fontScheme name="Ion Boardroom">
@@ -13942,18 +13787,19 @@
           <a:gsLst>
             <a:gs pos="0">
               <a:schemeClr val="phClr">
-                <a:tint val="92000"/>
-                <a:hueMod val="96000"/>
-                <a:satMod val="128000"/>
-                <a:lumMod val="114000"/>
+                <a:tint val="97000"/>
+                <a:hueMod val="88000"/>
+                <a:satMod val="130000"/>
+                <a:lumMod val="124000"/>
               </a:schemeClr>
             </a:gs>
             <a:gs pos="100000">
               <a:schemeClr val="phClr">
-                <a:shade val="62000"/>
-                <a:hueMod val="100000"/>
-                <a:satMod val="134000"/>
-                <a:lumMod val="56000"/>
+                <a:tint val="96000"/>
+                <a:shade val="88000"/>
+                <a:hueMod val="108000"/>
+                <a:satMod val="164000"/>
+                <a:lumMod val="76000"/>
               </a:schemeClr>
             </a:gs>
           </a:gsLst>
@@ -13965,16 +13811,16 @@
           <a:blip xmlns:r="http://schemas.openxmlformats.org/officeDocument/2006/relationships" r:embed="rId1">
             <a:duotone>
               <a:schemeClr val="phClr">
-                <a:shade val="62000"/>
+                <a:shade val="69000"/>
                 <a:hueMod val="108000"/>
                 <a:satMod val="164000"/>
-                <a:lumMod val="69000"/>
+                <a:lumMod val="74000"/>
               </a:schemeClr>
               <a:schemeClr val="phClr">
                 <a:tint val="96000"/>
-                <a:hueMod val="90000"/>
-                <a:satMod val="130000"/>
-                <a:lumMod val="134000"/>
+                <a:hueMod val="88000"/>
+                <a:satMod val="140000"/>
+                <a:lumMod val="132000"/>
               </a:schemeClr>
             </a:duotone>
           </a:blip>
@@ -13987,7 +13833,7 @@
   <a:extraClrSchemeLst/>
   <a:extLst>
     <a:ext uri="{05A4C25C-085E-4340-85A3-A5531E510DB2}">
-      <thm15:themeFamily xmlns:thm15="http://schemas.microsoft.com/office/thememl/2012/main" name="Ion Boardroom" id="{FC33163D-4339-46B1-8EED-24C834239D99}" vid="{A3AB87EF-B655-4FFF-8D05-F333AD7F2789}"/>
+      <thm15:themeFamily xmlns:thm15="http://schemas.microsoft.com/office/thememl/2012/main" name="Ion Boardroom" id="{FC33163D-4339-46B1-8EED-24C834239D99}" vid="{EC7F02AD-9687-440F-A9DF-FAA6F22270D7}"/>
     </a:ext>
   </a:extLst>
 </a:theme>
